--- a/Folie.pptx
+++ b/Folie.pptx
@@ -3337,6 +3337,723 @@
           <a:chExt cx="0" cy="0"/>
         </a:xfrm>
       </p:grpSpPr>
+      <p:grpSp>
+        <p:nvGrpSpPr>
+          <p:cNvPr id="12" name="Gruppieren 11">
+            <a:extLst>
+              <a:ext uri="{FF2B5EF4-FFF2-40B4-BE49-F238E27FC236}">
+                <a16:creationId xmlns:a16="http://schemas.microsoft.com/office/drawing/2014/main" id="{173AC373-CB92-4A25-A547-75BA389C87E2}"/>
+              </a:ext>
+            </a:extLst>
+          </p:cNvPr>
+          <p:cNvGrpSpPr/>
+          <p:nvPr/>
+        </p:nvGrpSpPr>
+        <p:grpSpPr>
+          <a:xfrm>
+            <a:off x="0" y="0"/>
+            <a:ext cx="12192000" cy="6858000"/>
+            <a:chOff x="0" y="0"/>
+            <a:chExt cx="12192000" cy="6858000"/>
+          </a:xfrm>
+        </p:grpSpPr>
+        <p:sp>
+          <p:nvSpPr>
+            <p:cNvPr id="4" name="Rechteck 3">
+              <a:extLst>
+                <a:ext uri="{FF2B5EF4-FFF2-40B4-BE49-F238E27FC236}">
+                  <a16:creationId xmlns:a16="http://schemas.microsoft.com/office/drawing/2014/main" id="{1142CB3D-741D-4507-AB4C-BE142C0F0900}"/>
+                </a:ext>
+              </a:extLst>
+            </p:cNvPr>
+            <p:cNvSpPr/>
+            <p:nvPr/>
+          </p:nvSpPr>
+          <p:spPr>
+            <a:xfrm>
+              <a:off x="3035508" y="0"/>
+              <a:ext cx="3060492" cy="3429000"/>
+            </a:xfrm>
+            <a:prstGeom prst="rect">
+              <a:avLst/>
+            </a:prstGeom>
+            <a:noFill/>
+            <a:ln>
+              <a:solidFill>
+                <a:schemeClr val="tx1"/>
+              </a:solidFill>
+            </a:ln>
+          </p:spPr>
+          <p:style>
+            <a:lnRef idx="2">
+              <a:schemeClr val="accent1">
+                <a:shade val="50000"/>
+              </a:schemeClr>
+            </a:lnRef>
+            <a:fillRef idx="1">
+              <a:schemeClr val="accent1"/>
+            </a:fillRef>
+            <a:effectRef idx="0">
+              <a:schemeClr val="accent1"/>
+            </a:effectRef>
+            <a:fontRef idx="minor">
+              <a:schemeClr val="lt1"/>
+            </a:fontRef>
+          </p:style>
+          <p:txBody>
+            <a:bodyPr rtlCol="0" anchor="ctr"/>
+            <a:lstStyle/>
+            <a:p>
+              <a:pPr algn="ctr"/>
+              <a:endParaRPr lang="de-DE"/>
+            </a:p>
+          </p:txBody>
+        </p:sp>
+        <p:sp>
+          <p:nvSpPr>
+            <p:cNvPr id="5" name="Rechteck 4">
+              <a:extLst>
+                <a:ext uri="{FF2B5EF4-FFF2-40B4-BE49-F238E27FC236}">
+                  <a16:creationId xmlns:a16="http://schemas.microsoft.com/office/drawing/2014/main" id="{7F732C5D-B9ED-46D2-A135-942EC5D880F6}"/>
+                </a:ext>
+              </a:extLst>
+            </p:cNvPr>
+            <p:cNvSpPr/>
+            <p:nvPr/>
+          </p:nvSpPr>
+          <p:spPr>
+            <a:xfrm>
+              <a:off x="0" y="0"/>
+              <a:ext cx="3035508" cy="3429000"/>
+            </a:xfrm>
+            <a:prstGeom prst="rect">
+              <a:avLst/>
+            </a:prstGeom>
+            <a:noFill/>
+            <a:ln>
+              <a:solidFill>
+                <a:schemeClr val="tx1"/>
+              </a:solidFill>
+            </a:ln>
+          </p:spPr>
+          <p:style>
+            <a:lnRef idx="2">
+              <a:schemeClr val="accent1">
+                <a:shade val="50000"/>
+              </a:schemeClr>
+            </a:lnRef>
+            <a:fillRef idx="1">
+              <a:schemeClr val="accent1"/>
+            </a:fillRef>
+            <a:effectRef idx="0">
+              <a:schemeClr val="accent1"/>
+            </a:effectRef>
+            <a:fontRef idx="minor">
+              <a:schemeClr val="lt1"/>
+            </a:fontRef>
+          </p:style>
+          <p:txBody>
+            <a:bodyPr rtlCol="0" anchor="ctr"/>
+            <a:lstStyle/>
+            <a:p>
+              <a:pPr algn="ctr"/>
+              <a:endParaRPr lang="de-DE"/>
+            </a:p>
+          </p:txBody>
+        </p:sp>
+        <p:sp>
+          <p:nvSpPr>
+            <p:cNvPr id="6" name="Rechteck 5">
+              <a:extLst>
+                <a:ext uri="{FF2B5EF4-FFF2-40B4-BE49-F238E27FC236}">
+                  <a16:creationId xmlns:a16="http://schemas.microsoft.com/office/drawing/2014/main" id="{790B1D5A-C86E-4B2A-8D2E-5A0F6961B4F4}"/>
+                </a:ext>
+              </a:extLst>
+            </p:cNvPr>
+            <p:cNvSpPr/>
+            <p:nvPr/>
+          </p:nvSpPr>
+          <p:spPr>
+            <a:xfrm>
+              <a:off x="3035508" y="3429000"/>
+              <a:ext cx="3060492" cy="3429000"/>
+            </a:xfrm>
+            <a:prstGeom prst="rect">
+              <a:avLst/>
+            </a:prstGeom>
+            <a:noFill/>
+            <a:ln>
+              <a:solidFill>
+                <a:schemeClr val="tx1"/>
+              </a:solidFill>
+            </a:ln>
+          </p:spPr>
+          <p:style>
+            <a:lnRef idx="2">
+              <a:schemeClr val="accent1">
+                <a:shade val="50000"/>
+              </a:schemeClr>
+            </a:lnRef>
+            <a:fillRef idx="1">
+              <a:schemeClr val="accent1"/>
+            </a:fillRef>
+            <a:effectRef idx="0">
+              <a:schemeClr val="accent1"/>
+            </a:effectRef>
+            <a:fontRef idx="minor">
+              <a:schemeClr val="lt1"/>
+            </a:fontRef>
+          </p:style>
+          <p:txBody>
+            <a:bodyPr rtlCol="0" anchor="ctr"/>
+            <a:lstStyle/>
+            <a:p>
+              <a:pPr algn="ctr"/>
+              <a:endParaRPr lang="de-DE"/>
+            </a:p>
+          </p:txBody>
+        </p:sp>
+        <p:sp>
+          <p:nvSpPr>
+            <p:cNvPr id="7" name="Rechteck 6">
+              <a:extLst>
+                <a:ext uri="{FF2B5EF4-FFF2-40B4-BE49-F238E27FC236}">
+                  <a16:creationId xmlns:a16="http://schemas.microsoft.com/office/drawing/2014/main" id="{38BA37BD-3D4C-4ECB-AAFC-65A4F11FBE37}"/>
+                </a:ext>
+              </a:extLst>
+            </p:cNvPr>
+            <p:cNvSpPr/>
+            <p:nvPr/>
+          </p:nvSpPr>
+          <p:spPr>
+            <a:xfrm>
+              <a:off x="0" y="3429000"/>
+              <a:ext cx="3035508" cy="3429000"/>
+            </a:xfrm>
+            <a:prstGeom prst="rect">
+              <a:avLst/>
+            </a:prstGeom>
+            <a:noFill/>
+            <a:ln>
+              <a:solidFill>
+                <a:schemeClr val="tx1"/>
+              </a:solidFill>
+            </a:ln>
+          </p:spPr>
+          <p:style>
+            <a:lnRef idx="2">
+              <a:schemeClr val="accent1">
+                <a:shade val="50000"/>
+              </a:schemeClr>
+            </a:lnRef>
+            <a:fillRef idx="1">
+              <a:schemeClr val="accent1"/>
+            </a:fillRef>
+            <a:effectRef idx="0">
+              <a:schemeClr val="accent1"/>
+            </a:effectRef>
+            <a:fontRef idx="minor">
+              <a:schemeClr val="lt1"/>
+            </a:fontRef>
+          </p:style>
+          <p:txBody>
+            <a:bodyPr rtlCol="0" anchor="ctr"/>
+            <a:lstStyle/>
+            <a:p>
+              <a:pPr algn="ctr"/>
+              <a:endParaRPr lang="de-DE"/>
+            </a:p>
+          </p:txBody>
+        </p:sp>
+        <p:sp>
+          <p:nvSpPr>
+            <p:cNvPr id="8" name="Rechteck 7">
+              <a:extLst>
+                <a:ext uri="{FF2B5EF4-FFF2-40B4-BE49-F238E27FC236}">
+                  <a16:creationId xmlns:a16="http://schemas.microsoft.com/office/drawing/2014/main" id="{AC05A577-5E5A-4CCE-A8B0-181B76B34B23}"/>
+                </a:ext>
+              </a:extLst>
+            </p:cNvPr>
+            <p:cNvSpPr/>
+            <p:nvPr/>
+          </p:nvSpPr>
+          <p:spPr>
+            <a:xfrm>
+              <a:off x="9131508" y="0"/>
+              <a:ext cx="3060492" cy="3429000"/>
+            </a:xfrm>
+            <a:prstGeom prst="rect">
+              <a:avLst/>
+            </a:prstGeom>
+            <a:noFill/>
+            <a:ln>
+              <a:solidFill>
+                <a:schemeClr val="tx1"/>
+              </a:solidFill>
+            </a:ln>
+          </p:spPr>
+          <p:style>
+            <a:lnRef idx="2">
+              <a:schemeClr val="accent1">
+                <a:shade val="50000"/>
+              </a:schemeClr>
+            </a:lnRef>
+            <a:fillRef idx="1">
+              <a:schemeClr val="accent1"/>
+            </a:fillRef>
+            <a:effectRef idx="0">
+              <a:schemeClr val="accent1"/>
+            </a:effectRef>
+            <a:fontRef idx="minor">
+              <a:schemeClr val="lt1"/>
+            </a:fontRef>
+          </p:style>
+          <p:txBody>
+            <a:bodyPr rtlCol="0" anchor="ctr"/>
+            <a:lstStyle/>
+            <a:p>
+              <a:pPr algn="ctr"/>
+              <a:endParaRPr lang="de-DE"/>
+            </a:p>
+          </p:txBody>
+        </p:sp>
+        <p:sp>
+          <p:nvSpPr>
+            <p:cNvPr id="9" name="Rechteck 8">
+              <a:extLst>
+                <a:ext uri="{FF2B5EF4-FFF2-40B4-BE49-F238E27FC236}">
+                  <a16:creationId xmlns:a16="http://schemas.microsoft.com/office/drawing/2014/main" id="{3D552368-C854-4619-90B5-C7BFE7DAE5CF}"/>
+                </a:ext>
+              </a:extLst>
+            </p:cNvPr>
+            <p:cNvSpPr/>
+            <p:nvPr/>
+          </p:nvSpPr>
+          <p:spPr>
+            <a:xfrm>
+              <a:off x="6096000" y="0"/>
+              <a:ext cx="3035508" cy="3429000"/>
+            </a:xfrm>
+            <a:prstGeom prst="rect">
+              <a:avLst/>
+            </a:prstGeom>
+            <a:noFill/>
+            <a:ln>
+              <a:solidFill>
+                <a:schemeClr val="tx1"/>
+              </a:solidFill>
+            </a:ln>
+          </p:spPr>
+          <p:style>
+            <a:lnRef idx="2">
+              <a:schemeClr val="accent1">
+                <a:shade val="50000"/>
+              </a:schemeClr>
+            </a:lnRef>
+            <a:fillRef idx="1">
+              <a:schemeClr val="accent1"/>
+            </a:fillRef>
+            <a:effectRef idx="0">
+              <a:schemeClr val="accent1"/>
+            </a:effectRef>
+            <a:fontRef idx="minor">
+              <a:schemeClr val="lt1"/>
+            </a:fontRef>
+          </p:style>
+          <p:txBody>
+            <a:bodyPr rtlCol="0" anchor="ctr"/>
+            <a:lstStyle/>
+            <a:p>
+              <a:pPr algn="ctr"/>
+              <a:endParaRPr lang="de-DE"/>
+            </a:p>
+          </p:txBody>
+        </p:sp>
+        <p:sp>
+          <p:nvSpPr>
+            <p:cNvPr id="10" name="Rechteck 9">
+              <a:extLst>
+                <a:ext uri="{FF2B5EF4-FFF2-40B4-BE49-F238E27FC236}">
+                  <a16:creationId xmlns:a16="http://schemas.microsoft.com/office/drawing/2014/main" id="{6DA7C353-7818-4FE1-963A-558AB424C1E8}"/>
+                </a:ext>
+              </a:extLst>
+            </p:cNvPr>
+            <p:cNvSpPr/>
+            <p:nvPr/>
+          </p:nvSpPr>
+          <p:spPr>
+            <a:xfrm>
+              <a:off x="9131508" y="3429000"/>
+              <a:ext cx="3060492" cy="3429000"/>
+            </a:xfrm>
+            <a:prstGeom prst="rect">
+              <a:avLst/>
+            </a:prstGeom>
+            <a:noFill/>
+            <a:ln>
+              <a:solidFill>
+                <a:schemeClr val="tx1"/>
+              </a:solidFill>
+            </a:ln>
+          </p:spPr>
+          <p:style>
+            <a:lnRef idx="2">
+              <a:schemeClr val="accent1">
+                <a:shade val="50000"/>
+              </a:schemeClr>
+            </a:lnRef>
+            <a:fillRef idx="1">
+              <a:schemeClr val="accent1"/>
+            </a:fillRef>
+            <a:effectRef idx="0">
+              <a:schemeClr val="accent1"/>
+            </a:effectRef>
+            <a:fontRef idx="minor">
+              <a:schemeClr val="lt1"/>
+            </a:fontRef>
+          </p:style>
+          <p:txBody>
+            <a:bodyPr rtlCol="0" anchor="ctr"/>
+            <a:lstStyle/>
+            <a:p>
+              <a:pPr algn="ctr"/>
+              <a:endParaRPr lang="de-DE"/>
+            </a:p>
+          </p:txBody>
+        </p:sp>
+        <p:sp>
+          <p:nvSpPr>
+            <p:cNvPr id="11" name="Rechteck 10">
+              <a:extLst>
+                <a:ext uri="{FF2B5EF4-FFF2-40B4-BE49-F238E27FC236}">
+                  <a16:creationId xmlns:a16="http://schemas.microsoft.com/office/drawing/2014/main" id="{71204D3F-1C44-442C-9C83-8BD2DF457853}"/>
+                </a:ext>
+              </a:extLst>
+            </p:cNvPr>
+            <p:cNvSpPr/>
+            <p:nvPr/>
+          </p:nvSpPr>
+          <p:spPr>
+            <a:xfrm>
+              <a:off x="6096000" y="3429000"/>
+              <a:ext cx="3035508" cy="3429000"/>
+            </a:xfrm>
+            <a:prstGeom prst="rect">
+              <a:avLst/>
+            </a:prstGeom>
+            <a:noFill/>
+            <a:ln>
+              <a:solidFill>
+                <a:schemeClr val="tx1"/>
+              </a:solidFill>
+            </a:ln>
+          </p:spPr>
+          <p:style>
+            <a:lnRef idx="2">
+              <a:schemeClr val="accent1">
+                <a:shade val="50000"/>
+              </a:schemeClr>
+            </a:lnRef>
+            <a:fillRef idx="1">
+              <a:schemeClr val="accent1"/>
+            </a:fillRef>
+            <a:effectRef idx="0">
+              <a:schemeClr val="accent1"/>
+            </a:effectRef>
+            <a:fontRef idx="minor">
+              <a:schemeClr val="lt1"/>
+            </a:fontRef>
+          </p:style>
+          <p:txBody>
+            <a:bodyPr rtlCol="0" anchor="ctr"/>
+            <a:lstStyle/>
+            <a:p>
+              <a:pPr algn="ctr"/>
+              <a:endParaRPr lang="de-DE"/>
+            </a:p>
+          </p:txBody>
+        </p:sp>
+      </p:grpSp>
+      <p:sp>
+        <p:nvSpPr>
+          <p:cNvPr id="13" name="Textfeld 12">
+            <a:extLst>
+              <a:ext uri="{FF2B5EF4-FFF2-40B4-BE49-F238E27FC236}">
+                <a16:creationId xmlns:a16="http://schemas.microsoft.com/office/drawing/2014/main" id="{17528E68-DBBC-4BCC-B42C-DFC33AA2FA10}"/>
+              </a:ext>
+            </a:extLst>
+          </p:cNvPr>
+          <p:cNvSpPr txBox="1"/>
+          <p:nvPr/>
+        </p:nvSpPr>
+        <p:spPr>
+          <a:xfrm>
+            <a:off x="10058399" y="1455725"/>
+            <a:ext cx="760782" cy="830997"/>
+          </a:xfrm>
+          <a:prstGeom prst="rect">
+            <a:avLst/>
+          </a:prstGeom>
+          <a:noFill/>
+        </p:spPr>
+        <p:txBody>
+          <a:bodyPr wrap="square" rtlCol="0">
+            <a:spAutoFit/>
+          </a:bodyPr>
+          <a:lstStyle/>
+          <a:p>
+            <a:r>
+              <a:rPr lang="de-DE" sz="4800" dirty="0"/>
+              <a:t>1.</a:t>
+            </a:r>
+          </a:p>
+        </p:txBody>
+      </p:sp>
+      <p:sp>
+        <p:nvSpPr>
+          <p:cNvPr id="14" name="Textfeld 13">
+            <a:extLst>
+              <a:ext uri="{FF2B5EF4-FFF2-40B4-BE49-F238E27FC236}">
+                <a16:creationId xmlns:a16="http://schemas.microsoft.com/office/drawing/2014/main" id="{BC4BBA8B-902C-4141-A779-85882C6F1FC2}"/>
+              </a:ext>
+            </a:extLst>
+          </p:cNvPr>
+          <p:cNvSpPr txBox="1"/>
+          <p:nvPr/>
+        </p:nvSpPr>
+        <p:spPr>
+          <a:xfrm rot="10800000">
+            <a:off x="10281363" y="4380585"/>
+            <a:ext cx="760782" cy="830997"/>
+          </a:xfrm>
+          <a:prstGeom prst="rect">
+            <a:avLst/>
+          </a:prstGeom>
+          <a:noFill/>
+        </p:spPr>
+        <p:txBody>
+          <a:bodyPr wrap="square" rtlCol="0">
+            <a:spAutoFit/>
+          </a:bodyPr>
+          <a:lstStyle/>
+          <a:p>
+            <a:r>
+              <a:rPr lang="de-DE" sz="4800" dirty="0"/>
+              <a:t>2.</a:t>
+            </a:r>
+          </a:p>
+        </p:txBody>
+      </p:sp>
+      <p:sp>
+        <p:nvSpPr>
+          <p:cNvPr id="16" name="Textfeld 15">
+            <a:extLst>
+              <a:ext uri="{FF2B5EF4-FFF2-40B4-BE49-F238E27FC236}">
+                <a16:creationId xmlns:a16="http://schemas.microsoft.com/office/drawing/2014/main" id="{EE253664-21BC-4695-8AE9-3F219903EADA}"/>
+              </a:ext>
+            </a:extLst>
+          </p:cNvPr>
+          <p:cNvSpPr txBox="1"/>
+          <p:nvPr/>
+        </p:nvSpPr>
+        <p:spPr>
+          <a:xfrm>
+            <a:off x="6840480" y="1220419"/>
+            <a:ext cx="760782" cy="830997"/>
+          </a:xfrm>
+          <a:prstGeom prst="rect">
+            <a:avLst/>
+          </a:prstGeom>
+          <a:noFill/>
+        </p:spPr>
+        <p:txBody>
+          <a:bodyPr wrap="square" rtlCol="0">
+            <a:spAutoFit/>
+          </a:bodyPr>
+          <a:lstStyle/>
+          <a:p>
+            <a:r>
+              <a:rPr lang="de-DE" sz="4800" dirty="0"/>
+              <a:t>8.</a:t>
+            </a:r>
+          </a:p>
+        </p:txBody>
+      </p:sp>
+      <p:sp>
+        <p:nvSpPr>
+          <p:cNvPr id="17" name="Textfeld 16">
+            <a:extLst>
+              <a:ext uri="{FF2B5EF4-FFF2-40B4-BE49-F238E27FC236}">
+                <a16:creationId xmlns:a16="http://schemas.microsoft.com/office/drawing/2014/main" id="{27354A83-FB21-40CF-B422-38A29A8ED781}"/>
+              </a:ext>
+            </a:extLst>
+          </p:cNvPr>
+          <p:cNvSpPr txBox="1"/>
+          <p:nvPr/>
+        </p:nvSpPr>
+        <p:spPr>
+          <a:xfrm rot="10800000">
+            <a:off x="6947000" y="4649419"/>
+            <a:ext cx="760782" cy="830997"/>
+          </a:xfrm>
+          <a:prstGeom prst="rect">
+            <a:avLst/>
+          </a:prstGeom>
+          <a:noFill/>
+        </p:spPr>
+        <p:txBody>
+          <a:bodyPr wrap="square" rtlCol="0">
+            <a:spAutoFit/>
+          </a:bodyPr>
+          <a:lstStyle/>
+          <a:p>
+            <a:r>
+              <a:rPr lang="de-DE" sz="4800" dirty="0"/>
+              <a:t>3.</a:t>
+            </a:r>
+          </a:p>
+        </p:txBody>
+      </p:sp>
+      <p:sp>
+        <p:nvSpPr>
+          <p:cNvPr id="18" name="Textfeld 17">
+            <a:extLst>
+              <a:ext uri="{FF2B5EF4-FFF2-40B4-BE49-F238E27FC236}">
+                <a16:creationId xmlns:a16="http://schemas.microsoft.com/office/drawing/2014/main" id="{92910622-14B9-48CB-826F-C34DE8FE4B7C}"/>
+              </a:ext>
+            </a:extLst>
+          </p:cNvPr>
+          <p:cNvSpPr txBox="1"/>
+          <p:nvPr/>
+        </p:nvSpPr>
+        <p:spPr>
+          <a:xfrm>
+            <a:off x="3817464" y="1240038"/>
+            <a:ext cx="760782" cy="830997"/>
+          </a:xfrm>
+          <a:prstGeom prst="rect">
+            <a:avLst/>
+          </a:prstGeom>
+          <a:noFill/>
+        </p:spPr>
+        <p:txBody>
+          <a:bodyPr wrap="square" rtlCol="0">
+            <a:spAutoFit/>
+          </a:bodyPr>
+          <a:lstStyle/>
+          <a:p>
+            <a:r>
+              <a:rPr lang="de-DE" sz="4800" dirty="0"/>
+              <a:t>7.</a:t>
+            </a:r>
+          </a:p>
+        </p:txBody>
+      </p:sp>
+      <p:sp>
+        <p:nvSpPr>
+          <p:cNvPr id="19" name="Textfeld 18">
+            <a:extLst>
+              <a:ext uri="{FF2B5EF4-FFF2-40B4-BE49-F238E27FC236}">
+                <a16:creationId xmlns:a16="http://schemas.microsoft.com/office/drawing/2014/main" id="{61861C1D-4289-4536-A435-2127507CB469}"/>
+              </a:ext>
+            </a:extLst>
+          </p:cNvPr>
+          <p:cNvSpPr txBox="1"/>
+          <p:nvPr/>
+        </p:nvSpPr>
+        <p:spPr>
+          <a:xfrm rot="10800000">
+            <a:off x="4172871" y="4630217"/>
+            <a:ext cx="760782" cy="830997"/>
+          </a:xfrm>
+          <a:prstGeom prst="rect">
+            <a:avLst/>
+          </a:prstGeom>
+          <a:noFill/>
+        </p:spPr>
+        <p:txBody>
+          <a:bodyPr wrap="square" rtlCol="0">
+            <a:spAutoFit/>
+          </a:bodyPr>
+          <a:lstStyle/>
+          <a:p>
+            <a:r>
+              <a:rPr lang="de-DE" sz="4800" dirty="0"/>
+              <a:t>4.</a:t>
+            </a:r>
+          </a:p>
+        </p:txBody>
+      </p:sp>
+      <p:sp>
+        <p:nvSpPr>
+          <p:cNvPr id="20" name="Textfeld 19">
+            <a:extLst>
+              <a:ext uri="{FF2B5EF4-FFF2-40B4-BE49-F238E27FC236}">
+                <a16:creationId xmlns:a16="http://schemas.microsoft.com/office/drawing/2014/main" id="{7532EF85-84A0-4675-A7F0-7BC0AD492759}"/>
+              </a:ext>
+            </a:extLst>
+          </p:cNvPr>
+          <p:cNvSpPr txBox="1"/>
+          <p:nvPr/>
+        </p:nvSpPr>
+        <p:spPr>
+          <a:xfrm rot="10800000">
+            <a:off x="870507" y="4649419"/>
+            <a:ext cx="760782" cy="830997"/>
+          </a:xfrm>
+          <a:prstGeom prst="rect">
+            <a:avLst/>
+          </a:prstGeom>
+          <a:noFill/>
+        </p:spPr>
+        <p:txBody>
+          <a:bodyPr wrap="square" rtlCol="0">
+            <a:spAutoFit/>
+          </a:bodyPr>
+          <a:lstStyle/>
+          <a:p>
+            <a:r>
+              <a:rPr lang="de-DE" sz="4800" dirty="0"/>
+              <a:t>5.</a:t>
+            </a:r>
+          </a:p>
+        </p:txBody>
+      </p:sp>
+      <p:sp>
+        <p:nvSpPr>
+          <p:cNvPr id="21" name="Textfeld 20">
+            <a:extLst>
+              <a:ext uri="{FF2B5EF4-FFF2-40B4-BE49-F238E27FC236}">
+                <a16:creationId xmlns:a16="http://schemas.microsoft.com/office/drawing/2014/main" id="{13767B97-CF7F-4CAA-89B5-5C4F06B8FAB1}"/>
+              </a:ext>
+            </a:extLst>
+          </p:cNvPr>
+          <p:cNvSpPr txBox="1"/>
+          <p:nvPr/>
+        </p:nvSpPr>
+        <p:spPr>
+          <a:xfrm>
+            <a:off x="893373" y="1175669"/>
+            <a:ext cx="760782" cy="830997"/>
+          </a:xfrm>
+          <a:prstGeom prst="rect">
+            <a:avLst/>
+          </a:prstGeom>
+          <a:noFill/>
+        </p:spPr>
+        <p:txBody>
+          <a:bodyPr wrap="square" rtlCol="0">
+            <a:spAutoFit/>
+          </a:bodyPr>
+          <a:lstStyle/>
+          <a:p>
+            <a:r>
+              <a:rPr lang="de-DE" sz="4800" dirty="0"/>
+              <a:t>6.</a:t>
+            </a:r>
+          </a:p>
+        </p:txBody>
+      </p:sp>
     </p:spTree>
     <p:extLst>
       <p:ext uri="{BB962C8B-B14F-4D97-AF65-F5344CB8AC3E}">

--- a/Folie.pptx
+++ b/Folie.pptx
@@ -3337,6 +3337,382 @@
           <a:chExt cx="0" cy="0"/>
         </a:xfrm>
       </p:grpSpPr>
+      <p:sp>
+        <p:nvSpPr>
+          <p:cNvPr id="13" name="Textfeld 12">
+            <a:extLst>
+              <a:ext uri="{FF2B5EF4-FFF2-40B4-BE49-F238E27FC236}">
+                <a16:creationId xmlns:a16="http://schemas.microsoft.com/office/drawing/2014/main" id="{17528E68-DBBC-4BCC-B42C-DFC33AA2FA10}"/>
+              </a:ext>
+            </a:extLst>
+          </p:cNvPr>
+          <p:cNvSpPr txBox="1"/>
+          <p:nvPr/>
+        </p:nvSpPr>
+        <p:spPr>
+          <a:xfrm>
+            <a:off x="10058399" y="1455725"/>
+            <a:ext cx="760782" cy="830997"/>
+          </a:xfrm>
+          <a:prstGeom prst="rect">
+            <a:avLst/>
+          </a:prstGeom>
+          <a:noFill/>
+        </p:spPr>
+        <p:txBody>
+          <a:bodyPr wrap="square" rtlCol="0">
+            <a:spAutoFit/>
+          </a:bodyPr>
+          <a:lstStyle/>
+          <a:p>
+            <a:r>
+              <a:rPr lang="de-DE" sz="4800" dirty="0"/>
+              <a:t>1.</a:t>
+            </a:r>
+          </a:p>
+        </p:txBody>
+      </p:sp>
+      <p:sp>
+        <p:nvSpPr>
+          <p:cNvPr id="14" name="Textfeld 13">
+            <a:extLst>
+              <a:ext uri="{FF2B5EF4-FFF2-40B4-BE49-F238E27FC236}">
+                <a16:creationId xmlns:a16="http://schemas.microsoft.com/office/drawing/2014/main" id="{BC4BBA8B-902C-4141-A779-85882C6F1FC2}"/>
+              </a:ext>
+            </a:extLst>
+          </p:cNvPr>
+          <p:cNvSpPr txBox="1"/>
+          <p:nvPr/>
+        </p:nvSpPr>
+        <p:spPr>
+          <a:xfrm rot="10800000">
+            <a:off x="10281363" y="4380585"/>
+            <a:ext cx="760782" cy="830997"/>
+          </a:xfrm>
+          <a:prstGeom prst="rect">
+            <a:avLst/>
+          </a:prstGeom>
+          <a:noFill/>
+        </p:spPr>
+        <p:txBody>
+          <a:bodyPr wrap="square" rtlCol="0">
+            <a:spAutoFit/>
+          </a:bodyPr>
+          <a:lstStyle/>
+          <a:p>
+            <a:r>
+              <a:rPr lang="de-DE" sz="4800" dirty="0"/>
+              <a:t>2.</a:t>
+            </a:r>
+          </a:p>
+        </p:txBody>
+      </p:sp>
+      <p:sp>
+        <p:nvSpPr>
+          <p:cNvPr id="16" name="Textfeld 15">
+            <a:extLst>
+              <a:ext uri="{FF2B5EF4-FFF2-40B4-BE49-F238E27FC236}">
+                <a16:creationId xmlns:a16="http://schemas.microsoft.com/office/drawing/2014/main" id="{EE253664-21BC-4695-8AE9-3F219903EADA}"/>
+              </a:ext>
+            </a:extLst>
+          </p:cNvPr>
+          <p:cNvSpPr txBox="1"/>
+          <p:nvPr/>
+        </p:nvSpPr>
+        <p:spPr>
+          <a:xfrm>
+            <a:off x="6840480" y="1220419"/>
+            <a:ext cx="760782" cy="830997"/>
+          </a:xfrm>
+          <a:prstGeom prst="rect">
+            <a:avLst/>
+          </a:prstGeom>
+          <a:noFill/>
+        </p:spPr>
+        <p:txBody>
+          <a:bodyPr wrap="square" rtlCol="0">
+            <a:spAutoFit/>
+          </a:bodyPr>
+          <a:lstStyle/>
+          <a:p>
+            <a:r>
+              <a:rPr lang="de-DE" sz="4800" dirty="0"/>
+              <a:t>8.</a:t>
+            </a:r>
+          </a:p>
+        </p:txBody>
+      </p:sp>
+      <p:sp>
+        <p:nvSpPr>
+          <p:cNvPr id="17" name="Textfeld 16">
+            <a:extLst>
+              <a:ext uri="{FF2B5EF4-FFF2-40B4-BE49-F238E27FC236}">
+                <a16:creationId xmlns:a16="http://schemas.microsoft.com/office/drawing/2014/main" id="{27354A83-FB21-40CF-B422-38A29A8ED781}"/>
+              </a:ext>
+            </a:extLst>
+          </p:cNvPr>
+          <p:cNvSpPr txBox="1"/>
+          <p:nvPr/>
+        </p:nvSpPr>
+        <p:spPr>
+          <a:xfrm rot="10800000">
+            <a:off x="6947000" y="4649419"/>
+            <a:ext cx="760782" cy="830997"/>
+          </a:xfrm>
+          <a:prstGeom prst="rect">
+            <a:avLst/>
+          </a:prstGeom>
+          <a:noFill/>
+        </p:spPr>
+        <p:txBody>
+          <a:bodyPr wrap="square" rtlCol="0">
+            <a:spAutoFit/>
+          </a:bodyPr>
+          <a:lstStyle/>
+          <a:p>
+            <a:r>
+              <a:rPr lang="de-DE" sz="4800" dirty="0"/>
+              <a:t>3.</a:t>
+            </a:r>
+          </a:p>
+        </p:txBody>
+      </p:sp>
+      <p:sp>
+        <p:nvSpPr>
+          <p:cNvPr id="18" name="Textfeld 17">
+            <a:extLst>
+              <a:ext uri="{FF2B5EF4-FFF2-40B4-BE49-F238E27FC236}">
+                <a16:creationId xmlns:a16="http://schemas.microsoft.com/office/drawing/2014/main" id="{92910622-14B9-48CB-826F-C34DE8FE4B7C}"/>
+              </a:ext>
+            </a:extLst>
+          </p:cNvPr>
+          <p:cNvSpPr txBox="1"/>
+          <p:nvPr/>
+        </p:nvSpPr>
+        <p:spPr>
+          <a:xfrm>
+            <a:off x="3817464" y="1240038"/>
+            <a:ext cx="760782" cy="830997"/>
+          </a:xfrm>
+          <a:prstGeom prst="rect">
+            <a:avLst/>
+          </a:prstGeom>
+          <a:noFill/>
+        </p:spPr>
+        <p:txBody>
+          <a:bodyPr wrap="square" rtlCol="0">
+            <a:spAutoFit/>
+          </a:bodyPr>
+          <a:lstStyle/>
+          <a:p>
+            <a:r>
+              <a:rPr lang="de-DE" sz="4800" dirty="0"/>
+              <a:t>7.</a:t>
+            </a:r>
+          </a:p>
+        </p:txBody>
+      </p:sp>
+      <p:sp>
+        <p:nvSpPr>
+          <p:cNvPr id="19" name="Textfeld 18">
+            <a:extLst>
+              <a:ext uri="{FF2B5EF4-FFF2-40B4-BE49-F238E27FC236}">
+                <a16:creationId xmlns:a16="http://schemas.microsoft.com/office/drawing/2014/main" id="{61861C1D-4289-4536-A435-2127507CB469}"/>
+              </a:ext>
+            </a:extLst>
+          </p:cNvPr>
+          <p:cNvSpPr txBox="1"/>
+          <p:nvPr/>
+        </p:nvSpPr>
+        <p:spPr>
+          <a:xfrm rot="10800000">
+            <a:off x="4172871" y="4630217"/>
+            <a:ext cx="760782" cy="830997"/>
+          </a:xfrm>
+          <a:prstGeom prst="rect">
+            <a:avLst/>
+          </a:prstGeom>
+          <a:noFill/>
+        </p:spPr>
+        <p:txBody>
+          <a:bodyPr wrap="square" rtlCol="0">
+            <a:spAutoFit/>
+          </a:bodyPr>
+          <a:lstStyle/>
+          <a:p>
+            <a:r>
+              <a:rPr lang="de-DE" sz="4800" dirty="0"/>
+              <a:t>4.</a:t>
+            </a:r>
+          </a:p>
+        </p:txBody>
+      </p:sp>
+      <p:sp>
+        <p:nvSpPr>
+          <p:cNvPr id="20" name="Textfeld 19">
+            <a:extLst>
+              <a:ext uri="{FF2B5EF4-FFF2-40B4-BE49-F238E27FC236}">
+                <a16:creationId xmlns:a16="http://schemas.microsoft.com/office/drawing/2014/main" id="{7532EF85-84A0-4675-A7F0-7BC0AD492759}"/>
+              </a:ext>
+            </a:extLst>
+          </p:cNvPr>
+          <p:cNvSpPr txBox="1"/>
+          <p:nvPr/>
+        </p:nvSpPr>
+        <p:spPr>
+          <a:xfrm rot="10800000">
+            <a:off x="870507" y="4649419"/>
+            <a:ext cx="760782" cy="830997"/>
+          </a:xfrm>
+          <a:prstGeom prst="rect">
+            <a:avLst/>
+          </a:prstGeom>
+          <a:noFill/>
+        </p:spPr>
+        <p:txBody>
+          <a:bodyPr wrap="square" rtlCol="0">
+            <a:spAutoFit/>
+          </a:bodyPr>
+          <a:lstStyle/>
+          <a:p>
+            <a:r>
+              <a:rPr lang="de-DE" sz="4800" dirty="0"/>
+              <a:t>5.</a:t>
+            </a:r>
+          </a:p>
+        </p:txBody>
+      </p:sp>
+      <p:sp>
+        <p:nvSpPr>
+          <p:cNvPr id="21" name="Textfeld 20">
+            <a:extLst>
+              <a:ext uri="{FF2B5EF4-FFF2-40B4-BE49-F238E27FC236}">
+                <a16:creationId xmlns:a16="http://schemas.microsoft.com/office/drawing/2014/main" id="{13767B97-CF7F-4CAA-89B5-5C4F06B8FAB1}"/>
+              </a:ext>
+            </a:extLst>
+          </p:cNvPr>
+          <p:cNvSpPr txBox="1"/>
+          <p:nvPr/>
+        </p:nvSpPr>
+        <p:spPr>
+          <a:xfrm>
+            <a:off x="893373" y="1175669"/>
+            <a:ext cx="760782" cy="830997"/>
+          </a:xfrm>
+          <a:prstGeom prst="rect">
+            <a:avLst/>
+          </a:prstGeom>
+          <a:noFill/>
+        </p:spPr>
+        <p:txBody>
+          <a:bodyPr wrap="square" rtlCol="0">
+            <a:spAutoFit/>
+          </a:bodyPr>
+          <a:lstStyle/>
+          <a:p>
+            <a:r>
+              <a:rPr lang="de-DE" sz="4800" dirty="0"/>
+              <a:t>6.</a:t>
+            </a:r>
+          </a:p>
+        </p:txBody>
+      </p:sp>
+      <p:pic>
+        <p:nvPicPr>
+          <p:cNvPr id="24" name="Grafik 23">
+            <a:extLst>
+              <a:ext uri="{FF2B5EF4-FFF2-40B4-BE49-F238E27FC236}">
+                <a16:creationId xmlns:a16="http://schemas.microsoft.com/office/drawing/2014/main" id="{AF3A43B4-EF74-4EC7-B673-54E56DC289F2}"/>
+              </a:ext>
+            </a:extLst>
+          </p:cNvPr>
+          <p:cNvPicPr>
+            <a:picLocks noChangeAspect="1"/>
+          </p:cNvPicPr>
+          <p:nvPr/>
+        </p:nvPicPr>
+        <p:blipFill>
+          <a:blip r:embed="rId2">
+            <a:extLst>
+              <a:ext uri="{28A0092B-C50C-407E-A947-70E740481C1C}">
+                <a14:useLocalDpi xmlns:a14="http://schemas.microsoft.com/office/drawing/2010/main" val="0"/>
+              </a:ext>
+            </a:extLst>
+          </a:blip>
+          <a:stretch>
+            <a:fillRect/>
+          </a:stretch>
+        </p:blipFill>
+        <p:spPr>
+          <a:xfrm>
+            <a:off x="9131508" y="0"/>
+            <a:ext cx="3070225" cy="3070225"/>
+          </a:xfrm>
+          <a:prstGeom prst="rect">
+            <a:avLst/>
+          </a:prstGeom>
+        </p:spPr>
+      </p:pic>
+      <p:sp>
+        <p:nvSpPr>
+          <p:cNvPr id="25" name="Rechteck 24">
+            <a:extLst>
+              <a:ext uri="{FF2B5EF4-FFF2-40B4-BE49-F238E27FC236}">
+                <a16:creationId xmlns:a16="http://schemas.microsoft.com/office/drawing/2014/main" id="{CF35D3BD-BFCA-4872-8662-097860444598}"/>
+              </a:ext>
+            </a:extLst>
+          </p:cNvPr>
+          <p:cNvSpPr/>
+          <p:nvPr/>
+        </p:nvSpPr>
+        <p:spPr>
+          <a:xfrm>
+            <a:off x="9131508" y="166768"/>
+            <a:ext cx="3082639" cy="400110"/>
+          </a:xfrm>
+          <a:prstGeom prst="rect">
+            <a:avLst/>
+          </a:prstGeom>
+          <a:noFill/>
+        </p:spPr>
+        <p:txBody>
+          <a:bodyPr wrap="none" lIns="91440" tIns="45720" rIns="91440" bIns="45720">
+            <a:spAutoFit/>
+          </a:bodyPr>
+          <a:lstStyle/>
+          <a:p>
+            <a:pPr algn="ctr"/>
+            <a:r>
+              <a:rPr lang="de-DE" sz="2000" dirty="0">
+                <a:ln w="0"/>
+                <a:gradFill>
+                  <a:gsLst>
+                    <a:gs pos="0">
+                      <a:schemeClr val="accent5">
+                        <a:lumMod val="50000"/>
+                      </a:schemeClr>
+                    </a:gs>
+                    <a:gs pos="50000">
+                      <a:schemeClr val="accent5"/>
+                    </a:gs>
+                    <a:gs pos="100000">
+                      <a:schemeClr val="accent5">
+                        <a:lumMod val="60000"/>
+                        <a:lumOff val="40000"/>
+                      </a:schemeClr>
+                    </a:gs>
+                  </a:gsLst>
+                  <a:lin ang="5400000"/>
+                </a:gradFill>
+                <a:effectLst>
+                  <a:reflection blurRad="6350" stA="53000" endA="300" endPos="35500" dir="5400000" sy="-90000" algn="bl" rotWithShape="0"/>
+                </a:effectLst>
+              </a:rPr>
+              <a:t>Weihnachtsprogramm 2018</a:t>
+            </a:r>
+          </a:p>
+        </p:txBody>
+      </p:sp>
       <p:grpSp>
         <p:nvGrpSpPr>
           <p:cNvPr id="12" name="Gruppieren 11">
@@ -3774,286 +4150,6 @@
           </p:txBody>
         </p:sp>
       </p:grpSp>
-      <p:sp>
-        <p:nvSpPr>
-          <p:cNvPr id="13" name="Textfeld 12">
-            <a:extLst>
-              <a:ext uri="{FF2B5EF4-FFF2-40B4-BE49-F238E27FC236}">
-                <a16:creationId xmlns:a16="http://schemas.microsoft.com/office/drawing/2014/main" id="{17528E68-DBBC-4BCC-B42C-DFC33AA2FA10}"/>
-              </a:ext>
-            </a:extLst>
-          </p:cNvPr>
-          <p:cNvSpPr txBox="1"/>
-          <p:nvPr/>
-        </p:nvSpPr>
-        <p:spPr>
-          <a:xfrm>
-            <a:off x="10058399" y="1455725"/>
-            <a:ext cx="760782" cy="830997"/>
-          </a:xfrm>
-          <a:prstGeom prst="rect">
-            <a:avLst/>
-          </a:prstGeom>
-          <a:noFill/>
-        </p:spPr>
-        <p:txBody>
-          <a:bodyPr wrap="square" rtlCol="0">
-            <a:spAutoFit/>
-          </a:bodyPr>
-          <a:lstStyle/>
-          <a:p>
-            <a:r>
-              <a:rPr lang="de-DE" sz="4800" dirty="0"/>
-              <a:t>1.</a:t>
-            </a:r>
-          </a:p>
-        </p:txBody>
-      </p:sp>
-      <p:sp>
-        <p:nvSpPr>
-          <p:cNvPr id="14" name="Textfeld 13">
-            <a:extLst>
-              <a:ext uri="{FF2B5EF4-FFF2-40B4-BE49-F238E27FC236}">
-                <a16:creationId xmlns:a16="http://schemas.microsoft.com/office/drawing/2014/main" id="{BC4BBA8B-902C-4141-A779-85882C6F1FC2}"/>
-              </a:ext>
-            </a:extLst>
-          </p:cNvPr>
-          <p:cNvSpPr txBox="1"/>
-          <p:nvPr/>
-        </p:nvSpPr>
-        <p:spPr>
-          <a:xfrm rot="10800000">
-            <a:off x="10281363" y="4380585"/>
-            <a:ext cx="760782" cy="830997"/>
-          </a:xfrm>
-          <a:prstGeom prst="rect">
-            <a:avLst/>
-          </a:prstGeom>
-          <a:noFill/>
-        </p:spPr>
-        <p:txBody>
-          <a:bodyPr wrap="square" rtlCol="0">
-            <a:spAutoFit/>
-          </a:bodyPr>
-          <a:lstStyle/>
-          <a:p>
-            <a:r>
-              <a:rPr lang="de-DE" sz="4800" dirty="0"/>
-              <a:t>2.</a:t>
-            </a:r>
-          </a:p>
-        </p:txBody>
-      </p:sp>
-      <p:sp>
-        <p:nvSpPr>
-          <p:cNvPr id="16" name="Textfeld 15">
-            <a:extLst>
-              <a:ext uri="{FF2B5EF4-FFF2-40B4-BE49-F238E27FC236}">
-                <a16:creationId xmlns:a16="http://schemas.microsoft.com/office/drawing/2014/main" id="{EE253664-21BC-4695-8AE9-3F219903EADA}"/>
-              </a:ext>
-            </a:extLst>
-          </p:cNvPr>
-          <p:cNvSpPr txBox="1"/>
-          <p:nvPr/>
-        </p:nvSpPr>
-        <p:spPr>
-          <a:xfrm>
-            <a:off x="6840480" y="1220419"/>
-            <a:ext cx="760782" cy="830997"/>
-          </a:xfrm>
-          <a:prstGeom prst="rect">
-            <a:avLst/>
-          </a:prstGeom>
-          <a:noFill/>
-        </p:spPr>
-        <p:txBody>
-          <a:bodyPr wrap="square" rtlCol="0">
-            <a:spAutoFit/>
-          </a:bodyPr>
-          <a:lstStyle/>
-          <a:p>
-            <a:r>
-              <a:rPr lang="de-DE" sz="4800" dirty="0"/>
-              <a:t>8.</a:t>
-            </a:r>
-          </a:p>
-        </p:txBody>
-      </p:sp>
-      <p:sp>
-        <p:nvSpPr>
-          <p:cNvPr id="17" name="Textfeld 16">
-            <a:extLst>
-              <a:ext uri="{FF2B5EF4-FFF2-40B4-BE49-F238E27FC236}">
-                <a16:creationId xmlns:a16="http://schemas.microsoft.com/office/drawing/2014/main" id="{27354A83-FB21-40CF-B422-38A29A8ED781}"/>
-              </a:ext>
-            </a:extLst>
-          </p:cNvPr>
-          <p:cNvSpPr txBox="1"/>
-          <p:nvPr/>
-        </p:nvSpPr>
-        <p:spPr>
-          <a:xfrm rot="10800000">
-            <a:off x="6947000" y="4649419"/>
-            <a:ext cx="760782" cy="830997"/>
-          </a:xfrm>
-          <a:prstGeom prst="rect">
-            <a:avLst/>
-          </a:prstGeom>
-          <a:noFill/>
-        </p:spPr>
-        <p:txBody>
-          <a:bodyPr wrap="square" rtlCol="0">
-            <a:spAutoFit/>
-          </a:bodyPr>
-          <a:lstStyle/>
-          <a:p>
-            <a:r>
-              <a:rPr lang="de-DE" sz="4800" dirty="0"/>
-              <a:t>3.</a:t>
-            </a:r>
-          </a:p>
-        </p:txBody>
-      </p:sp>
-      <p:sp>
-        <p:nvSpPr>
-          <p:cNvPr id="18" name="Textfeld 17">
-            <a:extLst>
-              <a:ext uri="{FF2B5EF4-FFF2-40B4-BE49-F238E27FC236}">
-                <a16:creationId xmlns:a16="http://schemas.microsoft.com/office/drawing/2014/main" id="{92910622-14B9-48CB-826F-C34DE8FE4B7C}"/>
-              </a:ext>
-            </a:extLst>
-          </p:cNvPr>
-          <p:cNvSpPr txBox="1"/>
-          <p:nvPr/>
-        </p:nvSpPr>
-        <p:spPr>
-          <a:xfrm>
-            <a:off x="3817464" y="1240038"/>
-            <a:ext cx="760782" cy="830997"/>
-          </a:xfrm>
-          <a:prstGeom prst="rect">
-            <a:avLst/>
-          </a:prstGeom>
-          <a:noFill/>
-        </p:spPr>
-        <p:txBody>
-          <a:bodyPr wrap="square" rtlCol="0">
-            <a:spAutoFit/>
-          </a:bodyPr>
-          <a:lstStyle/>
-          <a:p>
-            <a:r>
-              <a:rPr lang="de-DE" sz="4800" dirty="0"/>
-              <a:t>7.</a:t>
-            </a:r>
-          </a:p>
-        </p:txBody>
-      </p:sp>
-      <p:sp>
-        <p:nvSpPr>
-          <p:cNvPr id="19" name="Textfeld 18">
-            <a:extLst>
-              <a:ext uri="{FF2B5EF4-FFF2-40B4-BE49-F238E27FC236}">
-                <a16:creationId xmlns:a16="http://schemas.microsoft.com/office/drawing/2014/main" id="{61861C1D-4289-4536-A435-2127507CB469}"/>
-              </a:ext>
-            </a:extLst>
-          </p:cNvPr>
-          <p:cNvSpPr txBox="1"/>
-          <p:nvPr/>
-        </p:nvSpPr>
-        <p:spPr>
-          <a:xfrm rot="10800000">
-            <a:off x="4172871" y="4630217"/>
-            <a:ext cx="760782" cy="830997"/>
-          </a:xfrm>
-          <a:prstGeom prst="rect">
-            <a:avLst/>
-          </a:prstGeom>
-          <a:noFill/>
-        </p:spPr>
-        <p:txBody>
-          <a:bodyPr wrap="square" rtlCol="0">
-            <a:spAutoFit/>
-          </a:bodyPr>
-          <a:lstStyle/>
-          <a:p>
-            <a:r>
-              <a:rPr lang="de-DE" sz="4800" dirty="0"/>
-              <a:t>4.</a:t>
-            </a:r>
-          </a:p>
-        </p:txBody>
-      </p:sp>
-      <p:sp>
-        <p:nvSpPr>
-          <p:cNvPr id="20" name="Textfeld 19">
-            <a:extLst>
-              <a:ext uri="{FF2B5EF4-FFF2-40B4-BE49-F238E27FC236}">
-                <a16:creationId xmlns:a16="http://schemas.microsoft.com/office/drawing/2014/main" id="{7532EF85-84A0-4675-A7F0-7BC0AD492759}"/>
-              </a:ext>
-            </a:extLst>
-          </p:cNvPr>
-          <p:cNvSpPr txBox="1"/>
-          <p:nvPr/>
-        </p:nvSpPr>
-        <p:spPr>
-          <a:xfrm rot="10800000">
-            <a:off x="870507" y="4649419"/>
-            <a:ext cx="760782" cy="830997"/>
-          </a:xfrm>
-          <a:prstGeom prst="rect">
-            <a:avLst/>
-          </a:prstGeom>
-          <a:noFill/>
-        </p:spPr>
-        <p:txBody>
-          <a:bodyPr wrap="square" rtlCol="0">
-            <a:spAutoFit/>
-          </a:bodyPr>
-          <a:lstStyle/>
-          <a:p>
-            <a:r>
-              <a:rPr lang="de-DE" sz="4800" dirty="0"/>
-              <a:t>5.</a:t>
-            </a:r>
-          </a:p>
-        </p:txBody>
-      </p:sp>
-      <p:sp>
-        <p:nvSpPr>
-          <p:cNvPr id="21" name="Textfeld 20">
-            <a:extLst>
-              <a:ext uri="{FF2B5EF4-FFF2-40B4-BE49-F238E27FC236}">
-                <a16:creationId xmlns:a16="http://schemas.microsoft.com/office/drawing/2014/main" id="{13767B97-CF7F-4CAA-89B5-5C4F06B8FAB1}"/>
-              </a:ext>
-            </a:extLst>
-          </p:cNvPr>
-          <p:cNvSpPr txBox="1"/>
-          <p:nvPr/>
-        </p:nvSpPr>
-        <p:spPr>
-          <a:xfrm>
-            <a:off x="893373" y="1175669"/>
-            <a:ext cx="760782" cy="830997"/>
-          </a:xfrm>
-          <a:prstGeom prst="rect">
-            <a:avLst/>
-          </a:prstGeom>
-          <a:noFill/>
-        </p:spPr>
-        <p:txBody>
-          <a:bodyPr wrap="square" rtlCol="0">
-            <a:spAutoFit/>
-          </a:bodyPr>
-          <a:lstStyle/>
-          <a:p>
-            <a:r>
-              <a:rPr lang="de-DE" sz="4800" dirty="0"/>
-              <a:t>6.</a:t>
-            </a:r>
-          </a:p>
-        </p:txBody>
-      </p:sp>
     </p:spTree>
     <p:extLst>
       <p:ext uri="{BB962C8B-B14F-4D97-AF65-F5344CB8AC3E}">

--- a/Folie.pptx
+++ b/Folie.pptx
@@ -3374,111 +3374,6 @@
       </p:sp>
       <p:sp>
         <p:nvSpPr>
-          <p:cNvPr id="14" name="Textfeld 13">
-            <a:extLst>
-              <a:ext uri="{FF2B5EF4-FFF2-40B4-BE49-F238E27FC236}">
-                <a16:creationId xmlns:a16="http://schemas.microsoft.com/office/drawing/2014/main" id="{BC4BBA8B-902C-4141-A779-85882C6F1FC2}"/>
-              </a:ext>
-            </a:extLst>
-          </p:cNvPr>
-          <p:cNvSpPr txBox="1"/>
-          <p:nvPr/>
-        </p:nvSpPr>
-        <p:spPr>
-          <a:xfrm rot="10800000">
-            <a:off x="10281363" y="4380585"/>
-            <a:ext cx="760782" cy="830997"/>
-          </a:xfrm>
-          <a:prstGeom prst="rect">
-            <a:avLst/>
-          </a:prstGeom>
-          <a:noFill/>
-        </p:spPr>
-        <p:txBody>
-          <a:bodyPr wrap="square" rtlCol="0">
-            <a:spAutoFit/>
-          </a:bodyPr>
-          <a:lstStyle/>
-          <a:p>
-            <a:r>
-              <a:rPr lang="de-DE" sz="4800" dirty="0"/>
-              <a:t>2.</a:t>
-            </a:r>
-          </a:p>
-        </p:txBody>
-      </p:sp>
-      <p:sp>
-        <p:nvSpPr>
-          <p:cNvPr id="16" name="Textfeld 15">
-            <a:extLst>
-              <a:ext uri="{FF2B5EF4-FFF2-40B4-BE49-F238E27FC236}">
-                <a16:creationId xmlns:a16="http://schemas.microsoft.com/office/drawing/2014/main" id="{EE253664-21BC-4695-8AE9-3F219903EADA}"/>
-              </a:ext>
-            </a:extLst>
-          </p:cNvPr>
-          <p:cNvSpPr txBox="1"/>
-          <p:nvPr/>
-        </p:nvSpPr>
-        <p:spPr>
-          <a:xfrm>
-            <a:off x="6840480" y="1220419"/>
-            <a:ext cx="760782" cy="830997"/>
-          </a:xfrm>
-          <a:prstGeom prst="rect">
-            <a:avLst/>
-          </a:prstGeom>
-          <a:noFill/>
-        </p:spPr>
-        <p:txBody>
-          <a:bodyPr wrap="square" rtlCol="0">
-            <a:spAutoFit/>
-          </a:bodyPr>
-          <a:lstStyle/>
-          <a:p>
-            <a:r>
-              <a:rPr lang="de-DE" sz="4800" dirty="0"/>
-              <a:t>8.</a:t>
-            </a:r>
-          </a:p>
-        </p:txBody>
-      </p:sp>
-      <p:sp>
-        <p:nvSpPr>
-          <p:cNvPr id="17" name="Textfeld 16">
-            <a:extLst>
-              <a:ext uri="{FF2B5EF4-FFF2-40B4-BE49-F238E27FC236}">
-                <a16:creationId xmlns:a16="http://schemas.microsoft.com/office/drawing/2014/main" id="{27354A83-FB21-40CF-B422-38A29A8ED781}"/>
-              </a:ext>
-            </a:extLst>
-          </p:cNvPr>
-          <p:cNvSpPr txBox="1"/>
-          <p:nvPr/>
-        </p:nvSpPr>
-        <p:spPr>
-          <a:xfrm rot="10800000">
-            <a:off x="6947000" y="4649419"/>
-            <a:ext cx="760782" cy="830997"/>
-          </a:xfrm>
-          <a:prstGeom prst="rect">
-            <a:avLst/>
-          </a:prstGeom>
-          <a:noFill/>
-        </p:spPr>
-        <p:txBody>
-          <a:bodyPr wrap="square" rtlCol="0">
-            <a:spAutoFit/>
-          </a:bodyPr>
-          <a:lstStyle/>
-          <a:p>
-            <a:r>
-              <a:rPr lang="de-DE" sz="4800" dirty="0"/>
-              <a:t>3.</a:t>
-            </a:r>
-          </a:p>
-        </p:txBody>
-      </p:sp>
-      <p:sp>
-        <p:nvSpPr>
           <p:cNvPr id="18" name="Textfeld 17">
             <a:extLst>
               <a:ext uri="{FF2B5EF4-FFF2-40B4-BE49-F238E27FC236}">
@@ -3507,7 +3402,7 @@
           <a:p>
             <a:r>
               <a:rPr lang="de-DE" sz="4800" dirty="0"/>
-              <a:t>7.</a:t>
+              <a:t>5.</a:t>
             </a:r>
           </a:p>
         </p:txBody>
@@ -3542,7 +3437,7 @@
           <a:p>
             <a:r>
               <a:rPr lang="de-DE" sz="4800" dirty="0"/>
-              <a:t>4.</a:t>
+              <a:t>2.</a:t>
             </a:r>
           </a:p>
         </p:txBody>
@@ -3577,7 +3472,7 @@
           <a:p>
             <a:r>
               <a:rPr lang="de-DE" sz="4800" dirty="0"/>
-              <a:t>5.</a:t>
+              <a:t>3.</a:t>
             </a:r>
           </a:p>
         </p:txBody>
@@ -3612,7 +3507,7 @@
           <a:p>
             <a:r>
               <a:rPr lang="de-DE" sz="4800" dirty="0"/>
-              <a:t>6.</a:t>
+              <a:t>4.</a:t>
             </a:r>
           </a:p>
         </p:txBody>
@@ -3667,8 +3562,8 @@
         </p:nvSpPr>
         <p:spPr>
           <a:xfrm>
-            <a:off x="9131508" y="166768"/>
-            <a:ext cx="3082639" cy="400110"/>
+            <a:off x="9108681" y="166768"/>
+            <a:ext cx="3128293" cy="400110"/>
           </a:xfrm>
           <a:prstGeom prst="rect">
             <a:avLst/>
@@ -3683,29 +3578,28 @@
           <a:p>
             <a:pPr algn="ctr"/>
             <a:r>
-              <a:rPr lang="de-DE" sz="2000" dirty="0">
-                <a:ln w="0"/>
-                <a:gradFill>
-                  <a:gsLst>
-                    <a:gs pos="0">
-                      <a:schemeClr val="accent5">
-                        <a:lumMod val="50000"/>
-                      </a:schemeClr>
-                    </a:gs>
-                    <a:gs pos="50000">
-                      <a:schemeClr val="accent5"/>
-                    </a:gs>
-                    <a:gs pos="100000">
-                      <a:schemeClr val="accent5">
-                        <a:lumMod val="60000"/>
-                        <a:lumOff val="40000"/>
-                      </a:schemeClr>
-                    </a:gs>
-                  </a:gsLst>
-                  <a:lin ang="5400000"/>
-                </a:gradFill>
+              <a:rPr lang="de-DE" sz="2000" b="1" dirty="0">
+                <a:ln w="12700">
+                  <a:solidFill>
+                    <a:schemeClr val="accent1"/>
+                  </a:solidFill>
+                  <a:prstDash val="solid"/>
+                </a:ln>
+                <a:pattFill prst="pct50">
+                  <a:fgClr>
+                    <a:schemeClr val="accent1"/>
+                  </a:fgClr>
+                  <a:bgClr>
+                    <a:schemeClr val="accent1">
+                      <a:lumMod val="20000"/>
+                      <a:lumOff val="80000"/>
+                    </a:schemeClr>
+                  </a:bgClr>
+                </a:pattFill>
                 <a:effectLst>
-                  <a:reflection blurRad="6350" stA="53000" endA="300" endPos="35500" dir="5400000" sy="-90000" algn="bl" rotWithShape="0"/>
+                  <a:outerShdw dist="38100" dir="2640000" algn="bl" rotWithShape="0">
+                    <a:schemeClr val="accent1"/>
+                  </a:outerShdw>
                 </a:effectLst>
               </a:rPr>
               <a:t>Weihnachtsprogramm 2018</a:t>
@@ -4150,6 +4044,492 @@
           </p:txBody>
         </p:sp>
       </p:grpSp>
+      <p:sp>
+        <p:nvSpPr>
+          <p:cNvPr id="31" name="Textfeld 30">
+            <a:extLst>
+              <a:ext uri="{FF2B5EF4-FFF2-40B4-BE49-F238E27FC236}">
+                <a16:creationId xmlns:a16="http://schemas.microsoft.com/office/drawing/2014/main" id="{D6D6B684-7639-40D6-8F55-29E6CFDBD3B4}"/>
+              </a:ext>
+            </a:extLst>
+          </p:cNvPr>
+          <p:cNvSpPr txBox="1"/>
+          <p:nvPr/>
+        </p:nvSpPr>
+        <p:spPr>
+          <a:xfrm>
+            <a:off x="7378298" y="1175669"/>
+            <a:ext cx="760782" cy="830997"/>
+          </a:xfrm>
+          <a:prstGeom prst="rect">
+            <a:avLst/>
+          </a:prstGeom>
+          <a:noFill/>
+        </p:spPr>
+        <p:txBody>
+          <a:bodyPr wrap="square" rtlCol="0">
+            <a:spAutoFit/>
+          </a:bodyPr>
+          <a:lstStyle/>
+          <a:p>
+            <a:r>
+              <a:rPr lang="de-DE" sz="4800" dirty="0"/>
+              <a:t>6.</a:t>
+            </a:r>
+          </a:p>
+        </p:txBody>
+      </p:sp>
+      <p:sp>
+        <p:nvSpPr>
+          <p:cNvPr id="32" name="Rechteck 31">
+            <a:extLst>
+              <a:ext uri="{FF2B5EF4-FFF2-40B4-BE49-F238E27FC236}">
+                <a16:creationId xmlns:a16="http://schemas.microsoft.com/office/drawing/2014/main" id="{E850F9EE-C4CE-44FC-A40F-3DD1C4DEAE92}"/>
+              </a:ext>
+            </a:extLst>
+          </p:cNvPr>
+          <p:cNvSpPr/>
+          <p:nvPr/>
+        </p:nvSpPr>
+        <p:spPr>
+          <a:xfrm rot="10800000">
+            <a:off x="6145968" y="3486571"/>
+            <a:ext cx="3010524" cy="2882969"/>
+          </a:xfrm>
+          <a:prstGeom prst="rect">
+            <a:avLst/>
+          </a:prstGeom>
+        </p:spPr>
+        <p:txBody>
+          <a:bodyPr wrap="square">
+            <a:spAutoFit/>
+          </a:bodyPr>
+          <a:lstStyle/>
+          <a:p>
+            <a:pPr>
+              <a:lnSpc>
+                <a:spcPts val="1240"/>
+              </a:lnSpc>
+              <a:spcAft>
+                <a:spcPts val="800"/>
+              </a:spcAft>
+            </a:pPr>
+            <a:r>
+              <a:rPr lang="de-DE" sz="1100" dirty="0">
+                <a:solidFill>
+                  <a:srgbClr val="222222"/>
+                </a:solidFill>
+                <a:latin typeface="Arial" panose="020B0604020202020204" pitchFamily="34" charset="0"/>
+                <a:ea typeface="Times New Roman" panose="02020603050405020304" pitchFamily="18" charset="0"/>
+                <a:cs typeface="Times New Roman" panose="02020603050405020304" pitchFamily="18" charset="0"/>
+              </a:rPr>
+              <a:t>Stern über Bethlehem, zeig uns den Weg</a:t>
+            </a:r>
+            <a:br>
+              <a:rPr lang="de-DE" sz="1100" dirty="0">
+                <a:solidFill>
+                  <a:srgbClr val="222222"/>
+                </a:solidFill>
+                <a:latin typeface="Arial" panose="020B0604020202020204" pitchFamily="34" charset="0"/>
+                <a:ea typeface="Times New Roman" panose="02020603050405020304" pitchFamily="18" charset="0"/>
+                <a:cs typeface="Times New Roman" panose="02020603050405020304" pitchFamily="18" charset="0"/>
+              </a:rPr>
+            </a:br>
+            <a:r>
+              <a:rPr lang="de-DE" sz="1100" dirty="0">
+                <a:solidFill>
+                  <a:srgbClr val="222222"/>
+                </a:solidFill>
+                <a:latin typeface="Arial" panose="020B0604020202020204" pitchFamily="34" charset="0"/>
+                <a:ea typeface="Times New Roman" panose="02020603050405020304" pitchFamily="18" charset="0"/>
+                <a:cs typeface="Times New Roman" panose="02020603050405020304" pitchFamily="18" charset="0"/>
+              </a:rPr>
+              <a:t>Führ uns zur Krippe hin, zeig wo sie steht</a:t>
+            </a:r>
+            <a:br>
+              <a:rPr lang="de-DE" sz="1100" dirty="0">
+                <a:solidFill>
+                  <a:srgbClr val="222222"/>
+                </a:solidFill>
+                <a:latin typeface="Arial" panose="020B0604020202020204" pitchFamily="34" charset="0"/>
+                <a:ea typeface="Times New Roman" panose="02020603050405020304" pitchFamily="18" charset="0"/>
+                <a:cs typeface="Times New Roman" panose="02020603050405020304" pitchFamily="18" charset="0"/>
+              </a:rPr>
+            </a:br>
+            <a:r>
+              <a:rPr lang="de-DE" sz="1100" dirty="0">
+                <a:solidFill>
+                  <a:srgbClr val="222222"/>
+                </a:solidFill>
+                <a:latin typeface="Arial" panose="020B0604020202020204" pitchFamily="34" charset="0"/>
+                <a:ea typeface="Times New Roman" panose="02020603050405020304" pitchFamily="18" charset="0"/>
+                <a:cs typeface="Times New Roman" panose="02020603050405020304" pitchFamily="18" charset="0"/>
+              </a:rPr>
+              <a:t>Leuchte du uns voran, bis wir dort sind</a:t>
+            </a:r>
+            <a:br>
+              <a:rPr lang="de-DE" sz="1100" dirty="0">
+                <a:solidFill>
+                  <a:srgbClr val="222222"/>
+                </a:solidFill>
+                <a:latin typeface="Arial" panose="020B0604020202020204" pitchFamily="34" charset="0"/>
+                <a:ea typeface="Times New Roman" panose="02020603050405020304" pitchFamily="18" charset="0"/>
+                <a:cs typeface="Times New Roman" panose="02020603050405020304" pitchFamily="18" charset="0"/>
+              </a:rPr>
+            </a:br>
+            <a:r>
+              <a:rPr lang="de-DE" sz="1100" dirty="0">
+                <a:solidFill>
+                  <a:srgbClr val="222222"/>
+                </a:solidFill>
+                <a:latin typeface="Arial" panose="020B0604020202020204" pitchFamily="34" charset="0"/>
+                <a:ea typeface="Times New Roman" panose="02020603050405020304" pitchFamily="18" charset="0"/>
+                <a:cs typeface="Times New Roman" panose="02020603050405020304" pitchFamily="18" charset="0"/>
+              </a:rPr>
+              <a:t>Stern über Bethlehem, führ uns zum Kind</a:t>
+            </a:r>
+            <a:endParaRPr lang="de-DE" sz="1400" dirty="0">
+              <a:latin typeface="Calibri" panose="020F0502020204030204" pitchFamily="34" charset="0"/>
+              <a:ea typeface="Calibri" panose="020F0502020204030204" pitchFamily="34" charset="0"/>
+              <a:cs typeface="Times New Roman" panose="02020603050405020304" pitchFamily="18" charset="0"/>
+            </a:endParaRPr>
+          </a:p>
+          <a:p>
+            <a:pPr>
+              <a:lnSpc>
+                <a:spcPts val="1240"/>
+              </a:lnSpc>
+              <a:spcAft>
+                <a:spcPts val="800"/>
+              </a:spcAft>
+            </a:pPr>
+            <a:r>
+              <a:rPr lang="de-DE" sz="1100" dirty="0">
+                <a:solidFill>
+                  <a:srgbClr val="222222"/>
+                </a:solidFill>
+                <a:latin typeface="Arial" panose="020B0604020202020204" pitchFamily="34" charset="0"/>
+                <a:ea typeface="Times New Roman" panose="02020603050405020304" pitchFamily="18" charset="0"/>
+                <a:cs typeface="Times New Roman" panose="02020603050405020304" pitchFamily="18" charset="0"/>
+              </a:rPr>
+              <a:t>Stern über Bethlehem, nun bleibst du stehen</a:t>
+            </a:r>
+            <a:br>
+              <a:rPr lang="de-DE" sz="1100" dirty="0">
+                <a:solidFill>
+                  <a:srgbClr val="222222"/>
+                </a:solidFill>
+                <a:latin typeface="Arial" panose="020B0604020202020204" pitchFamily="34" charset="0"/>
+                <a:ea typeface="Times New Roman" panose="02020603050405020304" pitchFamily="18" charset="0"/>
+                <a:cs typeface="Times New Roman" panose="02020603050405020304" pitchFamily="18" charset="0"/>
+              </a:rPr>
+            </a:br>
+            <a:r>
+              <a:rPr lang="de-DE" sz="1100" dirty="0">
+                <a:solidFill>
+                  <a:srgbClr val="222222"/>
+                </a:solidFill>
+                <a:latin typeface="Arial" panose="020B0604020202020204" pitchFamily="34" charset="0"/>
+                <a:ea typeface="Times New Roman" panose="02020603050405020304" pitchFamily="18" charset="0"/>
+                <a:cs typeface="Times New Roman" panose="02020603050405020304" pitchFamily="18" charset="0"/>
+              </a:rPr>
+              <a:t>Und lässt uns alle das Wunder hier sehen</a:t>
+            </a:r>
+            <a:br>
+              <a:rPr lang="de-DE" sz="1100" dirty="0">
+                <a:solidFill>
+                  <a:srgbClr val="222222"/>
+                </a:solidFill>
+                <a:latin typeface="Arial" panose="020B0604020202020204" pitchFamily="34" charset="0"/>
+                <a:ea typeface="Times New Roman" panose="02020603050405020304" pitchFamily="18" charset="0"/>
+                <a:cs typeface="Times New Roman" panose="02020603050405020304" pitchFamily="18" charset="0"/>
+              </a:rPr>
+            </a:br>
+            <a:r>
+              <a:rPr lang="de-DE" sz="1100" dirty="0">
+                <a:solidFill>
+                  <a:srgbClr val="222222"/>
+                </a:solidFill>
+                <a:latin typeface="Arial" panose="020B0604020202020204" pitchFamily="34" charset="0"/>
+                <a:ea typeface="Times New Roman" panose="02020603050405020304" pitchFamily="18" charset="0"/>
+                <a:cs typeface="Times New Roman" panose="02020603050405020304" pitchFamily="18" charset="0"/>
+              </a:rPr>
+              <a:t>Das da geschehen, was niemand gedacht</a:t>
+            </a:r>
+            <a:br>
+              <a:rPr lang="de-DE" sz="1100" dirty="0">
+                <a:solidFill>
+                  <a:srgbClr val="222222"/>
+                </a:solidFill>
+                <a:latin typeface="Arial" panose="020B0604020202020204" pitchFamily="34" charset="0"/>
+                <a:ea typeface="Times New Roman" panose="02020603050405020304" pitchFamily="18" charset="0"/>
+                <a:cs typeface="Times New Roman" panose="02020603050405020304" pitchFamily="18" charset="0"/>
+              </a:rPr>
+            </a:br>
+            <a:r>
+              <a:rPr lang="de-DE" sz="1100" dirty="0">
+                <a:solidFill>
+                  <a:srgbClr val="222222"/>
+                </a:solidFill>
+                <a:latin typeface="Arial" panose="020B0604020202020204" pitchFamily="34" charset="0"/>
+                <a:ea typeface="Times New Roman" panose="02020603050405020304" pitchFamily="18" charset="0"/>
+                <a:cs typeface="Times New Roman" panose="02020603050405020304" pitchFamily="18" charset="0"/>
+              </a:rPr>
+              <a:t>Stern über Bethlehem, in dieser Nacht</a:t>
+            </a:r>
+            <a:endParaRPr lang="de-DE" sz="1400" dirty="0">
+              <a:latin typeface="Calibri" panose="020F0502020204030204" pitchFamily="34" charset="0"/>
+              <a:ea typeface="Calibri" panose="020F0502020204030204" pitchFamily="34" charset="0"/>
+              <a:cs typeface="Times New Roman" panose="02020603050405020304" pitchFamily="18" charset="0"/>
+            </a:endParaRPr>
+          </a:p>
+          <a:p>
+            <a:pPr>
+              <a:lnSpc>
+                <a:spcPts val="1240"/>
+              </a:lnSpc>
+              <a:spcAft>
+                <a:spcPts val="800"/>
+              </a:spcAft>
+            </a:pPr>
+            <a:r>
+              <a:rPr lang="de-DE" sz="1100" dirty="0">
+                <a:solidFill>
+                  <a:srgbClr val="222222"/>
+                </a:solidFill>
+                <a:latin typeface="Arial" panose="020B0604020202020204" pitchFamily="34" charset="0"/>
+                <a:ea typeface="Times New Roman" panose="02020603050405020304" pitchFamily="18" charset="0"/>
+                <a:cs typeface="Times New Roman" panose="02020603050405020304" pitchFamily="18" charset="0"/>
+              </a:rPr>
+              <a:t>Stern über Bethlehem, wir sind am Ziel</a:t>
+            </a:r>
+            <a:br>
+              <a:rPr lang="de-DE" sz="1100" dirty="0">
+                <a:solidFill>
+                  <a:srgbClr val="222222"/>
+                </a:solidFill>
+                <a:latin typeface="Arial" panose="020B0604020202020204" pitchFamily="34" charset="0"/>
+                <a:ea typeface="Times New Roman" panose="02020603050405020304" pitchFamily="18" charset="0"/>
+                <a:cs typeface="Times New Roman" panose="02020603050405020304" pitchFamily="18" charset="0"/>
+              </a:rPr>
+            </a:br>
+            <a:r>
+              <a:rPr lang="de-DE" sz="1100" dirty="0">
+                <a:solidFill>
+                  <a:srgbClr val="222222"/>
+                </a:solidFill>
+                <a:latin typeface="Arial" panose="020B0604020202020204" pitchFamily="34" charset="0"/>
+                <a:ea typeface="Times New Roman" panose="02020603050405020304" pitchFamily="18" charset="0"/>
+                <a:cs typeface="Times New Roman" panose="02020603050405020304" pitchFamily="18" charset="0"/>
+              </a:rPr>
+              <a:t>Denn dieser arme Stall birgt doch so viel</a:t>
+            </a:r>
+            <a:br>
+              <a:rPr lang="de-DE" sz="1100" dirty="0">
+                <a:solidFill>
+                  <a:srgbClr val="222222"/>
+                </a:solidFill>
+                <a:latin typeface="Arial" panose="020B0604020202020204" pitchFamily="34" charset="0"/>
+                <a:ea typeface="Times New Roman" panose="02020603050405020304" pitchFamily="18" charset="0"/>
+                <a:cs typeface="Times New Roman" panose="02020603050405020304" pitchFamily="18" charset="0"/>
+              </a:rPr>
+            </a:br>
+            <a:r>
+              <a:rPr lang="de-DE" sz="1100" dirty="0">
+                <a:solidFill>
+                  <a:srgbClr val="222222"/>
+                </a:solidFill>
+                <a:latin typeface="Arial" panose="020B0604020202020204" pitchFamily="34" charset="0"/>
+                <a:ea typeface="Times New Roman" panose="02020603050405020304" pitchFamily="18" charset="0"/>
+                <a:cs typeface="Times New Roman" panose="02020603050405020304" pitchFamily="18" charset="0"/>
+              </a:rPr>
+              <a:t>Du hast uns hergeführt, wir danken dir</a:t>
+            </a:r>
+            <a:br>
+              <a:rPr lang="de-DE" sz="1100" dirty="0">
+                <a:solidFill>
+                  <a:srgbClr val="222222"/>
+                </a:solidFill>
+                <a:latin typeface="Arial" panose="020B0604020202020204" pitchFamily="34" charset="0"/>
+                <a:ea typeface="Times New Roman" panose="02020603050405020304" pitchFamily="18" charset="0"/>
+                <a:cs typeface="Times New Roman" panose="02020603050405020304" pitchFamily="18" charset="0"/>
+              </a:rPr>
+            </a:br>
+            <a:r>
+              <a:rPr lang="de-DE" sz="1100" dirty="0">
+                <a:solidFill>
+                  <a:srgbClr val="222222"/>
+                </a:solidFill>
+                <a:latin typeface="Arial" panose="020B0604020202020204" pitchFamily="34" charset="0"/>
+                <a:ea typeface="Times New Roman" panose="02020603050405020304" pitchFamily="18" charset="0"/>
+                <a:cs typeface="Times New Roman" panose="02020603050405020304" pitchFamily="18" charset="0"/>
+              </a:rPr>
+              <a:t>Stern über Bethlehem, wir bleiben hier</a:t>
+            </a:r>
+            <a:endParaRPr lang="de-DE" sz="1400" dirty="0">
+              <a:latin typeface="Calibri" panose="020F0502020204030204" pitchFamily="34" charset="0"/>
+              <a:ea typeface="Calibri" panose="020F0502020204030204" pitchFamily="34" charset="0"/>
+              <a:cs typeface="Times New Roman" panose="02020603050405020304" pitchFamily="18" charset="0"/>
+            </a:endParaRPr>
+          </a:p>
+          <a:p>
+            <a:pPr>
+              <a:lnSpc>
+                <a:spcPts val="1240"/>
+              </a:lnSpc>
+              <a:spcAft>
+                <a:spcPts val="0"/>
+              </a:spcAft>
+            </a:pPr>
+            <a:r>
+              <a:rPr lang="de-DE" sz="1100" dirty="0">
+                <a:solidFill>
+                  <a:srgbClr val="222222"/>
+                </a:solidFill>
+                <a:latin typeface="Arial" panose="020B0604020202020204" pitchFamily="34" charset="0"/>
+                <a:ea typeface="Times New Roman" panose="02020603050405020304" pitchFamily="18" charset="0"/>
+                <a:cs typeface="Times New Roman" panose="02020603050405020304" pitchFamily="18" charset="0"/>
+              </a:rPr>
+              <a:t>Stern über Bethlehem, kehren wir zurück</a:t>
+            </a:r>
+            <a:br>
+              <a:rPr lang="de-DE" sz="1100" dirty="0">
+                <a:solidFill>
+                  <a:srgbClr val="222222"/>
+                </a:solidFill>
+                <a:latin typeface="Arial" panose="020B0604020202020204" pitchFamily="34" charset="0"/>
+                <a:ea typeface="Times New Roman" panose="02020603050405020304" pitchFamily="18" charset="0"/>
+                <a:cs typeface="Times New Roman" panose="02020603050405020304" pitchFamily="18" charset="0"/>
+              </a:rPr>
+            </a:br>
+            <a:r>
+              <a:rPr lang="de-DE" sz="1100" dirty="0">
+                <a:solidFill>
+                  <a:srgbClr val="222222"/>
+                </a:solidFill>
+                <a:latin typeface="Arial" panose="020B0604020202020204" pitchFamily="34" charset="0"/>
+                <a:ea typeface="Times New Roman" panose="02020603050405020304" pitchFamily="18" charset="0"/>
+                <a:cs typeface="Times New Roman" panose="02020603050405020304" pitchFamily="18" charset="0"/>
+              </a:rPr>
+              <a:t>Steht doch dein heller Schein in unserm Blick</a:t>
+            </a:r>
+            <a:br>
+              <a:rPr lang="de-DE" sz="1100" dirty="0">
+                <a:solidFill>
+                  <a:srgbClr val="222222"/>
+                </a:solidFill>
+                <a:latin typeface="Arial" panose="020B0604020202020204" pitchFamily="34" charset="0"/>
+                <a:ea typeface="Times New Roman" panose="02020603050405020304" pitchFamily="18" charset="0"/>
+                <a:cs typeface="Times New Roman" panose="02020603050405020304" pitchFamily="18" charset="0"/>
+              </a:rPr>
+            </a:br>
+            <a:r>
+              <a:rPr lang="de-DE" sz="1100" dirty="0">
+                <a:solidFill>
+                  <a:srgbClr val="222222"/>
+                </a:solidFill>
+                <a:latin typeface="Arial" panose="020B0604020202020204" pitchFamily="34" charset="0"/>
+                <a:ea typeface="Times New Roman" panose="02020603050405020304" pitchFamily="18" charset="0"/>
+                <a:cs typeface="Times New Roman" panose="02020603050405020304" pitchFamily="18" charset="0"/>
+              </a:rPr>
+              <a:t>Und was uns froh gemacht, teilen wir aus</a:t>
+            </a:r>
+            <a:br>
+              <a:rPr lang="de-DE" sz="1100" dirty="0">
+                <a:solidFill>
+                  <a:srgbClr val="222222"/>
+                </a:solidFill>
+                <a:latin typeface="Arial" panose="020B0604020202020204" pitchFamily="34" charset="0"/>
+                <a:ea typeface="Times New Roman" panose="02020603050405020304" pitchFamily="18" charset="0"/>
+                <a:cs typeface="Times New Roman" panose="02020603050405020304" pitchFamily="18" charset="0"/>
+              </a:rPr>
+            </a:br>
+            <a:r>
+              <a:rPr lang="de-DE" sz="1100" dirty="0">
+                <a:solidFill>
+                  <a:srgbClr val="222222"/>
+                </a:solidFill>
+                <a:latin typeface="Arial" panose="020B0604020202020204" pitchFamily="34" charset="0"/>
+                <a:ea typeface="Times New Roman" panose="02020603050405020304" pitchFamily="18" charset="0"/>
+                <a:cs typeface="Times New Roman" panose="02020603050405020304" pitchFamily="18" charset="0"/>
+              </a:rPr>
+              <a:t>Stern über Bethlehem, schein auch </a:t>
+            </a:r>
+            <a:r>
+              <a:rPr lang="de-DE" sz="1100" dirty="0" err="1">
+                <a:solidFill>
+                  <a:srgbClr val="222222"/>
+                </a:solidFill>
+                <a:latin typeface="Arial" panose="020B0604020202020204" pitchFamily="34" charset="0"/>
+                <a:ea typeface="Times New Roman" panose="02020603050405020304" pitchFamily="18" charset="0"/>
+                <a:cs typeface="Times New Roman" panose="02020603050405020304" pitchFamily="18" charset="0"/>
+              </a:rPr>
+              <a:t>zuhaus</a:t>
+            </a:r>
+            <a:endParaRPr lang="de-DE" sz="1400" dirty="0">
+              <a:effectLst/>
+              <a:latin typeface="Calibri" panose="020F0502020204030204" pitchFamily="34" charset="0"/>
+              <a:ea typeface="Calibri" panose="020F0502020204030204" pitchFamily="34" charset="0"/>
+              <a:cs typeface="Times New Roman" panose="02020603050405020304" pitchFamily="18" charset="0"/>
+            </a:endParaRPr>
+          </a:p>
+        </p:txBody>
+      </p:sp>
+      <p:sp>
+        <p:nvSpPr>
+          <p:cNvPr id="33" name="Rechteck 32">
+            <a:extLst>
+              <a:ext uri="{FF2B5EF4-FFF2-40B4-BE49-F238E27FC236}">
+                <a16:creationId xmlns:a16="http://schemas.microsoft.com/office/drawing/2014/main" id="{70C305C3-1C5D-466D-B897-05DEEC7F3911}"/>
+              </a:ext>
+            </a:extLst>
+          </p:cNvPr>
+          <p:cNvSpPr/>
+          <p:nvPr/>
+        </p:nvSpPr>
+        <p:spPr>
+          <a:xfrm rot="10800000">
+            <a:off x="6251330" y="6400318"/>
+            <a:ext cx="2786276" cy="400110"/>
+          </a:xfrm>
+          <a:prstGeom prst="rect">
+            <a:avLst/>
+          </a:prstGeom>
+          <a:noFill/>
+        </p:spPr>
+        <p:txBody>
+          <a:bodyPr wrap="none" lIns="91440" tIns="45720" rIns="91440" bIns="45720">
+            <a:spAutoFit/>
+          </a:bodyPr>
+          <a:lstStyle/>
+          <a:p>
+            <a:pPr algn="ctr"/>
+            <a:r>
+              <a:rPr lang="de-DE" sz="2000" b="1" cap="none" spc="0" dirty="0">
+                <a:ln w="12700">
+                  <a:solidFill>
+                    <a:schemeClr val="accent5"/>
+                  </a:solidFill>
+                  <a:prstDash val="solid"/>
+                </a:ln>
+                <a:pattFill prst="ltDnDiag">
+                  <a:fgClr>
+                    <a:schemeClr val="accent5">
+                      <a:lumMod val="60000"/>
+                      <a:lumOff val="40000"/>
+                    </a:schemeClr>
+                  </a:fgClr>
+                  <a:bgClr>
+                    <a:schemeClr val="bg1"/>
+                  </a:bgClr>
+                </a:pattFill>
+                <a:effectLst/>
+              </a:rPr>
+              <a:t>1. Stern über Bethlehem</a:t>
+            </a:r>
+          </a:p>
+        </p:txBody>
+      </p:sp>
     </p:spTree>
     <p:extLst>
       <p:ext uri="{BB962C8B-B14F-4D97-AF65-F5344CB8AC3E}">

--- a/Folie.pptx
+++ b/Folie.pptx
@@ -4530,6 +4530,229 @@
           </a:p>
         </p:txBody>
       </p:sp>
+      <p:sp>
+        <p:nvSpPr>
+          <p:cNvPr id="2" name="Rechteck 1">
+            <a:extLst>
+              <a:ext uri="{FF2B5EF4-FFF2-40B4-BE49-F238E27FC236}">
+                <a16:creationId xmlns:a16="http://schemas.microsoft.com/office/drawing/2014/main" id="{CD7AA8CA-E708-4BA9-B6AD-F577FA15B7DB}"/>
+              </a:ext>
+            </a:extLst>
+          </p:cNvPr>
+          <p:cNvSpPr/>
+          <p:nvPr/>
+        </p:nvSpPr>
+        <p:spPr>
+          <a:xfrm rot="10800000">
+            <a:off x="9037606" y="4558648"/>
+            <a:ext cx="3020879" cy="1695721"/>
+          </a:xfrm>
+          <a:prstGeom prst="rect">
+            <a:avLst/>
+          </a:prstGeom>
+        </p:spPr>
+        <p:txBody>
+          <a:bodyPr wrap="square">
+            <a:spAutoFit/>
+          </a:bodyPr>
+          <a:lstStyle/>
+          <a:p>
+            <a:pPr marL="342900" lvl="0" indent="-342900">
+              <a:lnSpc>
+                <a:spcPct val="107000"/>
+              </a:lnSpc>
+              <a:spcAft>
+                <a:spcPts val="0"/>
+              </a:spcAft>
+              <a:buFont typeface="+mj-lt"/>
+              <a:buAutoNum type="arabicPeriod"/>
+            </a:pPr>
+            <a:r>
+              <a:rPr lang="de-DE" sz="1400" dirty="0">
+                <a:latin typeface="Calibri" panose="020F0502020204030204" pitchFamily="34" charset="0"/>
+                <a:ea typeface="Calibri" panose="020F0502020204030204" pitchFamily="34" charset="0"/>
+                <a:cs typeface="Times New Roman" panose="02020603050405020304" pitchFamily="18" charset="0"/>
+              </a:rPr>
+              <a:t>Stern über Bethlehem – Sarah</a:t>
+            </a:r>
+          </a:p>
+          <a:p>
+            <a:pPr marL="342900" lvl="0" indent="-342900">
+              <a:lnSpc>
+                <a:spcPct val="107000"/>
+              </a:lnSpc>
+              <a:spcAft>
+                <a:spcPts val="0"/>
+              </a:spcAft>
+              <a:buFont typeface="+mj-lt"/>
+              <a:buAutoNum type="arabicPeriod"/>
+            </a:pPr>
+            <a:r>
+              <a:rPr lang="de-DE" sz="1400" dirty="0">
+                <a:latin typeface="Calibri" panose="020F0502020204030204" pitchFamily="34" charset="0"/>
+                <a:ea typeface="Calibri" panose="020F0502020204030204" pitchFamily="34" charset="0"/>
+                <a:cs typeface="Times New Roman" panose="02020603050405020304" pitchFamily="18" charset="0"/>
+              </a:rPr>
+              <a:t>?? – Jan-Hendrik</a:t>
+            </a:r>
+          </a:p>
+          <a:p>
+            <a:pPr marL="342900" lvl="0" indent="-342900">
+              <a:lnSpc>
+                <a:spcPct val="107000"/>
+              </a:lnSpc>
+              <a:spcAft>
+                <a:spcPts val="0"/>
+              </a:spcAft>
+              <a:buFont typeface="+mj-lt"/>
+              <a:buAutoNum type="arabicPeriod"/>
+            </a:pPr>
+            <a:r>
+              <a:rPr lang="de-DE" sz="1400" dirty="0">
+                <a:latin typeface="Calibri" panose="020F0502020204030204" pitchFamily="34" charset="0"/>
+                <a:ea typeface="Calibri" panose="020F0502020204030204" pitchFamily="34" charset="0"/>
+                <a:cs typeface="Times New Roman" panose="02020603050405020304" pitchFamily="18" charset="0"/>
+              </a:rPr>
+              <a:t>Oh du fröhliche – Sarah</a:t>
+            </a:r>
+          </a:p>
+          <a:p>
+            <a:pPr marL="342900" lvl="0" indent="-342900">
+              <a:lnSpc>
+                <a:spcPct val="107000"/>
+              </a:lnSpc>
+              <a:spcAft>
+                <a:spcPts val="0"/>
+              </a:spcAft>
+              <a:buFont typeface="+mj-lt"/>
+              <a:buAutoNum type="arabicPeriod"/>
+            </a:pPr>
+            <a:r>
+              <a:rPr lang="de-DE" sz="1400" dirty="0">
+                <a:latin typeface="Calibri" panose="020F0502020204030204" pitchFamily="34" charset="0"/>
+                <a:ea typeface="Calibri" panose="020F0502020204030204" pitchFamily="34" charset="0"/>
+                <a:cs typeface="Times New Roman" panose="02020603050405020304" pitchFamily="18" charset="0"/>
+              </a:rPr>
+              <a:t>?? – Nicolas</a:t>
+            </a:r>
+          </a:p>
+          <a:p>
+            <a:pPr marL="342900" lvl="0" indent="-342900">
+              <a:lnSpc>
+                <a:spcPct val="107000"/>
+              </a:lnSpc>
+              <a:spcAft>
+                <a:spcPts val="0"/>
+              </a:spcAft>
+              <a:buFont typeface="+mj-lt"/>
+              <a:buAutoNum type="arabicPeriod"/>
+            </a:pPr>
+            <a:r>
+              <a:rPr lang="de-DE" sz="1400" dirty="0">
+                <a:latin typeface="Calibri" panose="020F0502020204030204" pitchFamily="34" charset="0"/>
+                <a:ea typeface="Calibri" panose="020F0502020204030204" pitchFamily="34" charset="0"/>
+                <a:cs typeface="Times New Roman" panose="02020603050405020304" pitchFamily="18" charset="0"/>
+              </a:rPr>
+              <a:t>Alle Jahre wieder – Sarah</a:t>
+            </a:r>
+          </a:p>
+          <a:p>
+            <a:pPr marL="342900" lvl="0" indent="-342900">
+              <a:lnSpc>
+                <a:spcPct val="107000"/>
+              </a:lnSpc>
+              <a:spcAft>
+                <a:spcPts val="0"/>
+              </a:spcAft>
+              <a:buFont typeface="+mj-lt"/>
+              <a:buAutoNum type="arabicPeriod"/>
+            </a:pPr>
+            <a:r>
+              <a:rPr lang="de-DE" sz="1400" dirty="0">
+                <a:latin typeface="Calibri" panose="020F0502020204030204" pitchFamily="34" charset="0"/>
+                <a:ea typeface="Calibri" panose="020F0502020204030204" pitchFamily="34" charset="0"/>
+                <a:cs typeface="Times New Roman" panose="02020603050405020304" pitchFamily="18" charset="0"/>
+              </a:rPr>
+              <a:t>?? – Jan-Hendrik</a:t>
+            </a:r>
+          </a:p>
+          <a:p>
+            <a:pPr marL="342900" lvl="0" indent="-342900">
+              <a:lnSpc>
+                <a:spcPct val="107000"/>
+              </a:lnSpc>
+              <a:spcAft>
+                <a:spcPts val="800"/>
+              </a:spcAft>
+              <a:buFont typeface="+mj-lt"/>
+              <a:buAutoNum type="arabicPeriod"/>
+            </a:pPr>
+            <a:r>
+              <a:rPr lang="de-DE" sz="1400" dirty="0">
+                <a:latin typeface="Calibri" panose="020F0502020204030204" pitchFamily="34" charset="0"/>
+                <a:ea typeface="Calibri" panose="020F0502020204030204" pitchFamily="34" charset="0"/>
+                <a:cs typeface="Times New Roman" panose="02020603050405020304" pitchFamily="18" charset="0"/>
+              </a:rPr>
+              <a:t>Überraschung</a:t>
+            </a:r>
+          </a:p>
+        </p:txBody>
+      </p:sp>
+      <p:sp>
+        <p:nvSpPr>
+          <p:cNvPr id="3" name="Rechteck 2">
+            <a:extLst>
+              <a:ext uri="{FF2B5EF4-FFF2-40B4-BE49-F238E27FC236}">
+                <a16:creationId xmlns:a16="http://schemas.microsoft.com/office/drawing/2014/main" id="{507FE76B-3495-4C3B-A3D8-1420F42A9CA4}"/>
+              </a:ext>
+            </a:extLst>
+          </p:cNvPr>
+          <p:cNvSpPr/>
+          <p:nvPr/>
+        </p:nvSpPr>
+        <p:spPr>
+          <a:xfrm rot="10800000">
+            <a:off x="9045834" y="6317400"/>
+            <a:ext cx="3231840" cy="523220"/>
+          </a:xfrm>
+          <a:prstGeom prst="rect">
+            <a:avLst/>
+          </a:prstGeom>
+          <a:noFill/>
+        </p:spPr>
+        <p:txBody>
+          <a:bodyPr wrap="square" lIns="91440" tIns="45720" rIns="91440" bIns="45720">
+            <a:spAutoFit/>
+          </a:bodyPr>
+          <a:lstStyle/>
+          <a:p>
+            <a:pPr algn="ctr"/>
+            <a:r>
+              <a:rPr lang="de-DE" sz="2800" b="1" cap="none" spc="0" dirty="0">
+                <a:ln w="12700">
+                  <a:solidFill>
+                    <a:schemeClr val="accent5"/>
+                  </a:solidFill>
+                  <a:prstDash val="solid"/>
+                </a:ln>
+                <a:pattFill prst="ltDnDiag">
+                  <a:fgClr>
+                    <a:schemeClr val="accent5">
+                      <a:lumMod val="60000"/>
+                      <a:lumOff val="40000"/>
+                    </a:schemeClr>
+                  </a:fgClr>
+                  <a:bgClr>
+                    <a:schemeClr val="bg1"/>
+                  </a:bgClr>
+                </a:pattFill>
+                <a:effectLst/>
+              </a:rPr>
+              <a:t>Inhaltsverzeichnis</a:t>
+            </a:r>
+          </a:p>
+        </p:txBody>
+      </p:sp>
     </p:spTree>
     <p:extLst>
       <p:ext uri="{BB962C8B-B14F-4D97-AF65-F5344CB8AC3E}">

--- a/Folie.pptx
+++ b/Folie.pptx
@@ -3374,10 +3374,10 @@
       </p:sp>
       <p:sp>
         <p:nvSpPr>
-          <p:cNvPr id="18" name="Textfeld 17">
-            <a:extLst>
-              <a:ext uri="{FF2B5EF4-FFF2-40B4-BE49-F238E27FC236}">
-                <a16:creationId xmlns:a16="http://schemas.microsoft.com/office/drawing/2014/main" id="{92910622-14B9-48CB-826F-C34DE8FE4B7C}"/>
+          <p:cNvPr id="20" name="Textfeld 19">
+            <a:extLst>
+              <a:ext uri="{FF2B5EF4-FFF2-40B4-BE49-F238E27FC236}">
+                <a16:creationId xmlns:a16="http://schemas.microsoft.com/office/drawing/2014/main" id="{7532EF85-84A0-4675-A7F0-7BC0AD492759}"/>
               </a:ext>
             </a:extLst>
           </p:cNvPr>
@@ -3385,8 +3385,8 @@
           <p:nvPr/>
         </p:nvSpPr>
         <p:spPr>
-          <a:xfrm>
-            <a:off x="3817464" y="1240038"/>
+          <a:xfrm rot="10800000">
+            <a:off x="3979467" y="4717677"/>
             <a:ext cx="760782" cy="830997"/>
           </a:xfrm>
           <a:prstGeom prst="rect">
@@ -3402,77 +3402,7 @@
           <a:p>
             <a:r>
               <a:rPr lang="de-DE" sz="4800" dirty="0"/>
-              <a:t>5.</a:t>
-            </a:r>
-          </a:p>
-        </p:txBody>
-      </p:sp>
-      <p:sp>
-        <p:nvSpPr>
-          <p:cNvPr id="19" name="Textfeld 18">
-            <a:extLst>
-              <a:ext uri="{FF2B5EF4-FFF2-40B4-BE49-F238E27FC236}">
-                <a16:creationId xmlns:a16="http://schemas.microsoft.com/office/drawing/2014/main" id="{61861C1D-4289-4536-A435-2127507CB469}"/>
-              </a:ext>
-            </a:extLst>
-          </p:cNvPr>
-          <p:cNvSpPr txBox="1"/>
-          <p:nvPr/>
-        </p:nvSpPr>
-        <p:spPr>
-          <a:xfrm rot="10800000">
-            <a:off x="4172871" y="4630217"/>
-            <a:ext cx="760782" cy="830997"/>
-          </a:xfrm>
-          <a:prstGeom prst="rect">
-            <a:avLst/>
-          </a:prstGeom>
-          <a:noFill/>
-        </p:spPr>
-        <p:txBody>
-          <a:bodyPr wrap="square" rtlCol="0">
-            <a:spAutoFit/>
-          </a:bodyPr>
-          <a:lstStyle/>
-          <a:p>
-            <a:r>
-              <a:rPr lang="de-DE" sz="4800" dirty="0"/>
               <a:t>2.</a:t>
-            </a:r>
-          </a:p>
-        </p:txBody>
-      </p:sp>
-      <p:sp>
-        <p:nvSpPr>
-          <p:cNvPr id="20" name="Textfeld 19">
-            <a:extLst>
-              <a:ext uri="{FF2B5EF4-FFF2-40B4-BE49-F238E27FC236}">
-                <a16:creationId xmlns:a16="http://schemas.microsoft.com/office/drawing/2014/main" id="{7532EF85-84A0-4675-A7F0-7BC0AD492759}"/>
-              </a:ext>
-            </a:extLst>
-          </p:cNvPr>
-          <p:cNvSpPr txBox="1"/>
-          <p:nvPr/>
-        </p:nvSpPr>
-        <p:spPr>
-          <a:xfrm rot="10800000">
-            <a:off x="870507" y="4649419"/>
-            <a:ext cx="760782" cy="830997"/>
-          </a:xfrm>
-          <a:prstGeom prst="rect">
-            <a:avLst/>
-          </a:prstGeom>
-          <a:noFill/>
-        </p:spPr>
-        <p:txBody>
-          <a:bodyPr wrap="square" rtlCol="0">
-            <a:spAutoFit/>
-          </a:bodyPr>
-          <a:lstStyle/>
-          <a:p>
-            <a:r>
-              <a:rPr lang="de-DE" sz="4800" dirty="0"/>
-              <a:t>3.</a:t>
             </a:r>
           </a:p>
         </p:txBody>
@@ -4532,174 +4462,6 @@
       </p:sp>
       <p:sp>
         <p:nvSpPr>
-          <p:cNvPr id="2" name="Rechteck 1">
-            <a:extLst>
-              <a:ext uri="{FF2B5EF4-FFF2-40B4-BE49-F238E27FC236}">
-                <a16:creationId xmlns:a16="http://schemas.microsoft.com/office/drawing/2014/main" id="{CD7AA8CA-E708-4BA9-B6AD-F577FA15B7DB}"/>
-              </a:ext>
-            </a:extLst>
-          </p:cNvPr>
-          <p:cNvSpPr/>
-          <p:nvPr/>
-        </p:nvSpPr>
-        <p:spPr>
-          <a:xfrm rot="10800000">
-            <a:off x="9037606" y="4558648"/>
-            <a:ext cx="3020879" cy="1695721"/>
-          </a:xfrm>
-          <a:prstGeom prst="rect">
-            <a:avLst/>
-          </a:prstGeom>
-        </p:spPr>
-        <p:txBody>
-          <a:bodyPr wrap="square">
-            <a:spAutoFit/>
-          </a:bodyPr>
-          <a:lstStyle/>
-          <a:p>
-            <a:pPr marL="342900" lvl="0" indent="-342900">
-              <a:lnSpc>
-                <a:spcPct val="107000"/>
-              </a:lnSpc>
-              <a:spcAft>
-                <a:spcPts val="0"/>
-              </a:spcAft>
-              <a:buFont typeface="+mj-lt"/>
-              <a:buAutoNum type="arabicPeriod"/>
-            </a:pPr>
-            <a:r>
-              <a:rPr lang="de-DE" sz="1400" dirty="0">
-                <a:latin typeface="Calibri" panose="020F0502020204030204" pitchFamily="34" charset="0"/>
-                <a:ea typeface="Calibri" panose="020F0502020204030204" pitchFamily="34" charset="0"/>
-                <a:cs typeface="Times New Roman" panose="02020603050405020304" pitchFamily="18" charset="0"/>
-              </a:rPr>
-              <a:t>Stern über Bethlehem – Sarah</a:t>
-            </a:r>
-          </a:p>
-          <a:p>
-            <a:pPr marL="342900" lvl="0" indent="-342900">
-              <a:lnSpc>
-                <a:spcPct val="107000"/>
-              </a:lnSpc>
-              <a:spcAft>
-                <a:spcPts val="0"/>
-              </a:spcAft>
-              <a:buFont typeface="+mj-lt"/>
-              <a:buAutoNum type="arabicPeriod"/>
-            </a:pPr>
-            <a:r>
-              <a:rPr lang="de-DE" sz="1400" dirty="0">
-                <a:latin typeface="Calibri" panose="020F0502020204030204" pitchFamily="34" charset="0"/>
-                <a:ea typeface="Calibri" panose="020F0502020204030204" pitchFamily="34" charset="0"/>
-                <a:cs typeface="Times New Roman" panose="02020603050405020304" pitchFamily="18" charset="0"/>
-              </a:rPr>
-              <a:t>?? – Jan-Hendrik</a:t>
-            </a:r>
-          </a:p>
-          <a:p>
-            <a:pPr marL="342900" lvl="0" indent="-342900">
-              <a:lnSpc>
-                <a:spcPct val="107000"/>
-              </a:lnSpc>
-              <a:spcAft>
-                <a:spcPts val="0"/>
-              </a:spcAft>
-              <a:buFont typeface="+mj-lt"/>
-              <a:buAutoNum type="arabicPeriod"/>
-            </a:pPr>
-            <a:r>
-              <a:rPr lang="de-DE" sz="1400" dirty="0">
-                <a:latin typeface="Calibri" panose="020F0502020204030204" pitchFamily="34" charset="0"/>
-                <a:ea typeface="Calibri" panose="020F0502020204030204" pitchFamily="34" charset="0"/>
-                <a:cs typeface="Times New Roman" panose="02020603050405020304" pitchFamily="18" charset="0"/>
-              </a:rPr>
-              <a:t>Oh du fröhliche – Sarah</a:t>
-            </a:r>
-          </a:p>
-          <a:p>
-            <a:pPr marL="342900" lvl="0" indent="-342900">
-              <a:lnSpc>
-                <a:spcPct val="107000"/>
-              </a:lnSpc>
-              <a:spcAft>
-                <a:spcPts val="0"/>
-              </a:spcAft>
-              <a:buFont typeface="+mj-lt"/>
-              <a:buAutoNum type="arabicPeriod"/>
-            </a:pPr>
-            <a:r>
-              <a:rPr lang="de-DE" sz="1400" dirty="0">
-                <a:latin typeface="Calibri" panose="020F0502020204030204" pitchFamily="34" charset="0"/>
-                <a:ea typeface="Calibri" panose="020F0502020204030204" pitchFamily="34" charset="0"/>
-                <a:cs typeface="Times New Roman" panose="02020603050405020304" pitchFamily="18" charset="0"/>
-              </a:rPr>
-              <a:t>?? – Nicolas</a:t>
-            </a:r>
-          </a:p>
-          <a:p>
-            <a:pPr marL="342900" lvl="0" indent="-342900">
-              <a:lnSpc>
-                <a:spcPct val="107000"/>
-              </a:lnSpc>
-              <a:spcAft>
-                <a:spcPts val="0"/>
-              </a:spcAft>
-              <a:buFont typeface="+mj-lt"/>
-              <a:buAutoNum type="arabicPeriod"/>
-            </a:pPr>
-            <a:r>
-              <a:rPr lang="de-DE" sz="1400" dirty="0">
-                <a:latin typeface="Calibri" panose="020F0502020204030204" pitchFamily="34" charset="0"/>
-                <a:ea typeface="Calibri" panose="020F0502020204030204" pitchFamily="34" charset="0"/>
-                <a:cs typeface="Times New Roman" panose="02020603050405020304" pitchFamily="18" charset="0"/>
-              </a:rPr>
-              <a:t>Alle Jahre wieder – Sarah</a:t>
-            </a:r>
-          </a:p>
-          <a:p>
-            <a:pPr marL="342900" lvl="0" indent="-342900">
-              <a:lnSpc>
-                <a:spcPct val="107000"/>
-              </a:lnSpc>
-              <a:spcAft>
-                <a:spcPts val="0"/>
-              </a:spcAft>
-              <a:buFont typeface="+mj-lt"/>
-              <a:buAutoNum type="arabicPeriod"/>
-            </a:pPr>
-            <a:r>
-              <a:rPr lang="de-DE" sz="1400" dirty="0">
-                <a:latin typeface="Calibri" panose="020F0502020204030204" pitchFamily="34" charset="0"/>
-                <a:ea typeface="Calibri" panose="020F0502020204030204" pitchFamily="34" charset="0"/>
-                <a:cs typeface="Times New Roman" panose="02020603050405020304" pitchFamily="18" charset="0"/>
-              </a:rPr>
-              <a:t>?? – Jan-Hendrik</a:t>
-            </a:r>
-          </a:p>
-          <a:p>
-            <a:pPr marL="342900" lvl="0" indent="-342900">
-              <a:lnSpc>
-                <a:spcPct val="107000"/>
-              </a:lnSpc>
-              <a:spcAft>
-                <a:spcPts val="800"/>
-              </a:spcAft>
-              <a:buFont typeface="+mj-lt"/>
-              <a:buAutoNum type="arabicPeriod"/>
-            </a:pPr>
-            <a:r>
-              <a:rPr lang="de-DE" sz="1400" dirty="0">
-                <a:latin typeface="Calibri" panose="020F0502020204030204" pitchFamily="34" charset="0"/>
-                <a:ea typeface="Calibri" panose="020F0502020204030204" pitchFamily="34" charset="0"/>
-                <a:cs typeface="Times New Roman" panose="02020603050405020304" pitchFamily="18" charset="0"/>
-              </a:rPr>
-              <a:t>Überraschung</a:t>
-            </a:r>
-          </a:p>
-        </p:txBody>
-      </p:sp>
-      <p:sp>
-        <p:nvSpPr>
           <p:cNvPr id="3" name="Rechteck 2">
             <a:extLst>
               <a:ext uri="{FF2B5EF4-FFF2-40B4-BE49-F238E27FC236}">
@@ -4749,6 +4511,666 @@
                 <a:effectLst/>
               </a:rPr>
               <a:t>Inhaltsverzeichnis</a:t>
+            </a:r>
+          </a:p>
+        </p:txBody>
+      </p:sp>
+      <p:sp>
+        <p:nvSpPr>
+          <p:cNvPr id="14" name="Rechteck 13">
+            <a:extLst>
+              <a:ext uri="{FF2B5EF4-FFF2-40B4-BE49-F238E27FC236}">
+                <a16:creationId xmlns:a16="http://schemas.microsoft.com/office/drawing/2014/main" id="{8C10A4D2-C5CF-4E27-BCBF-B4BD430CEBD2}"/>
+              </a:ext>
+            </a:extLst>
+          </p:cNvPr>
+          <p:cNvSpPr/>
+          <p:nvPr/>
+        </p:nvSpPr>
+        <p:spPr>
+          <a:xfrm rot="10800000">
+            <a:off x="-85674" y="3486571"/>
+            <a:ext cx="2847131" cy="2462213"/>
+          </a:xfrm>
+          <a:prstGeom prst="rect">
+            <a:avLst/>
+          </a:prstGeom>
+        </p:spPr>
+        <p:txBody>
+          <a:bodyPr wrap="square">
+            <a:spAutoFit/>
+          </a:bodyPr>
+          <a:lstStyle/>
+          <a:p>
+            <a:r>
+              <a:rPr lang="de-DE" sz="1100" dirty="0">
+                <a:solidFill>
+                  <a:srgbClr val="373E44"/>
+                </a:solidFill>
+                <a:latin typeface="Open Sans"/>
+              </a:rPr>
+              <a:t>O du fröhliche, O du selige,</a:t>
+            </a:r>
+            <a:br>
+              <a:rPr lang="de-DE" sz="1100" dirty="0">
+                <a:solidFill>
+                  <a:srgbClr val="373E44"/>
+                </a:solidFill>
+                <a:latin typeface="Open Sans"/>
+              </a:rPr>
+            </a:br>
+            <a:r>
+              <a:rPr lang="de-DE" sz="1100" dirty="0">
+                <a:solidFill>
+                  <a:srgbClr val="373E44"/>
+                </a:solidFill>
+                <a:latin typeface="Open Sans"/>
+              </a:rPr>
+              <a:t>gnadenbringende Weihnachtszeit!</a:t>
+            </a:r>
+            <a:br>
+              <a:rPr lang="de-DE" sz="1100" dirty="0">
+                <a:solidFill>
+                  <a:srgbClr val="373E44"/>
+                </a:solidFill>
+                <a:latin typeface="Open Sans"/>
+              </a:rPr>
+            </a:br>
+            <a:r>
+              <a:rPr lang="de-DE" sz="1100" dirty="0">
+                <a:solidFill>
+                  <a:srgbClr val="373E44"/>
+                </a:solidFill>
+                <a:latin typeface="Open Sans"/>
+              </a:rPr>
+              <a:t>Welt ging verloren, Christ ward geboren:</a:t>
+            </a:r>
+            <a:br>
+              <a:rPr lang="de-DE" sz="1100" dirty="0">
+                <a:solidFill>
+                  <a:srgbClr val="373E44"/>
+                </a:solidFill>
+                <a:latin typeface="Open Sans"/>
+              </a:rPr>
+            </a:br>
+            <a:r>
+              <a:rPr lang="de-DE" sz="1100" dirty="0">
+                <a:solidFill>
+                  <a:srgbClr val="373E44"/>
+                </a:solidFill>
+                <a:latin typeface="Open Sans"/>
+              </a:rPr>
+              <a:t>Freue, freue dich, O Christenheit!</a:t>
+            </a:r>
+          </a:p>
+          <a:p>
+            <a:endParaRPr lang="de-DE" sz="1100" dirty="0">
+              <a:solidFill>
+                <a:srgbClr val="373E44"/>
+              </a:solidFill>
+              <a:latin typeface="Open Sans"/>
+            </a:endParaRPr>
+          </a:p>
+          <a:p>
+            <a:r>
+              <a:rPr lang="de-DE" sz="1100" dirty="0">
+                <a:solidFill>
+                  <a:srgbClr val="373E44"/>
+                </a:solidFill>
+                <a:latin typeface="Open Sans"/>
+              </a:rPr>
+              <a:t>O du fröhliche, O du selige,</a:t>
+            </a:r>
+            <a:br>
+              <a:rPr lang="de-DE" sz="1100" dirty="0">
+                <a:solidFill>
+                  <a:srgbClr val="373E44"/>
+                </a:solidFill>
+                <a:latin typeface="Open Sans"/>
+              </a:rPr>
+            </a:br>
+            <a:r>
+              <a:rPr lang="de-DE" sz="1100" dirty="0">
+                <a:solidFill>
+                  <a:srgbClr val="373E44"/>
+                </a:solidFill>
+                <a:latin typeface="Open Sans"/>
+              </a:rPr>
+              <a:t>gnadenbringende Weihnachtszeit!</a:t>
+            </a:r>
+            <a:br>
+              <a:rPr lang="de-DE" sz="1100" dirty="0">
+                <a:solidFill>
+                  <a:srgbClr val="373E44"/>
+                </a:solidFill>
+                <a:latin typeface="Open Sans"/>
+              </a:rPr>
+            </a:br>
+            <a:r>
+              <a:rPr lang="de-DE" sz="1100" dirty="0">
+                <a:solidFill>
+                  <a:srgbClr val="373E44"/>
+                </a:solidFill>
+                <a:latin typeface="Open Sans"/>
+              </a:rPr>
+              <a:t>Christ ist erschienen, uns zu versühnen:</a:t>
+            </a:r>
+            <a:br>
+              <a:rPr lang="de-DE" sz="1100" dirty="0">
+                <a:solidFill>
+                  <a:srgbClr val="373E44"/>
+                </a:solidFill>
+                <a:latin typeface="Open Sans"/>
+              </a:rPr>
+            </a:br>
+            <a:r>
+              <a:rPr lang="de-DE" sz="1100" dirty="0">
+                <a:solidFill>
+                  <a:srgbClr val="373E44"/>
+                </a:solidFill>
+                <a:latin typeface="Open Sans"/>
+              </a:rPr>
+              <a:t>Freue, freue dich, O Christenheit!</a:t>
+            </a:r>
+          </a:p>
+          <a:p>
+            <a:endParaRPr lang="de-DE" sz="1100" dirty="0">
+              <a:solidFill>
+                <a:srgbClr val="373E44"/>
+              </a:solidFill>
+              <a:latin typeface="Open Sans"/>
+            </a:endParaRPr>
+          </a:p>
+          <a:p>
+            <a:r>
+              <a:rPr lang="de-DE" sz="1100" dirty="0">
+                <a:solidFill>
+                  <a:srgbClr val="373E44"/>
+                </a:solidFill>
+                <a:latin typeface="Open Sans"/>
+              </a:rPr>
+              <a:t>O du fröhliche, O du selige,</a:t>
+            </a:r>
+            <a:br>
+              <a:rPr lang="de-DE" sz="1100" dirty="0">
+                <a:solidFill>
+                  <a:srgbClr val="373E44"/>
+                </a:solidFill>
+                <a:latin typeface="Open Sans"/>
+              </a:rPr>
+            </a:br>
+            <a:r>
+              <a:rPr lang="de-DE" sz="1100" dirty="0">
+                <a:solidFill>
+                  <a:srgbClr val="373E44"/>
+                </a:solidFill>
+                <a:latin typeface="Open Sans"/>
+              </a:rPr>
+              <a:t>gnadenbringende Weihnachtszeit!</a:t>
+            </a:r>
+            <a:br>
+              <a:rPr lang="de-DE" sz="1100" dirty="0">
+                <a:solidFill>
+                  <a:srgbClr val="373E44"/>
+                </a:solidFill>
+                <a:latin typeface="Open Sans"/>
+              </a:rPr>
+            </a:br>
+            <a:r>
+              <a:rPr lang="de-DE" sz="1100" dirty="0">
+                <a:solidFill>
+                  <a:srgbClr val="373E44"/>
+                </a:solidFill>
+                <a:latin typeface="Open Sans"/>
+              </a:rPr>
+              <a:t>Himmlische Heere jauchzen dir Ehre:</a:t>
+            </a:r>
+            <a:br>
+              <a:rPr lang="de-DE" sz="1100" dirty="0">
+                <a:solidFill>
+                  <a:srgbClr val="373E44"/>
+                </a:solidFill>
+                <a:latin typeface="Open Sans"/>
+              </a:rPr>
+            </a:br>
+            <a:r>
+              <a:rPr lang="de-DE" sz="1100" dirty="0">
+                <a:solidFill>
+                  <a:srgbClr val="373E44"/>
+                </a:solidFill>
+                <a:latin typeface="Open Sans"/>
+              </a:rPr>
+              <a:t>Freue, freue dich, O Christenheit!</a:t>
+            </a:r>
+            <a:endParaRPr lang="de-DE" sz="1100" b="0" i="0" dirty="0">
+              <a:solidFill>
+                <a:srgbClr val="373E44"/>
+              </a:solidFill>
+              <a:effectLst/>
+              <a:latin typeface="Open Sans"/>
+            </a:endParaRPr>
+          </a:p>
+        </p:txBody>
+      </p:sp>
+      <p:sp>
+        <p:nvSpPr>
+          <p:cNvPr id="26" name="Rechteck 25">
+            <a:extLst>
+              <a:ext uri="{FF2B5EF4-FFF2-40B4-BE49-F238E27FC236}">
+                <a16:creationId xmlns:a16="http://schemas.microsoft.com/office/drawing/2014/main" id="{85877AB6-8FF3-448B-9E7E-DBA12919D3B0}"/>
+              </a:ext>
+            </a:extLst>
+          </p:cNvPr>
+          <p:cNvSpPr/>
+          <p:nvPr/>
+        </p:nvSpPr>
+        <p:spPr>
+          <a:xfrm rot="10800000">
+            <a:off x="412587" y="6300254"/>
+            <a:ext cx="1951240" cy="400110"/>
+          </a:xfrm>
+          <a:prstGeom prst="rect">
+            <a:avLst/>
+          </a:prstGeom>
+          <a:noFill/>
+        </p:spPr>
+        <p:txBody>
+          <a:bodyPr wrap="none" lIns="91440" tIns="45720" rIns="91440" bIns="45720">
+            <a:spAutoFit/>
+          </a:bodyPr>
+          <a:lstStyle/>
+          <a:p>
+            <a:pPr algn="ctr"/>
+            <a:r>
+              <a:rPr lang="de-DE" sz="2000" b="1" dirty="0">
+                <a:ln w="12700">
+                  <a:solidFill>
+                    <a:schemeClr val="accent5"/>
+                  </a:solidFill>
+                  <a:prstDash val="solid"/>
+                </a:ln>
+                <a:pattFill prst="ltDnDiag">
+                  <a:fgClr>
+                    <a:schemeClr val="accent5">
+                      <a:lumMod val="60000"/>
+                      <a:lumOff val="40000"/>
+                    </a:schemeClr>
+                  </a:fgClr>
+                  <a:bgClr>
+                    <a:schemeClr val="bg1"/>
+                  </a:bgClr>
+                </a:pattFill>
+              </a:rPr>
+              <a:t>3.</a:t>
+            </a:r>
+            <a:r>
+              <a:rPr lang="de-DE" sz="2000" b="1" cap="none" spc="0" dirty="0">
+                <a:ln w="12700">
+                  <a:solidFill>
+                    <a:schemeClr val="accent5"/>
+                  </a:solidFill>
+                  <a:prstDash val="solid"/>
+                </a:ln>
+                <a:pattFill prst="ltDnDiag">
+                  <a:fgClr>
+                    <a:schemeClr val="accent5">
+                      <a:lumMod val="60000"/>
+                      <a:lumOff val="40000"/>
+                    </a:schemeClr>
+                  </a:fgClr>
+                  <a:bgClr>
+                    <a:schemeClr val="bg1"/>
+                  </a:bgClr>
+                </a:pattFill>
+                <a:effectLst/>
+              </a:rPr>
+              <a:t> O du fröhliche</a:t>
+            </a:r>
+          </a:p>
+        </p:txBody>
+      </p:sp>
+      <p:sp>
+        <p:nvSpPr>
+          <p:cNvPr id="15" name="Rechteck 14">
+            <a:extLst>
+              <a:ext uri="{FF2B5EF4-FFF2-40B4-BE49-F238E27FC236}">
+                <a16:creationId xmlns:a16="http://schemas.microsoft.com/office/drawing/2014/main" id="{219F3FAC-7084-4D33-B43A-E903305E2C7E}"/>
+              </a:ext>
+            </a:extLst>
+          </p:cNvPr>
+          <p:cNvSpPr/>
+          <p:nvPr/>
+        </p:nvSpPr>
+        <p:spPr>
+          <a:xfrm>
+            <a:off x="3305096" y="424673"/>
+            <a:ext cx="1962912" cy="2893100"/>
+          </a:xfrm>
+          <a:prstGeom prst="rect">
+            <a:avLst/>
+          </a:prstGeom>
+        </p:spPr>
+        <p:txBody>
+          <a:bodyPr wrap="square">
+            <a:spAutoFit/>
+          </a:bodyPr>
+          <a:lstStyle/>
+          <a:p>
+            <a:r>
+              <a:rPr lang="de-DE" sz="1300" dirty="0">
+                <a:solidFill>
+                  <a:srgbClr val="373E44"/>
+                </a:solidFill>
+                <a:latin typeface="Open Sans"/>
+              </a:rPr>
+              <a:t>Alle Jahre wieder </a:t>
+            </a:r>
+            <a:br>
+              <a:rPr lang="de-DE" sz="1300" dirty="0">
+                <a:solidFill>
+                  <a:srgbClr val="373E44"/>
+                </a:solidFill>
+                <a:latin typeface="Open Sans"/>
+              </a:rPr>
+            </a:br>
+            <a:r>
+              <a:rPr lang="de-DE" sz="1300" dirty="0">
+                <a:solidFill>
+                  <a:srgbClr val="373E44"/>
+                </a:solidFill>
+                <a:latin typeface="Open Sans"/>
+              </a:rPr>
+              <a:t>kommt das Christuskind</a:t>
+            </a:r>
+            <a:br>
+              <a:rPr lang="de-DE" sz="1300" dirty="0">
+                <a:solidFill>
+                  <a:srgbClr val="373E44"/>
+                </a:solidFill>
+                <a:latin typeface="Open Sans"/>
+              </a:rPr>
+            </a:br>
+            <a:r>
+              <a:rPr lang="de-DE" sz="1300" dirty="0">
+                <a:solidFill>
+                  <a:srgbClr val="373E44"/>
+                </a:solidFill>
+                <a:latin typeface="Open Sans"/>
+              </a:rPr>
+              <a:t>auf die Erde nieder, </a:t>
+            </a:r>
+            <a:br>
+              <a:rPr lang="de-DE" sz="1300" dirty="0">
+                <a:solidFill>
+                  <a:srgbClr val="373E44"/>
+                </a:solidFill>
+                <a:latin typeface="Open Sans"/>
+              </a:rPr>
+            </a:br>
+            <a:r>
+              <a:rPr lang="de-DE" sz="1300" dirty="0">
+                <a:solidFill>
+                  <a:srgbClr val="373E44"/>
+                </a:solidFill>
+                <a:latin typeface="Open Sans"/>
+              </a:rPr>
+              <a:t>wo wir Menschen sind.</a:t>
+            </a:r>
+          </a:p>
+          <a:p>
+            <a:endParaRPr lang="de-DE" sz="1300" dirty="0">
+              <a:solidFill>
+                <a:srgbClr val="373E44"/>
+              </a:solidFill>
+              <a:latin typeface="Open Sans"/>
+            </a:endParaRPr>
+          </a:p>
+          <a:p>
+            <a:r>
+              <a:rPr lang="de-DE" sz="1300" dirty="0">
+                <a:solidFill>
+                  <a:srgbClr val="373E44"/>
+                </a:solidFill>
+                <a:latin typeface="Open Sans"/>
+              </a:rPr>
+              <a:t>Kehrt mit seinem Segen</a:t>
+            </a:r>
+            <a:br>
+              <a:rPr lang="de-DE" sz="1300" dirty="0">
+                <a:solidFill>
+                  <a:srgbClr val="373E44"/>
+                </a:solidFill>
+                <a:latin typeface="Open Sans"/>
+              </a:rPr>
+            </a:br>
+            <a:r>
+              <a:rPr lang="de-DE" sz="1300" dirty="0">
+                <a:solidFill>
+                  <a:srgbClr val="373E44"/>
+                </a:solidFill>
+                <a:latin typeface="Open Sans"/>
+              </a:rPr>
+              <a:t>ein in jedes Haus,</a:t>
+            </a:r>
+            <a:br>
+              <a:rPr lang="de-DE" sz="1300" dirty="0">
+                <a:solidFill>
+                  <a:srgbClr val="373E44"/>
+                </a:solidFill>
+                <a:latin typeface="Open Sans"/>
+              </a:rPr>
+            </a:br>
+            <a:r>
+              <a:rPr lang="de-DE" sz="1300" dirty="0">
+                <a:solidFill>
+                  <a:srgbClr val="373E44"/>
+                </a:solidFill>
+                <a:latin typeface="Open Sans"/>
+              </a:rPr>
+              <a:t>geht auf allen Wegen</a:t>
+            </a:r>
+            <a:br>
+              <a:rPr lang="de-DE" sz="1300" dirty="0">
+                <a:solidFill>
+                  <a:srgbClr val="373E44"/>
+                </a:solidFill>
+                <a:latin typeface="Open Sans"/>
+              </a:rPr>
+            </a:br>
+            <a:r>
+              <a:rPr lang="de-DE" sz="1300" dirty="0">
+                <a:solidFill>
+                  <a:srgbClr val="373E44"/>
+                </a:solidFill>
+                <a:latin typeface="Open Sans"/>
+              </a:rPr>
+              <a:t>mit uns ein und aus.</a:t>
+            </a:r>
+          </a:p>
+          <a:p>
+            <a:endParaRPr lang="de-DE" sz="1300" dirty="0">
+              <a:solidFill>
+                <a:srgbClr val="373E44"/>
+              </a:solidFill>
+              <a:latin typeface="Open Sans"/>
+            </a:endParaRPr>
+          </a:p>
+          <a:p>
+            <a:r>
+              <a:rPr lang="de-DE" sz="1300" dirty="0">
+                <a:solidFill>
+                  <a:srgbClr val="373E44"/>
+                </a:solidFill>
+                <a:latin typeface="Open Sans"/>
+              </a:rPr>
+              <a:t>Ist auch mir zur Seite</a:t>
+            </a:r>
+            <a:br>
+              <a:rPr lang="de-DE" sz="1300" dirty="0">
+                <a:solidFill>
+                  <a:srgbClr val="373E44"/>
+                </a:solidFill>
+                <a:latin typeface="Open Sans"/>
+              </a:rPr>
+            </a:br>
+            <a:r>
+              <a:rPr lang="de-DE" sz="1300" dirty="0">
+                <a:solidFill>
+                  <a:srgbClr val="373E44"/>
+                </a:solidFill>
+                <a:latin typeface="Open Sans"/>
+              </a:rPr>
+              <a:t>still und unerkannt,</a:t>
+            </a:r>
+            <a:br>
+              <a:rPr lang="de-DE" sz="1300" dirty="0">
+                <a:solidFill>
+                  <a:srgbClr val="373E44"/>
+                </a:solidFill>
+                <a:latin typeface="Open Sans"/>
+              </a:rPr>
+            </a:br>
+            <a:r>
+              <a:rPr lang="de-DE" sz="1300" dirty="0" err="1">
+                <a:solidFill>
+                  <a:srgbClr val="373E44"/>
+                </a:solidFill>
+                <a:latin typeface="Open Sans"/>
+              </a:rPr>
+              <a:t>daß</a:t>
+            </a:r>
+            <a:r>
+              <a:rPr lang="de-DE" sz="1300" dirty="0">
+                <a:solidFill>
+                  <a:srgbClr val="373E44"/>
+                </a:solidFill>
+                <a:latin typeface="Open Sans"/>
+              </a:rPr>
+              <a:t> es treu mich leite</a:t>
+            </a:r>
+            <a:br>
+              <a:rPr lang="de-DE" sz="1300" dirty="0">
+                <a:solidFill>
+                  <a:srgbClr val="373E44"/>
+                </a:solidFill>
+                <a:latin typeface="Open Sans"/>
+              </a:rPr>
+            </a:br>
+            <a:r>
+              <a:rPr lang="de-DE" sz="1300" dirty="0">
+                <a:solidFill>
+                  <a:srgbClr val="373E44"/>
+                </a:solidFill>
+                <a:latin typeface="Open Sans"/>
+              </a:rPr>
+              <a:t>an der lieben Hand.</a:t>
+            </a:r>
+            <a:endParaRPr lang="de-DE" sz="1300" b="0" i="0" dirty="0">
+              <a:solidFill>
+                <a:srgbClr val="373E44"/>
+              </a:solidFill>
+              <a:effectLst/>
+              <a:latin typeface="Open Sans"/>
+            </a:endParaRPr>
+          </a:p>
+        </p:txBody>
+      </p:sp>
+      <p:sp>
+        <p:nvSpPr>
+          <p:cNvPr id="27" name="Rechteck 26">
+            <a:extLst>
+              <a:ext uri="{FF2B5EF4-FFF2-40B4-BE49-F238E27FC236}">
+                <a16:creationId xmlns:a16="http://schemas.microsoft.com/office/drawing/2014/main" id="{DE7806AF-DA27-4C27-815E-7CB72C1BAB7C}"/>
+              </a:ext>
+            </a:extLst>
+          </p:cNvPr>
+          <p:cNvSpPr/>
+          <p:nvPr/>
+        </p:nvSpPr>
+        <p:spPr>
+          <a:xfrm>
+            <a:off x="3350646" y="65324"/>
+            <a:ext cx="2257669" cy="400110"/>
+          </a:xfrm>
+          <a:prstGeom prst="rect">
+            <a:avLst/>
+          </a:prstGeom>
+          <a:noFill/>
+        </p:spPr>
+        <p:txBody>
+          <a:bodyPr wrap="none" lIns="91440" tIns="45720" rIns="91440" bIns="45720">
+            <a:spAutoFit/>
+          </a:bodyPr>
+          <a:lstStyle/>
+          <a:p>
+            <a:pPr algn="ctr"/>
+            <a:r>
+              <a:rPr lang="de-DE" sz="2000" b="1" cap="none" spc="0" dirty="0">
+                <a:ln w="12700">
+                  <a:solidFill>
+                    <a:schemeClr val="accent5"/>
+                  </a:solidFill>
+                  <a:prstDash val="solid"/>
+                </a:ln>
+                <a:pattFill prst="ltDnDiag">
+                  <a:fgClr>
+                    <a:schemeClr val="accent5">
+                      <a:lumMod val="60000"/>
+                      <a:lumOff val="40000"/>
+                    </a:schemeClr>
+                  </a:fgClr>
+                  <a:bgClr>
+                    <a:schemeClr val="bg1"/>
+                  </a:bgClr>
+                </a:pattFill>
+                <a:effectLst/>
+              </a:rPr>
+              <a:t>5. Alle </a:t>
+            </a:r>
+            <a:r>
+              <a:rPr lang="de-DE" sz="2000" b="1" dirty="0">
+                <a:ln w="12700">
+                  <a:solidFill>
+                    <a:schemeClr val="accent5"/>
+                  </a:solidFill>
+                  <a:prstDash val="solid"/>
+                </a:ln>
+                <a:pattFill prst="ltDnDiag">
+                  <a:fgClr>
+                    <a:schemeClr val="accent5">
+                      <a:lumMod val="60000"/>
+                      <a:lumOff val="40000"/>
+                    </a:schemeClr>
+                  </a:fgClr>
+                  <a:bgClr>
+                    <a:schemeClr val="bg1"/>
+                  </a:bgClr>
+                </a:pattFill>
+              </a:rPr>
+              <a:t>J</a:t>
+            </a:r>
+            <a:r>
+              <a:rPr lang="de-DE" sz="2000" b="1" cap="none" spc="0" dirty="0">
+                <a:ln w="12700">
+                  <a:solidFill>
+                    <a:schemeClr val="accent5"/>
+                  </a:solidFill>
+                  <a:prstDash val="solid"/>
+                </a:ln>
+                <a:pattFill prst="ltDnDiag">
+                  <a:fgClr>
+                    <a:schemeClr val="accent5">
+                      <a:lumMod val="60000"/>
+                      <a:lumOff val="40000"/>
+                    </a:schemeClr>
+                  </a:fgClr>
+                  <a:bgClr>
+                    <a:schemeClr val="bg1"/>
+                  </a:bgClr>
+                </a:pattFill>
+                <a:effectLst/>
+              </a:rPr>
+              <a:t>ahre wieder</a:t>
             </a:r>
           </a:p>
         </p:txBody>

--- a/Folie.pptx
+++ b/Folie.pptx
@@ -3386,8 +3386,8 @@
         </p:nvSpPr>
         <p:spPr>
           <a:xfrm rot="10800000">
-            <a:off x="3979467" y="4717677"/>
-            <a:ext cx="760782" cy="830997"/>
+            <a:off x="2901908" y="4574113"/>
+            <a:ext cx="3244060" cy="707886"/>
           </a:xfrm>
           <a:prstGeom prst="rect">
             <a:avLst/>
@@ -3401,8 +3401,8 @@
           <a:lstStyle/>
           <a:p>
             <a:r>
-              <a:rPr lang="de-DE" sz="4800" dirty="0"/>
-              <a:t>2.</a:t>
+              <a:rPr lang="de-DE" sz="4000" dirty="0"/>
+              <a:t>2. Jan-Hendrik</a:t>
             </a:r>
           </a:p>
         </p:txBody>
@@ -3421,8 +3421,8 @@
         </p:nvSpPr>
         <p:spPr>
           <a:xfrm>
-            <a:off x="893373" y="1175669"/>
-            <a:ext cx="760782" cy="830997"/>
+            <a:off x="104690" y="963528"/>
+            <a:ext cx="2857350" cy="830997"/>
           </a:xfrm>
           <a:prstGeom prst="rect">
             <a:avLst/>
@@ -3437,7 +3437,7 @@
           <a:p>
             <a:r>
               <a:rPr lang="de-DE" sz="4800" dirty="0"/>
-              <a:t>4.</a:t>
+              <a:t>4. Nicolas</a:t>
             </a:r>
           </a:p>
         </p:txBody>
@@ -3976,41 +3976,6 @@
       </p:grpSp>
       <p:sp>
         <p:nvSpPr>
-          <p:cNvPr id="31" name="Textfeld 30">
-            <a:extLst>
-              <a:ext uri="{FF2B5EF4-FFF2-40B4-BE49-F238E27FC236}">
-                <a16:creationId xmlns:a16="http://schemas.microsoft.com/office/drawing/2014/main" id="{D6D6B684-7639-40D6-8F55-29E6CFDBD3B4}"/>
-              </a:ext>
-            </a:extLst>
-          </p:cNvPr>
-          <p:cNvSpPr txBox="1"/>
-          <p:nvPr/>
-        </p:nvSpPr>
-        <p:spPr>
-          <a:xfrm>
-            <a:off x="7378298" y="1175669"/>
-            <a:ext cx="760782" cy="830997"/>
-          </a:xfrm>
-          <a:prstGeom prst="rect">
-            <a:avLst/>
-          </a:prstGeom>
-          <a:noFill/>
-        </p:spPr>
-        <p:txBody>
-          <a:bodyPr wrap="square" rtlCol="0">
-            <a:spAutoFit/>
-          </a:bodyPr>
-          <a:lstStyle/>
-          <a:p>
-            <a:r>
-              <a:rPr lang="de-DE" sz="4800" dirty="0"/>
-              <a:t>6.</a:t>
-            </a:r>
-          </a:p>
-        </p:txBody>
-      </p:sp>
-      <p:sp>
-        <p:nvSpPr>
           <p:cNvPr id="32" name="Rechteck 31">
             <a:extLst>
               <a:ext uri="{FF2B5EF4-FFF2-40B4-BE49-F238E27FC236}">
@@ -5171,6 +5136,262 @@
                 <a:effectLst/>
               </a:rPr>
               <a:t>ahre wieder</a:t>
+            </a:r>
+          </a:p>
+        </p:txBody>
+      </p:sp>
+      <p:sp>
+        <p:nvSpPr>
+          <p:cNvPr id="2" name="Rechteck 1">
+            <a:extLst>
+              <a:ext uri="{FF2B5EF4-FFF2-40B4-BE49-F238E27FC236}">
+                <a16:creationId xmlns:a16="http://schemas.microsoft.com/office/drawing/2014/main" id="{4945DECE-5170-4532-AA7D-FFB60AD695A9}"/>
+              </a:ext>
+            </a:extLst>
+          </p:cNvPr>
+          <p:cNvSpPr/>
+          <p:nvPr/>
+        </p:nvSpPr>
+        <p:spPr>
+          <a:xfrm rot="2131271">
+            <a:off x="5932919" y="877432"/>
+            <a:ext cx="3333365" cy="646331"/>
+          </a:xfrm>
+          <a:prstGeom prst="rect">
+            <a:avLst/>
+          </a:prstGeom>
+          <a:noFill/>
+        </p:spPr>
+        <p:txBody>
+          <a:bodyPr wrap="square" lIns="91440" tIns="45720" rIns="91440" bIns="45720">
+            <a:spAutoFit/>
+          </a:bodyPr>
+          <a:lstStyle/>
+          <a:p>
+            <a:pPr algn="ctr"/>
+            <a:r>
+              <a:rPr lang="de-DE" sz="3600" b="1" dirty="0">
+                <a:ln w="9525">
+                  <a:solidFill>
+                    <a:schemeClr val="bg1"/>
+                  </a:solidFill>
+                  <a:prstDash val="solid"/>
+                </a:ln>
+                <a:solidFill>
+                  <a:schemeClr val="accent5"/>
+                </a:solidFill>
+                <a:effectLst>
+                  <a:outerShdw blurRad="12700" dist="38100" dir="2700000" algn="tl" rotWithShape="0">
+                    <a:schemeClr val="accent5">
+                      <a:lumMod val="60000"/>
+                      <a:lumOff val="40000"/>
+                    </a:schemeClr>
+                  </a:outerShdw>
+                </a:effectLst>
+              </a:rPr>
+              <a:t>Weihnachtsquiz</a:t>
+            </a:r>
+            <a:endParaRPr lang="de-DE" sz="3600" b="1" cap="none" spc="0" dirty="0">
+              <a:ln w="9525">
+                <a:solidFill>
+                  <a:schemeClr val="bg1"/>
+                </a:solidFill>
+                <a:prstDash val="solid"/>
+              </a:ln>
+              <a:solidFill>
+                <a:schemeClr val="accent5"/>
+              </a:solidFill>
+              <a:effectLst>
+                <a:outerShdw blurRad="12700" dist="38100" dir="2700000" algn="tl" rotWithShape="0">
+                  <a:schemeClr val="accent5">
+                    <a:lumMod val="60000"/>
+                    <a:lumOff val="40000"/>
+                  </a:schemeClr>
+                </a:outerShdw>
+              </a:effectLst>
+            </a:endParaRPr>
+          </a:p>
+        </p:txBody>
+      </p:sp>
+      <p:sp>
+        <p:nvSpPr>
+          <p:cNvPr id="16" name="Textfeld 15">
+            <a:extLst>
+              <a:ext uri="{FF2B5EF4-FFF2-40B4-BE49-F238E27FC236}">
+                <a16:creationId xmlns:a16="http://schemas.microsoft.com/office/drawing/2014/main" id="{3165366D-CE53-49E4-AEF0-EF01D721B6E9}"/>
+              </a:ext>
+            </a:extLst>
+          </p:cNvPr>
+          <p:cNvSpPr txBox="1"/>
+          <p:nvPr/>
+        </p:nvSpPr>
+        <p:spPr>
+          <a:xfrm>
+            <a:off x="6365588" y="2104767"/>
+            <a:ext cx="1777593" cy="646331"/>
+          </a:xfrm>
+          <a:prstGeom prst="rect">
+            <a:avLst/>
+          </a:prstGeom>
+          <a:noFill/>
+        </p:spPr>
+        <p:txBody>
+          <a:bodyPr wrap="square" rtlCol="0">
+            <a:spAutoFit/>
+          </a:bodyPr>
+          <a:lstStyle/>
+          <a:p>
+            <a:r>
+              <a:rPr lang="de-DE" dirty="0"/>
+              <a:t>Von Jan-Hendrik und Sarah</a:t>
+            </a:r>
+          </a:p>
+        </p:txBody>
+      </p:sp>
+      <p:sp>
+        <p:nvSpPr>
+          <p:cNvPr id="18" name="Rechteck 17">
+            <a:extLst>
+              <a:ext uri="{FF2B5EF4-FFF2-40B4-BE49-F238E27FC236}">
+                <a16:creationId xmlns:a16="http://schemas.microsoft.com/office/drawing/2014/main" id="{D3F50B62-FFDF-4C52-9372-4435B50B3570}"/>
+              </a:ext>
+            </a:extLst>
+          </p:cNvPr>
+          <p:cNvSpPr/>
+          <p:nvPr/>
+        </p:nvSpPr>
+        <p:spPr>
+          <a:xfrm rot="10800000">
+            <a:off x="9081540" y="4344413"/>
+            <a:ext cx="3060493" cy="1661417"/>
+          </a:xfrm>
+          <a:prstGeom prst="rect">
+            <a:avLst/>
+          </a:prstGeom>
+        </p:spPr>
+        <p:txBody>
+          <a:bodyPr wrap="square">
+            <a:spAutoFit/>
+          </a:bodyPr>
+          <a:lstStyle/>
+          <a:p>
+            <a:pPr marL="342900" lvl="0" indent="-342900">
+              <a:lnSpc>
+                <a:spcPct val="107000"/>
+              </a:lnSpc>
+              <a:spcAft>
+                <a:spcPts val="0"/>
+              </a:spcAft>
+              <a:buFont typeface="+mj-lt"/>
+              <a:buAutoNum type="arabicPeriod"/>
+            </a:pPr>
+            <a:r>
+              <a:rPr lang="de-DE" sz="1600" dirty="0">
+                <a:latin typeface="Calibri" panose="020F0502020204030204" pitchFamily="34" charset="0"/>
+                <a:ea typeface="Calibri" panose="020F0502020204030204" pitchFamily="34" charset="0"/>
+                <a:cs typeface="Times New Roman" panose="02020603050405020304" pitchFamily="18" charset="0"/>
+              </a:rPr>
+              <a:t>Stern über Bethlehem – Sarah</a:t>
+            </a:r>
+          </a:p>
+          <a:p>
+            <a:pPr marL="342900" lvl="0" indent="-342900">
+              <a:lnSpc>
+                <a:spcPct val="107000"/>
+              </a:lnSpc>
+              <a:spcAft>
+                <a:spcPts val="0"/>
+              </a:spcAft>
+              <a:buFont typeface="+mj-lt"/>
+              <a:buAutoNum type="arabicPeriod"/>
+            </a:pPr>
+            <a:r>
+              <a:rPr lang="de-DE" sz="1600" dirty="0">
+                <a:latin typeface="Calibri" panose="020F0502020204030204" pitchFamily="34" charset="0"/>
+                <a:ea typeface="Calibri" panose="020F0502020204030204" pitchFamily="34" charset="0"/>
+                <a:cs typeface="Times New Roman" panose="02020603050405020304" pitchFamily="18" charset="0"/>
+              </a:rPr>
+              <a:t>?? – Jan-Hendrik</a:t>
+            </a:r>
+          </a:p>
+          <a:p>
+            <a:pPr marL="342900" lvl="0" indent="-342900">
+              <a:lnSpc>
+                <a:spcPct val="107000"/>
+              </a:lnSpc>
+              <a:spcAft>
+                <a:spcPts val="0"/>
+              </a:spcAft>
+              <a:buFont typeface="+mj-lt"/>
+              <a:buAutoNum type="arabicPeriod"/>
+            </a:pPr>
+            <a:r>
+              <a:rPr lang="de-DE" sz="1600" dirty="0">
+                <a:latin typeface="Calibri" panose="020F0502020204030204" pitchFamily="34" charset="0"/>
+                <a:ea typeface="Calibri" panose="020F0502020204030204" pitchFamily="34" charset="0"/>
+                <a:cs typeface="Times New Roman" panose="02020603050405020304" pitchFamily="18" charset="0"/>
+              </a:rPr>
+              <a:t>Oh du fröhliche – Sarah</a:t>
+            </a:r>
+          </a:p>
+          <a:p>
+            <a:pPr marL="342900" lvl="0" indent="-342900">
+              <a:lnSpc>
+                <a:spcPct val="107000"/>
+              </a:lnSpc>
+              <a:spcAft>
+                <a:spcPts val="0"/>
+              </a:spcAft>
+              <a:buFont typeface="+mj-lt"/>
+              <a:buAutoNum type="arabicPeriod"/>
+            </a:pPr>
+            <a:r>
+              <a:rPr lang="de-DE" sz="1600" dirty="0">
+                <a:latin typeface="Calibri" panose="020F0502020204030204" pitchFamily="34" charset="0"/>
+                <a:ea typeface="Calibri" panose="020F0502020204030204" pitchFamily="34" charset="0"/>
+                <a:cs typeface="Times New Roman" panose="02020603050405020304" pitchFamily="18" charset="0"/>
+              </a:rPr>
+              <a:t>?? – Nicolas</a:t>
+            </a:r>
+          </a:p>
+          <a:p>
+            <a:pPr marL="342900" lvl="0" indent="-342900">
+              <a:lnSpc>
+                <a:spcPct val="107000"/>
+              </a:lnSpc>
+              <a:spcAft>
+                <a:spcPts val="0"/>
+              </a:spcAft>
+              <a:buFont typeface="+mj-lt"/>
+              <a:buAutoNum type="arabicPeriod"/>
+            </a:pPr>
+            <a:r>
+              <a:rPr lang="de-DE" sz="1600" dirty="0">
+                <a:latin typeface="Calibri" panose="020F0502020204030204" pitchFamily="34" charset="0"/>
+                <a:ea typeface="Calibri" panose="020F0502020204030204" pitchFamily="34" charset="0"/>
+                <a:cs typeface="Times New Roman" panose="02020603050405020304" pitchFamily="18" charset="0"/>
+              </a:rPr>
+              <a:t>Alle Jahre wieder – Sarah</a:t>
+            </a:r>
+          </a:p>
+          <a:p>
+            <a:pPr marL="342900" lvl="0" indent="-342900">
+              <a:lnSpc>
+                <a:spcPct val="107000"/>
+              </a:lnSpc>
+              <a:spcAft>
+                <a:spcPts val="800"/>
+              </a:spcAft>
+              <a:buFont typeface="+mj-lt"/>
+              <a:buAutoNum type="arabicPeriod"/>
+            </a:pPr>
+            <a:r>
+              <a:rPr lang="de-DE" sz="1600" dirty="0">
+                <a:latin typeface="Calibri" panose="020F0502020204030204" pitchFamily="34" charset="0"/>
+                <a:ea typeface="Calibri" panose="020F0502020204030204" pitchFamily="34" charset="0"/>
+                <a:cs typeface="Times New Roman" panose="02020603050405020304" pitchFamily="18" charset="0"/>
+              </a:rPr>
+              <a:t>Weihnachtsquiz</a:t>
             </a:r>
           </a:p>
         </p:txBody>

--- a/Folie.pptx
+++ b/Folie.pptx
@@ -270,7 +270,7 @@
           <a:p>
             <a:fld id="{248AC4D0-153C-4DC6-9EB5-B389D986A3D0}" type="datetimeFigureOut">
               <a:rPr lang="de-DE" smtClean="0"/>
-              <a:t>09.12.2018</a:t>
+              <a:t>23.12.2018</a:t>
             </a:fld>
             <a:endParaRPr lang="de-DE"/>
           </a:p>
@@ -468,7 +468,7 @@
           <a:p>
             <a:fld id="{248AC4D0-153C-4DC6-9EB5-B389D986A3D0}" type="datetimeFigureOut">
               <a:rPr lang="de-DE" smtClean="0"/>
-              <a:t>09.12.2018</a:t>
+              <a:t>23.12.2018</a:t>
             </a:fld>
             <a:endParaRPr lang="de-DE"/>
           </a:p>
@@ -676,7 +676,7 @@
           <a:p>
             <a:fld id="{248AC4D0-153C-4DC6-9EB5-B389D986A3D0}" type="datetimeFigureOut">
               <a:rPr lang="de-DE" smtClean="0"/>
-              <a:t>09.12.2018</a:t>
+              <a:t>23.12.2018</a:t>
             </a:fld>
             <a:endParaRPr lang="de-DE"/>
           </a:p>
@@ -874,7 +874,7 @@
           <a:p>
             <a:fld id="{248AC4D0-153C-4DC6-9EB5-B389D986A3D0}" type="datetimeFigureOut">
               <a:rPr lang="de-DE" smtClean="0"/>
-              <a:t>09.12.2018</a:t>
+              <a:t>23.12.2018</a:t>
             </a:fld>
             <a:endParaRPr lang="de-DE"/>
           </a:p>
@@ -1149,7 +1149,7 @@
           <a:p>
             <a:fld id="{248AC4D0-153C-4DC6-9EB5-B389D986A3D0}" type="datetimeFigureOut">
               <a:rPr lang="de-DE" smtClean="0"/>
-              <a:t>09.12.2018</a:t>
+              <a:t>23.12.2018</a:t>
             </a:fld>
             <a:endParaRPr lang="de-DE"/>
           </a:p>
@@ -1414,7 +1414,7 @@
           <a:p>
             <a:fld id="{248AC4D0-153C-4DC6-9EB5-B389D986A3D0}" type="datetimeFigureOut">
               <a:rPr lang="de-DE" smtClean="0"/>
-              <a:t>09.12.2018</a:t>
+              <a:t>23.12.2018</a:t>
             </a:fld>
             <a:endParaRPr lang="de-DE"/>
           </a:p>
@@ -1826,7 +1826,7 @@
           <a:p>
             <a:fld id="{248AC4D0-153C-4DC6-9EB5-B389D986A3D0}" type="datetimeFigureOut">
               <a:rPr lang="de-DE" smtClean="0"/>
-              <a:t>09.12.2018</a:t>
+              <a:t>23.12.2018</a:t>
             </a:fld>
             <a:endParaRPr lang="de-DE"/>
           </a:p>
@@ -1967,7 +1967,7 @@
           <a:p>
             <a:fld id="{248AC4D0-153C-4DC6-9EB5-B389D986A3D0}" type="datetimeFigureOut">
               <a:rPr lang="de-DE" smtClean="0"/>
-              <a:t>09.12.2018</a:t>
+              <a:t>23.12.2018</a:t>
             </a:fld>
             <a:endParaRPr lang="de-DE"/>
           </a:p>
@@ -2080,7 +2080,7 @@
           <a:p>
             <a:fld id="{248AC4D0-153C-4DC6-9EB5-B389D986A3D0}" type="datetimeFigureOut">
               <a:rPr lang="de-DE" smtClean="0"/>
-              <a:t>09.12.2018</a:t>
+              <a:t>23.12.2018</a:t>
             </a:fld>
             <a:endParaRPr lang="de-DE"/>
           </a:p>
@@ -2391,7 +2391,7 @@
           <a:p>
             <a:fld id="{248AC4D0-153C-4DC6-9EB5-B389D986A3D0}" type="datetimeFigureOut">
               <a:rPr lang="de-DE" smtClean="0"/>
-              <a:t>09.12.2018</a:t>
+              <a:t>23.12.2018</a:t>
             </a:fld>
             <a:endParaRPr lang="de-DE"/>
           </a:p>
@@ -2679,7 +2679,7 @@
           <a:p>
             <a:fld id="{248AC4D0-153C-4DC6-9EB5-B389D986A3D0}" type="datetimeFigureOut">
               <a:rPr lang="de-DE" smtClean="0"/>
-              <a:t>09.12.2018</a:t>
+              <a:t>23.12.2018</a:t>
             </a:fld>
             <a:endParaRPr lang="de-DE"/>
           </a:p>
@@ -2920,7 +2920,7 @@
           <a:p>
             <a:fld id="{248AC4D0-153C-4DC6-9EB5-B389D986A3D0}" type="datetimeFigureOut">
               <a:rPr lang="de-DE" smtClean="0"/>
-              <a:t>09.12.2018</a:t>
+              <a:t>23.12.2018</a:t>
             </a:fld>
             <a:endParaRPr lang="de-DE"/>
           </a:p>
@@ -3386,8 +3386,8 @@
         </p:nvSpPr>
         <p:spPr>
           <a:xfrm rot="10800000">
-            <a:off x="2901908" y="4574113"/>
-            <a:ext cx="3244060" cy="707886"/>
+            <a:off x="2993940" y="4970953"/>
+            <a:ext cx="3060491" cy="707886"/>
           </a:xfrm>
           <a:prstGeom prst="rect">
             <a:avLst/>
@@ -3398,11 +3398,44 @@
           <a:bodyPr wrap="square" rtlCol="0">
             <a:spAutoFit/>
           </a:bodyPr>
-          <a:lstStyle/>
-          <a:p>
-            <a:r>
-              <a:rPr lang="de-DE" sz="4000" dirty="0"/>
-              <a:t>2. Jan-Hendrik</a:t>
+          <a:lstStyle>
+            <a:defPPr>
+              <a:defRPr lang="de-DE"/>
+            </a:defPPr>
+            <a:lvl1pPr>
+              <a:defRPr sz="2000" b="1">
+                <a:ln w="12700">
+                  <a:solidFill>
+                    <a:schemeClr val="accent5"/>
+                  </a:solidFill>
+                  <a:prstDash val="solid"/>
+                </a:ln>
+                <a:pattFill prst="ltDnDiag">
+                  <a:fgClr>
+                    <a:schemeClr val="accent5">
+                      <a:lumMod val="60000"/>
+                      <a:lumOff val="40000"/>
+                    </a:schemeClr>
+                  </a:fgClr>
+                  <a:bgClr>
+                    <a:schemeClr val="bg1"/>
+                  </a:bgClr>
+                </a:pattFill>
+              </a:defRPr>
+            </a:lvl1pPr>
+          </a:lstStyle>
+          <a:p>
+            <a:pPr algn="ctr"/>
+            <a:r>
+              <a:rPr lang="de-DE" dirty="0"/>
+              <a:t>2. Gedicht von</a:t>
+            </a:r>
+          </a:p>
+          <a:p>
+            <a:pPr algn="ctr"/>
+            <a:r>
+              <a:rPr lang="de-DE" dirty="0"/>
+              <a:t>Jan-Hendrik</a:t>
             </a:r>
           </a:p>
         </p:txBody>
@@ -3421,8 +3454,8 @@
         </p:nvSpPr>
         <p:spPr>
           <a:xfrm>
-            <a:off x="104690" y="963528"/>
-            <a:ext cx="2857350" cy="830997"/>
+            <a:off x="197770" y="1135002"/>
+            <a:ext cx="2857350" cy="400110"/>
           </a:xfrm>
           <a:prstGeom prst="rect">
             <a:avLst/>
@@ -3436,8 +3469,26 @@
           <a:lstStyle/>
           <a:p>
             <a:r>
-              <a:rPr lang="de-DE" sz="4800" dirty="0"/>
-              <a:t>4. Nicolas</a:t>
+              <a:rPr lang="de-DE" sz="2000" b="1" dirty="0">
+                <a:ln w="12700">
+                  <a:solidFill>
+                    <a:schemeClr val="accent5"/>
+                  </a:solidFill>
+                  <a:prstDash val="solid"/>
+                </a:ln>
+                <a:pattFill prst="ltDnDiag">
+                  <a:fgClr>
+                    <a:schemeClr val="accent5">
+                      <a:lumMod val="60000"/>
+                      <a:lumOff val="40000"/>
+                    </a:schemeClr>
+                  </a:fgClr>
+                  <a:bgClr>
+                    <a:schemeClr val="bg1"/>
+                  </a:bgClr>
+                </a:pattFill>
+              </a:rPr>
+              <a:t>4. Gedicht von Nicolas</a:t>
             </a:r>
           </a:p>
         </p:txBody>
@@ -3578,9 +3629,11 @@
               <a:avLst/>
             </a:prstGeom>
             <a:noFill/>
-            <a:ln>
+            <a:ln w="6350">
               <a:solidFill>
-                <a:schemeClr val="tx1"/>
+                <a:schemeClr val="bg1">
+                  <a:lumMod val="50000"/>
+                </a:schemeClr>
               </a:solidFill>
             </a:ln>
           </p:spPr>
@@ -3630,9 +3683,11 @@
               <a:avLst/>
             </a:prstGeom>
             <a:noFill/>
-            <a:ln>
+            <a:ln w="6350">
               <a:solidFill>
-                <a:schemeClr val="tx1"/>
+                <a:schemeClr val="bg1">
+                  <a:lumMod val="50000"/>
+                </a:schemeClr>
               </a:solidFill>
             </a:ln>
           </p:spPr>
@@ -3682,9 +3737,11 @@
               <a:avLst/>
             </a:prstGeom>
             <a:noFill/>
-            <a:ln>
+            <a:ln w="6350">
               <a:solidFill>
-                <a:schemeClr val="tx1"/>
+                <a:schemeClr val="bg1">
+                  <a:lumMod val="50000"/>
+                </a:schemeClr>
               </a:solidFill>
             </a:ln>
           </p:spPr>
@@ -3734,9 +3791,11 @@
               <a:avLst/>
             </a:prstGeom>
             <a:noFill/>
-            <a:ln>
+            <a:ln w="6350">
               <a:solidFill>
-                <a:schemeClr val="tx1"/>
+                <a:schemeClr val="bg1">
+                  <a:lumMod val="50000"/>
+                </a:schemeClr>
               </a:solidFill>
             </a:ln>
           </p:spPr>
@@ -3786,9 +3845,11 @@
               <a:avLst/>
             </a:prstGeom>
             <a:noFill/>
-            <a:ln>
+            <a:ln w="6350">
               <a:solidFill>
-                <a:schemeClr val="tx1"/>
+                <a:schemeClr val="bg1">
+                  <a:lumMod val="50000"/>
+                </a:schemeClr>
               </a:solidFill>
             </a:ln>
           </p:spPr>
@@ -3838,9 +3899,11 @@
               <a:avLst/>
             </a:prstGeom>
             <a:noFill/>
-            <a:ln>
+            <a:ln w="6350">
               <a:solidFill>
-                <a:schemeClr val="tx1"/>
+                <a:schemeClr val="bg1">
+                  <a:lumMod val="50000"/>
+                </a:schemeClr>
               </a:solidFill>
             </a:ln>
           </p:spPr>
@@ -3890,9 +3953,11 @@
               <a:avLst/>
             </a:prstGeom>
             <a:noFill/>
-            <a:ln>
+            <a:ln w="6350">
               <a:solidFill>
-                <a:schemeClr val="tx1"/>
+                <a:schemeClr val="bg1">
+                  <a:lumMod val="50000"/>
+                </a:schemeClr>
               </a:solidFill>
             </a:ln>
           </p:spPr>
@@ -3942,9 +4007,11 @@
               <a:avLst/>
             </a:prstGeom>
             <a:noFill/>
-            <a:ln>
+            <a:ln w="6350">
               <a:solidFill>
-                <a:schemeClr val="tx1"/>
+                <a:schemeClr val="bg1">
+                  <a:lumMod val="50000"/>
+                </a:schemeClr>
               </a:solidFill>
             </a:ln>
           </p:spPr>
@@ -4439,8 +4506,8 @@
         </p:nvSpPr>
         <p:spPr>
           <a:xfrm rot="10800000">
-            <a:off x="9045834" y="6317400"/>
-            <a:ext cx="3231840" cy="523220"/>
+            <a:off x="9045834" y="6378955"/>
+            <a:ext cx="3231840" cy="400110"/>
           </a:xfrm>
           <a:prstGeom prst="rect">
             <a:avLst/>
@@ -4455,7 +4522,7 @@
           <a:p>
             <a:pPr algn="ctr"/>
             <a:r>
-              <a:rPr lang="de-DE" sz="2800" b="1" cap="none" spc="0" dirty="0">
+              <a:rPr lang="de-DE" sz="2000" b="1" dirty="0">
                 <a:ln w="12700">
                   <a:solidFill>
                     <a:schemeClr val="accent5"/>
@@ -4473,7 +4540,6 @@
                     <a:schemeClr val="bg1"/>
                   </a:bgClr>
                 </a:pattFill>
-                <a:effectLst/>
               </a:rPr>
               <a:t>Inhaltsverzeichnis</a:t>
             </a:r>
@@ -5153,9 +5219,9 @@
           <p:nvPr/>
         </p:nvSpPr>
         <p:spPr>
-          <a:xfrm rot="2131271">
-            <a:off x="5932919" y="877432"/>
-            <a:ext cx="3333365" cy="646331"/>
+          <a:xfrm>
+            <a:off x="6105141" y="1135002"/>
+            <a:ext cx="3014954" cy="400110"/>
           </a:xfrm>
           <a:prstGeom prst="rect">
             <a:avLst/>
@@ -5163,53 +5229,34 @@
           <a:noFill/>
         </p:spPr>
         <p:txBody>
-          <a:bodyPr wrap="square" lIns="91440" tIns="45720" rIns="91440" bIns="45720">
+          <a:bodyPr wrap="square" rtlCol="0">
             <a:spAutoFit/>
           </a:bodyPr>
           <a:lstStyle/>
           <a:p>
             <a:pPr algn="ctr"/>
             <a:r>
-              <a:rPr lang="de-DE" sz="3600" b="1" dirty="0">
-                <a:ln w="9525">
+              <a:rPr lang="de-DE" sz="2000" b="1" dirty="0">
+                <a:ln w="12700">
                   <a:solidFill>
-                    <a:schemeClr val="bg1"/>
+                    <a:schemeClr val="accent5"/>
                   </a:solidFill>
                   <a:prstDash val="solid"/>
                 </a:ln>
-                <a:solidFill>
-                  <a:schemeClr val="accent5"/>
-                </a:solidFill>
-                <a:effectLst>
-                  <a:outerShdw blurRad="12700" dist="38100" dir="2700000" algn="tl" rotWithShape="0">
+                <a:pattFill prst="ltDnDiag">
+                  <a:fgClr>
                     <a:schemeClr val="accent5">
                       <a:lumMod val="60000"/>
                       <a:lumOff val="40000"/>
                     </a:schemeClr>
-                  </a:outerShdw>
-                </a:effectLst>
+                  </a:fgClr>
+                  <a:bgClr>
+                    <a:schemeClr val="bg1"/>
+                  </a:bgClr>
+                </a:pattFill>
               </a:rPr>
               <a:t>Weihnachtsquiz</a:t>
             </a:r>
-            <a:endParaRPr lang="de-DE" sz="3600" b="1" cap="none" spc="0" dirty="0">
-              <a:ln w="9525">
-                <a:solidFill>
-                  <a:schemeClr val="bg1"/>
-                </a:solidFill>
-                <a:prstDash val="solid"/>
-              </a:ln>
-              <a:solidFill>
-                <a:schemeClr val="accent5"/>
-              </a:solidFill>
-              <a:effectLst>
-                <a:outerShdw blurRad="12700" dist="38100" dir="2700000" algn="tl" rotWithShape="0">
-                  <a:schemeClr val="accent5">
-                    <a:lumMod val="60000"/>
-                    <a:lumOff val="40000"/>
-                  </a:schemeClr>
-                </a:outerShdw>
-              </a:effectLst>
-            </a:endParaRPr>
           </a:p>
         </p:txBody>
       </p:sp>
@@ -5227,8 +5274,8 @@
         </p:nvSpPr>
         <p:spPr>
           <a:xfrm>
-            <a:off x="6365588" y="2104767"/>
-            <a:ext cx="1777593" cy="646331"/>
+            <a:off x="6095999" y="2058599"/>
+            <a:ext cx="3046921" cy="707886"/>
           </a:xfrm>
           <a:prstGeom prst="rect">
             <a:avLst/>
@@ -5239,11 +5286,43 @@
           <a:bodyPr wrap="square" rtlCol="0">
             <a:spAutoFit/>
           </a:bodyPr>
-          <a:lstStyle/>
+          <a:lstStyle>
+            <a:defPPr>
+              <a:defRPr lang="de-DE"/>
+            </a:defPPr>
+            <a:lvl1pPr algn="ctr">
+              <a:defRPr sz="2000" b="1">
+                <a:ln w="12700">
+                  <a:solidFill>
+                    <a:schemeClr val="accent5"/>
+                  </a:solidFill>
+                  <a:prstDash val="solid"/>
+                </a:ln>
+                <a:pattFill prst="ltDnDiag">
+                  <a:fgClr>
+                    <a:schemeClr val="accent5">
+                      <a:lumMod val="60000"/>
+                      <a:lumOff val="40000"/>
+                    </a:schemeClr>
+                  </a:fgClr>
+                  <a:bgClr>
+                    <a:schemeClr val="bg1"/>
+                  </a:bgClr>
+                </a:pattFill>
+              </a:defRPr>
+            </a:lvl1pPr>
+          </a:lstStyle>
           <a:p>
             <a:r>
               <a:rPr lang="de-DE" dirty="0"/>
-              <a:t>Von Jan-Hendrik und Sarah</a:t>
+              <a:t>Von Jan-Hendrik </a:t>
+            </a:r>
+            <a:br>
+              <a:rPr lang="de-DE" dirty="0"/>
+            </a:br>
+            <a:r>
+              <a:rPr lang="de-DE" dirty="0"/>
+              <a:t>und Sarah</a:t>
             </a:r>
           </a:p>
         </p:txBody>

--- a/Folie.pptx
+++ b/Folie.pptx
@@ -8,7 +8,7 @@
     <p:sldId id="256" r:id="rId2"/>
   </p:sldIdLst>
   <p:sldSz cx="12192000" cy="6858000"/>
-  <p:notesSz cx="6858000" cy="9144000"/>
+  <p:notesSz cx="6889750" cy="10021888"/>
   <p:defaultTextStyle>
     <a:defPPr>
       <a:defRPr lang="de-DE"/>
@@ -3374,10 +3374,10 @@
       </p:sp>
       <p:sp>
         <p:nvSpPr>
-          <p:cNvPr id="20" name="Textfeld 19">
-            <a:extLst>
-              <a:ext uri="{FF2B5EF4-FFF2-40B4-BE49-F238E27FC236}">
-                <a16:creationId xmlns:a16="http://schemas.microsoft.com/office/drawing/2014/main" id="{7532EF85-84A0-4675-A7F0-7BC0AD492759}"/>
+          <p:cNvPr id="21" name="Textfeld 20">
+            <a:extLst>
+              <a:ext uri="{FF2B5EF4-FFF2-40B4-BE49-F238E27FC236}">
+                <a16:creationId xmlns:a16="http://schemas.microsoft.com/office/drawing/2014/main" id="{13767B97-CF7F-4CAA-89B5-5C4F06B8FAB1}"/>
               </a:ext>
             </a:extLst>
           </p:cNvPr>
@@ -3385,77 +3385,9 @@
           <p:nvPr/>
         </p:nvSpPr>
         <p:spPr>
-          <a:xfrm rot="10800000">
-            <a:off x="2993940" y="4970953"/>
-            <a:ext cx="3060491" cy="707886"/>
-          </a:xfrm>
-          <a:prstGeom prst="rect">
-            <a:avLst/>
-          </a:prstGeom>
-          <a:noFill/>
-        </p:spPr>
-        <p:txBody>
-          <a:bodyPr wrap="square" rtlCol="0">
-            <a:spAutoFit/>
-          </a:bodyPr>
-          <a:lstStyle>
-            <a:defPPr>
-              <a:defRPr lang="de-DE"/>
-            </a:defPPr>
-            <a:lvl1pPr>
-              <a:defRPr sz="2000" b="1">
-                <a:ln w="12700">
-                  <a:solidFill>
-                    <a:schemeClr val="accent5"/>
-                  </a:solidFill>
-                  <a:prstDash val="solid"/>
-                </a:ln>
-                <a:pattFill prst="ltDnDiag">
-                  <a:fgClr>
-                    <a:schemeClr val="accent5">
-                      <a:lumMod val="60000"/>
-                      <a:lumOff val="40000"/>
-                    </a:schemeClr>
-                  </a:fgClr>
-                  <a:bgClr>
-                    <a:schemeClr val="bg1"/>
-                  </a:bgClr>
-                </a:pattFill>
-              </a:defRPr>
-            </a:lvl1pPr>
-          </a:lstStyle>
-          <a:p>
-            <a:pPr algn="ctr"/>
-            <a:r>
-              <a:rPr lang="de-DE" dirty="0"/>
-              <a:t>2. Gedicht von</a:t>
-            </a:r>
-          </a:p>
-          <a:p>
-            <a:pPr algn="ctr"/>
-            <a:r>
-              <a:rPr lang="de-DE" dirty="0"/>
-              <a:t>Jan-Hendrik</a:t>
-            </a:r>
-          </a:p>
-        </p:txBody>
-      </p:sp>
-      <p:sp>
-        <p:nvSpPr>
-          <p:cNvPr id="21" name="Textfeld 20">
-            <a:extLst>
-              <a:ext uri="{FF2B5EF4-FFF2-40B4-BE49-F238E27FC236}">
-                <a16:creationId xmlns:a16="http://schemas.microsoft.com/office/drawing/2014/main" id="{13767B97-CF7F-4CAA-89B5-5C4F06B8FAB1}"/>
-              </a:ext>
-            </a:extLst>
-          </p:cNvPr>
-          <p:cNvSpPr txBox="1"/>
-          <p:nvPr/>
-        </p:nvSpPr>
-        <p:spPr>
           <a:xfrm>
-            <a:off x="197770" y="1135002"/>
-            <a:ext cx="2857350" cy="400110"/>
+            <a:off x="765210" y="0"/>
+            <a:ext cx="1587139" cy="400110"/>
           </a:xfrm>
           <a:prstGeom prst="rect">
             <a:avLst/>
@@ -3488,7 +3420,7 @@
                   </a:bgClr>
                 </a:pattFill>
               </a:rPr>
-              <a:t>4. Gedicht von Nicolas</a:t>
+              <a:t>4. Jingle Bells</a:t>
             </a:r>
           </a:p>
         </p:txBody>
@@ -5208,10 +5140,10 @@
       </p:sp>
       <p:sp>
         <p:nvSpPr>
-          <p:cNvPr id="2" name="Rechteck 1">
-            <a:extLst>
-              <a:ext uri="{FF2B5EF4-FFF2-40B4-BE49-F238E27FC236}">
-                <a16:creationId xmlns:a16="http://schemas.microsoft.com/office/drawing/2014/main" id="{4945DECE-5170-4532-AA7D-FFB60AD695A9}"/>
+          <p:cNvPr id="18" name="Rechteck 17">
+            <a:extLst>
+              <a:ext uri="{FF2B5EF4-FFF2-40B4-BE49-F238E27FC236}">
+                <a16:creationId xmlns:a16="http://schemas.microsoft.com/office/drawing/2014/main" id="{D3F50B62-FFDF-4C52-9372-4435B50B3570}"/>
               </a:ext>
             </a:extLst>
           </p:cNvPr>
@@ -5219,130 +5151,9 @@
           <p:nvPr/>
         </p:nvSpPr>
         <p:spPr>
-          <a:xfrm>
-            <a:off x="6105141" y="1135002"/>
-            <a:ext cx="3014954" cy="400110"/>
-          </a:xfrm>
-          <a:prstGeom prst="rect">
-            <a:avLst/>
-          </a:prstGeom>
-          <a:noFill/>
-        </p:spPr>
-        <p:txBody>
-          <a:bodyPr wrap="square" rtlCol="0">
-            <a:spAutoFit/>
-          </a:bodyPr>
-          <a:lstStyle/>
-          <a:p>
-            <a:pPr algn="ctr"/>
-            <a:r>
-              <a:rPr lang="de-DE" sz="2000" b="1" dirty="0">
-                <a:ln w="12700">
-                  <a:solidFill>
-                    <a:schemeClr val="accent5"/>
-                  </a:solidFill>
-                  <a:prstDash val="solid"/>
-                </a:ln>
-                <a:pattFill prst="ltDnDiag">
-                  <a:fgClr>
-                    <a:schemeClr val="accent5">
-                      <a:lumMod val="60000"/>
-                      <a:lumOff val="40000"/>
-                    </a:schemeClr>
-                  </a:fgClr>
-                  <a:bgClr>
-                    <a:schemeClr val="bg1"/>
-                  </a:bgClr>
-                </a:pattFill>
-              </a:rPr>
-              <a:t>Weihnachtsquiz</a:t>
-            </a:r>
-          </a:p>
-        </p:txBody>
-      </p:sp>
-      <p:sp>
-        <p:nvSpPr>
-          <p:cNvPr id="16" name="Textfeld 15">
-            <a:extLst>
-              <a:ext uri="{FF2B5EF4-FFF2-40B4-BE49-F238E27FC236}">
-                <a16:creationId xmlns:a16="http://schemas.microsoft.com/office/drawing/2014/main" id="{3165366D-CE53-49E4-AEF0-EF01D721B6E9}"/>
-              </a:ext>
-            </a:extLst>
-          </p:cNvPr>
-          <p:cNvSpPr txBox="1"/>
-          <p:nvPr/>
-        </p:nvSpPr>
-        <p:spPr>
-          <a:xfrm>
-            <a:off x="6095999" y="2058599"/>
-            <a:ext cx="3046921" cy="707886"/>
-          </a:xfrm>
-          <a:prstGeom prst="rect">
-            <a:avLst/>
-          </a:prstGeom>
-          <a:noFill/>
-        </p:spPr>
-        <p:txBody>
-          <a:bodyPr wrap="square" rtlCol="0">
-            <a:spAutoFit/>
-          </a:bodyPr>
-          <a:lstStyle>
-            <a:defPPr>
-              <a:defRPr lang="de-DE"/>
-            </a:defPPr>
-            <a:lvl1pPr algn="ctr">
-              <a:defRPr sz="2000" b="1">
-                <a:ln w="12700">
-                  <a:solidFill>
-                    <a:schemeClr val="accent5"/>
-                  </a:solidFill>
-                  <a:prstDash val="solid"/>
-                </a:ln>
-                <a:pattFill prst="ltDnDiag">
-                  <a:fgClr>
-                    <a:schemeClr val="accent5">
-                      <a:lumMod val="60000"/>
-                      <a:lumOff val="40000"/>
-                    </a:schemeClr>
-                  </a:fgClr>
-                  <a:bgClr>
-                    <a:schemeClr val="bg1"/>
-                  </a:bgClr>
-                </a:pattFill>
-              </a:defRPr>
-            </a:lvl1pPr>
-          </a:lstStyle>
-          <a:p>
-            <a:r>
-              <a:rPr lang="de-DE" dirty="0"/>
-              <a:t>Von Jan-Hendrik </a:t>
-            </a:r>
-            <a:br>
-              <a:rPr lang="de-DE" dirty="0"/>
-            </a:br>
-            <a:r>
-              <a:rPr lang="de-DE" dirty="0"/>
-              <a:t>und Sarah</a:t>
-            </a:r>
-          </a:p>
-        </p:txBody>
-      </p:sp>
-      <p:sp>
-        <p:nvSpPr>
-          <p:cNvPr id="18" name="Rechteck 17">
-            <a:extLst>
-              <a:ext uri="{FF2B5EF4-FFF2-40B4-BE49-F238E27FC236}">
-                <a16:creationId xmlns:a16="http://schemas.microsoft.com/office/drawing/2014/main" id="{D3F50B62-FFDF-4C52-9372-4435B50B3570}"/>
-              </a:ext>
-            </a:extLst>
-          </p:cNvPr>
-          <p:cNvSpPr/>
-          <p:nvPr/>
-        </p:nvSpPr>
-        <p:spPr>
           <a:xfrm rot="10800000">
-            <a:off x="9081540" y="4344413"/>
-            <a:ext cx="3060493" cy="1661417"/>
+            <a:off x="9081540" y="4424852"/>
+            <a:ext cx="3060493" cy="1500539"/>
           </a:xfrm>
           <a:prstGeom prst="rect">
             <a:avLst/>
@@ -5379,7 +5190,7 @@
                 <a:spcPct val="107000"/>
               </a:lnSpc>
               <a:spcAft>
-                <a:spcPts val="0"/>
+                <a:spcPts val="800"/>
               </a:spcAft>
               <a:buFont typeface="+mj-lt"/>
               <a:buAutoNum type="arabicPeriod"/>
@@ -5390,7 +5201,7 @@
                 <a:ea typeface="Calibri" panose="020F0502020204030204" pitchFamily="34" charset="0"/>
                 <a:cs typeface="Times New Roman" panose="02020603050405020304" pitchFamily="18" charset="0"/>
               </a:rPr>
-              <a:t>?? – Jan-Hendrik</a:t>
+              <a:t>Weihnachtsquiz</a:t>
             </a:r>
           </a:p>
           <a:p>
@@ -5453,28 +5264,1682 @@
               <a:t>Alle Jahre wieder – Sarah</a:t>
             </a:r>
           </a:p>
-          <a:p>
-            <a:pPr marL="342900" lvl="0" indent="-342900">
+        </p:txBody>
+      </p:sp>
+      <p:sp>
+        <p:nvSpPr>
+          <p:cNvPr id="28" name="Rechteck 27">
+            <a:extLst>
+              <a:ext uri="{FF2B5EF4-FFF2-40B4-BE49-F238E27FC236}">
+                <a16:creationId xmlns:a16="http://schemas.microsoft.com/office/drawing/2014/main" id="{F44C807E-14FA-4114-B7B6-6F34FE0B2F29}"/>
+              </a:ext>
+            </a:extLst>
+          </p:cNvPr>
+          <p:cNvSpPr/>
+          <p:nvPr/>
+        </p:nvSpPr>
+        <p:spPr>
+          <a:xfrm>
+            <a:off x="205602" y="468604"/>
+            <a:ext cx="2804922" cy="2959336"/>
+          </a:xfrm>
+          <a:prstGeom prst="rect">
+            <a:avLst/>
+          </a:prstGeom>
+        </p:spPr>
+        <p:txBody>
+          <a:bodyPr wrap="square">
+            <a:spAutoFit/>
+          </a:bodyPr>
+          <a:lstStyle/>
+          <a:p>
+            <a:pPr>
+              <a:lnSpc>
+                <a:spcPct val="25000"/>
+              </a:lnSpc>
+              <a:spcAft>
+                <a:spcPts val="800"/>
+              </a:spcAft>
+            </a:pPr>
+            <a:r>
+              <a:rPr lang="de-DE" sz="900" dirty="0" err="1">
+                <a:latin typeface="Calibri" panose="020F0502020204030204" pitchFamily="34" charset="0"/>
+                <a:ea typeface="Calibri" panose="020F0502020204030204" pitchFamily="34" charset="0"/>
+                <a:cs typeface="Times New Roman" panose="02020603050405020304" pitchFamily="18" charset="0"/>
+              </a:rPr>
+              <a:t>Dashing</a:t>
+            </a:r>
+            <a:r>
+              <a:rPr lang="de-DE" sz="900" dirty="0">
+                <a:latin typeface="Calibri" panose="020F0502020204030204" pitchFamily="34" charset="0"/>
+                <a:ea typeface="Calibri" panose="020F0502020204030204" pitchFamily="34" charset="0"/>
+                <a:cs typeface="Times New Roman" panose="02020603050405020304" pitchFamily="18" charset="0"/>
+              </a:rPr>
+              <a:t> </a:t>
+            </a:r>
+            <a:r>
+              <a:rPr lang="de-DE" sz="900" dirty="0" err="1">
+                <a:latin typeface="Calibri" panose="020F0502020204030204" pitchFamily="34" charset="0"/>
+                <a:ea typeface="Calibri" panose="020F0502020204030204" pitchFamily="34" charset="0"/>
+                <a:cs typeface="Times New Roman" panose="02020603050405020304" pitchFamily="18" charset="0"/>
+              </a:rPr>
+              <a:t>thro</a:t>
+            </a:r>
+            <a:r>
+              <a:rPr lang="de-DE" sz="900" dirty="0">
+                <a:latin typeface="Calibri" panose="020F0502020204030204" pitchFamily="34" charset="0"/>
+                <a:ea typeface="Calibri" panose="020F0502020204030204" pitchFamily="34" charset="0"/>
+                <a:cs typeface="Times New Roman" panose="02020603050405020304" pitchFamily="18" charset="0"/>
+              </a:rPr>
+              <a:t>' the </a:t>
+            </a:r>
+            <a:r>
+              <a:rPr lang="de-DE" sz="900" dirty="0" err="1">
+                <a:latin typeface="Calibri" panose="020F0502020204030204" pitchFamily="34" charset="0"/>
+                <a:ea typeface="Calibri" panose="020F0502020204030204" pitchFamily="34" charset="0"/>
+                <a:cs typeface="Times New Roman" panose="02020603050405020304" pitchFamily="18" charset="0"/>
+              </a:rPr>
+              <a:t>snow</a:t>
+            </a:r>
+            <a:r>
+              <a:rPr lang="de-DE" sz="900" dirty="0">
+                <a:latin typeface="Calibri" panose="020F0502020204030204" pitchFamily="34" charset="0"/>
+                <a:ea typeface="Calibri" panose="020F0502020204030204" pitchFamily="34" charset="0"/>
+                <a:cs typeface="Times New Roman" panose="02020603050405020304" pitchFamily="18" charset="0"/>
+              </a:rPr>
+              <a:t>, in a one-</a:t>
+            </a:r>
+            <a:r>
+              <a:rPr lang="de-DE" sz="900" dirty="0" err="1">
+                <a:latin typeface="Calibri" panose="020F0502020204030204" pitchFamily="34" charset="0"/>
+                <a:ea typeface="Calibri" panose="020F0502020204030204" pitchFamily="34" charset="0"/>
+                <a:cs typeface="Times New Roman" panose="02020603050405020304" pitchFamily="18" charset="0"/>
+              </a:rPr>
+              <a:t>horse</a:t>
+            </a:r>
+            <a:r>
+              <a:rPr lang="de-DE" sz="900" dirty="0">
+                <a:latin typeface="Calibri" panose="020F0502020204030204" pitchFamily="34" charset="0"/>
+                <a:ea typeface="Calibri" panose="020F0502020204030204" pitchFamily="34" charset="0"/>
+                <a:cs typeface="Times New Roman" panose="02020603050405020304" pitchFamily="18" charset="0"/>
+              </a:rPr>
+              <a:t> open </a:t>
+            </a:r>
+            <a:r>
+              <a:rPr lang="de-DE" sz="900" dirty="0" err="1">
+                <a:latin typeface="Calibri" panose="020F0502020204030204" pitchFamily="34" charset="0"/>
+                <a:ea typeface="Calibri" panose="020F0502020204030204" pitchFamily="34" charset="0"/>
+                <a:cs typeface="Times New Roman" panose="02020603050405020304" pitchFamily="18" charset="0"/>
+              </a:rPr>
+              <a:t>sleigh</a:t>
+            </a:r>
+            <a:endParaRPr lang="de-DE" sz="900" dirty="0">
+              <a:latin typeface="Calibri" panose="020F0502020204030204" pitchFamily="34" charset="0"/>
+              <a:ea typeface="Calibri" panose="020F0502020204030204" pitchFamily="34" charset="0"/>
+              <a:cs typeface="Times New Roman" panose="02020603050405020304" pitchFamily="18" charset="0"/>
+            </a:endParaRPr>
+          </a:p>
+          <a:p>
+            <a:pPr>
+              <a:lnSpc>
+                <a:spcPct val="25000"/>
+              </a:lnSpc>
+              <a:spcAft>
+                <a:spcPts val="800"/>
+              </a:spcAft>
+            </a:pPr>
+            <a:r>
+              <a:rPr lang="de-DE" sz="900" dirty="0" err="1">
+                <a:latin typeface="Calibri" panose="020F0502020204030204" pitchFamily="34" charset="0"/>
+                <a:ea typeface="Calibri" panose="020F0502020204030204" pitchFamily="34" charset="0"/>
+                <a:cs typeface="Times New Roman" panose="02020603050405020304" pitchFamily="18" charset="0"/>
+              </a:rPr>
+              <a:t>O'er</a:t>
+            </a:r>
+            <a:r>
+              <a:rPr lang="de-DE" sz="900" dirty="0">
+                <a:latin typeface="Calibri" panose="020F0502020204030204" pitchFamily="34" charset="0"/>
+                <a:ea typeface="Calibri" panose="020F0502020204030204" pitchFamily="34" charset="0"/>
+                <a:cs typeface="Times New Roman" panose="02020603050405020304" pitchFamily="18" charset="0"/>
+              </a:rPr>
+              <a:t> the </a:t>
+            </a:r>
+            <a:r>
+              <a:rPr lang="de-DE" sz="900" dirty="0" err="1">
+                <a:latin typeface="Calibri" panose="020F0502020204030204" pitchFamily="34" charset="0"/>
+                <a:ea typeface="Calibri" panose="020F0502020204030204" pitchFamily="34" charset="0"/>
+                <a:cs typeface="Times New Roman" panose="02020603050405020304" pitchFamily="18" charset="0"/>
+              </a:rPr>
+              <a:t>fields</a:t>
+            </a:r>
+            <a:r>
+              <a:rPr lang="de-DE" sz="900" dirty="0">
+                <a:latin typeface="Calibri" panose="020F0502020204030204" pitchFamily="34" charset="0"/>
+                <a:ea typeface="Calibri" panose="020F0502020204030204" pitchFamily="34" charset="0"/>
+                <a:cs typeface="Times New Roman" panose="02020603050405020304" pitchFamily="18" charset="0"/>
+              </a:rPr>
+              <a:t> we </a:t>
+            </a:r>
+            <a:r>
+              <a:rPr lang="de-DE" sz="900" dirty="0" err="1">
+                <a:latin typeface="Calibri" panose="020F0502020204030204" pitchFamily="34" charset="0"/>
+                <a:ea typeface="Calibri" panose="020F0502020204030204" pitchFamily="34" charset="0"/>
+                <a:cs typeface="Times New Roman" panose="02020603050405020304" pitchFamily="18" charset="0"/>
+              </a:rPr>
+              <a:t>go</a:t>
+            </a:r>
+            <a:r>
+              <a:rPr lang="de-DE" sz="900" dirty="0">
+                <a:latin typeface="Calibri" panose="020F0502020204030204" pitchFamily="34" charset="0"/>
+                <a:ea typeface="Calibri" panose="020F0502020204030204" pitchFamily="34" charset="0"/>
+                <a:cs typeface="Times New Roman" panose="02020603050405020304" pitchFamily="18" charset="0"/>
+              </a:rPr>
+              <a:t>, </a:t>
+            </a:r>
+            <a:r>
+              <a:rPr lang="de-DE" sz="900" dirty="0" err="1">
+                <a:latin typeface="Calibri" panose="020F0502020204030204" pitchFamily="34" charset="0"/>
+                <a:ea typeface="Calibri" panose="020F0502020204030204" pitchFamily="34" charset="0"/>
+                <a:cs typeface="Times New Roman" panose="02020603050405020304" pitchFamily="18" charset="0"/>
+              </a:rPr>
+              <a:t>laughing</a:t>
+            </a:r>
+            <a:r>
+              <a:rPr lang="de-DE" sz="900" dirty="0">
+                <a:latin typeface="Calibri" panose="020F0502020204030204" pitchFamily="34" charset="0"/>
+                <a:ea typeface="Calibri" panose="020F0502020204030204" pitchFamily="34" charset="0"/>
+                <a:cs typeface="Times New Roman" panose="02020603050405020304" pitchFamily="18" charset="0"/>
+              </a:rPr>
+              <a:t> all the way</a:t>
+            </a:r>
+          </a:p>
+          <a:p>
+            <a:pPr>
+              <a:lnSpc>
+                <a:spcPct val="25000"/>
+              </a:lnSpc>
+              <a:spcAft>
+                <a:spcPts val="800"/>
+              </a:spcAft>
+            </a:pPr>
+            <a:r>
+              <a:rPr lang="de-DE" sz="900" dirty="0">
+                <a:latin typeface="Calibri" panose="020F0502020204030204" pitchFamily="34" charset="0"/>
+                <a:ea typeface="Calibri" panose="020F0502020204030204" pitchFamily="34" charset="0"/>
+                <a:cs typeface="Times New Roman" panose="02020603050405020304" pitchFamily="18" charset="0"/>
+              </a:rPr>
+              <a:t>Bells on </a:t>
+            </a:r>
+            <a:r>
+              <a:rPr lang="de-DE" sz="900" dirty="0" err="1">
+                <a:latin typeface="Calibri" panose="020F0502020204030204" pitchFamily="34" charset="0"/>
+                <a:ea typeface="Calibri" panose="020F0502020204030204" pitchFamily="34" charset="0"/>
+                <a:cs typeface="Times New Roman" panose="02020603050405020304" pitchFamily="18" charset="0"/>
+              </a:rPr>
+              <a:t>bob-tails</a:t>
+            </a:r>
+            <a:r>
+              <a:rPr lang="de-DE" sz="900" dirty="0">
+                <a:latin typeface="Calibri" panose="020F0502020204030204" pitchFamily="34" charset="0"/>
+                <a:ea typeface="Calibri" panose="020F0502020204030204" pitchFamily="34" charset="0"/>
+                <a:cs typeface="Times New Roman" panose="02020603050405020304" pitchFamily="18" charset="0"/>
+              </a:rPr>
+              <a:t> ring, </a:t>
+            </a:r>
+            <a:r>
+              <a:rPr lang="de-DE" sz="900" dirty="0" err="1">
+                <a:latin typeface="Calibri" panose="020F0502020204030204" pitchFamily="34" charset="0"/>
+                <a:ea typeface="Calibri" panose="020F0502020204030204" pitchFamily="34" charset="0"/>
+                <a:cs typeface="Times New Roman" panose="02020603050405020304" pitchFamily="18" charset="0"/>
+              </a:rPr>
+              <a:t>making</a:t>
+            </a:r>
+            <a:r>
+              <a:rPr lang="de-DE" sz="900" dirty="0">
+                <a:latin typeface="Calibri" panose="020F0502020204030204" pitchFamily="34" charset="0"/>
+                <a:ea typeface="Calibri" panose="020F0502020204030204" pitchFamily="34" charset="0"/>
+                <a:cs typeface="Times New Roman" panose="02020603050405020304" pitchFamily="18" charset="0"/>
+              </a:rPr>
+              <a:t> </a:t>
+            </a:r>
+            <a:r>
+              <a:rPr lang="de-DE" sz="900" dirty="0" err="1">
+                <a:latin typeface="Calibri" panose="020F0502020204030204" pitchFamily="34" charset="0"/>
+                <a:ea typeface="Calibri" panose="020F0502020204030204" pitchFamily="34" charset="0"/>
+                <a:cs typeface="Times New Roman" panose="02020603050405020304" pitchFamily="18" charset="0"/>
+              </a:rPr>
+              <a:t>spirits</a:t>
+            </a:r>
+            <a:r>
+              <a:rPr lang="de-DE" sz="900" dirty="0">
+                <a:latin typeface="Calibri" panose="020F0502020204030204" pitchFamily="34" charset="0"/>
+                <a:ea typeface="Calibri" panose="020F0502020204030204" pitchFamily="34" charset="0"/>
+                <a:cs typeface="Times New Roman" panose="02020603050405020304" pitchFamily="18" charset="0"/>
+              </a:rPr>
+              <a:t> </a:t>
+            </a:r>
+            <a:r>
+              <a:rPr lang="de-DE" sz="900" dirty="0" err="1">
+                <a:latin typeface="Calibri" panose="020F0502020204030204" pitchFamily="34" charset="0"/>
+                <a:ea typeface="Calibri" panose="020F0502020204030204" pitchFamily="34" charset="0"/>
+                <a:cs typeface="Times New Roman" panose="02020603050405020304" pitchFamily="18" charset="0"/>
+              </a:rPr>
+              <a:t>bright</a:t>
+            </a:r>
+            <a:endParaRPr lang="de-DE" sz="900" dirty="0">
+              <a:latin typeface="Calibri" panose="020F0502020204030204" pitchFamily="34" charset="0"/>
+              <a:ea typeface="Calibri" panose="020F0502020204030204" pitchFamily="34" charset="0"/>
+              <a:cs typeface="Times New Roman" panose="02020603050405020304" pitchFamily="18" charset="0"/>
+            </a:endParaRPr>
+          </a:p>
+          <a:p>
+            <a:pPr>
+              <a:lnSpc>
+                <a:spcPct val="25000"/>
+              </a:lnSpc>
+              <a:spcAft>
+                <a:spcPts val="800"/>
+              </a:spcAft>
+            </a:pPr>
+            <a:r>
+              <a:rPr lang="de-DE" sz="900" dirty="0" err="1">
+                <a:latin typeface="Calibri" panose="020F0502020204030204" pitchFamily="34" charset="0"/>
+                <a:ea typeface="Calibri" panose="020F0502020204030204" pitchFamily="34" charset="0"/>
+                <a:cs typeface="Times New Roman" panose="02020603050405020304" pitchFamily="18" charset="0"/>
+              </a:rPr>
+              <a:t>What</a:t>
+            </a:r>
+            <a:r>
+              <a:rPr lang="de-DE" sz="900" dirty="0">
+                <a:latin typeface="Calibri" panose="020F0502020204030204" pitchFamily="34" charset="0"/>
+                <a:ea typeface="Calibri" panose="020F0502020204030204" pitchFamily="34" charset="0"/>
+                <a:cs typeface="Times New Roman" panose="02020603050405020304" pitchFamily="18" charset="0"/>
+              </a:rPr>
+              <a:t> </a:t>
+            </a:r>
+            <a:r>
+              <a:rPr lang="de-DE" sz="900" dirty="0" err="1">
+                <a:latin typeface="Calibri" panose="020F0502020204030204" pitchFamily="34" charset="0"/>
+                <a:ea typeface="Calibri" panose="020F0502020204030204" pitchFamily="34" charset="0"/>
+                <a:cs typeface="Times New Roman" panose="02020603050405020304" pitchFamily="18" charset="0"/>
+              </a:rPr>
+              <a:t>fun</a:t>
+            </a:r>
+            <a:r>
+              <a:rPr lang="de-DE" sz="900" dirty="0">
+                <a:latin typeface="Calibri" panose="020F0502020204030204" pitchFamily="34" charset="0"/>
+                <a:ea typeface="Calibri" panose="020F0502020204030204" pitchFamily="34" charset="0"/>
+                <a:cs typeface="Times New Roman" panose="02020603050405020304" pitchFamily="18" charset="0"/>
+              </a:rPr>
+              <a:t> it is to </a:t>
+            </a:r>
+            <a:r>
+              <a:rPr lang="de-DE" sz="900" dirty="0" err="1">
+                <a:latin typeface="Calibri" panose="020F0502020204030204" pitchFamily="34" charset="0"/>
+                <a:ea typeface="Calibri" panose="020F0502020204030204" pitchFamily="34" charset="0"/>
+                <a:cs typeface="Times New Roman" panose="02020603050405020304" pitchFamily="18" charset="0"/>
+              </a:rPr>
+              <a:t>ride</a:t>
+            </a:r>
+            <a:r>
+              <a:rPr lang="de-DE" sz="900" dirty="0">
+                <a:latin typeface="Calibri" panose="020F0502020204030204" pitchFamily="34" charset="0"/>
+                <a:ea typeface="Calibri" panose="020F0502020204030204" pitchFamily="34" charset="0"/>
+                <a:cs typeface="Times New Roman" panose="02020603050405020304" pitchFamily="18" charset="0"/>
+              </a:rPr>
+              <a:t> and sing a </a:t>
+            </a:r>
+            <a:r>
+              <a:rPr lang="de-DE" sz="900" dirty="0" err="1">
+                <a:latin typeface="Calibri" panose="020F0502020204030204" pitchFamily="34" charset="0"/>
+                <a:ea typeface="Calibri" panose="020F0502020204030204" pitchFamily="34" charset="0"/>
+                <a:cs typeface="Times New Roman" panose="02020603050405020304" pitchFamily="18" charset="0"/>
+              </a:rPr>
+              <a:t>sleighing</a:t>
+            </a:r>
+            <a:r>
+              <a:rPr lang="de-DE" sz="900" dirty="0">
+                <a:latin typeface="Calibri" panose="020F0502020204030204" pitchFamily="34" charset="0"/>
+                <a:ea typeface="Calibri" panose="020F0502020204030204" pitchFamily="34" charset="0"/>
+                <a:cs typeface="Times New Roman" panose="02020603050405020304" pitchFamily="18" charset="0"/>
+              </a:rPr>
+              <a:t> </a:t>
+            </a:r>
+            <a:r>
+              <a:rPr lang="de-DE" sz="900" dirty="0" err="1">
+                <a:latin typeface="Calibri" panose="020F0502020204030204" pitchFamily="34" charset="0"/>
+                <a:ea typeface="Calibri" panose="020F0502020204030204" pitchFamily="34" charset="0"/>
+                <a:cs typeface="Times New Roman" panose="02020603050405020304" pitchFamily="18" charset="0"/>
+              </a:rPr>
+              <a:t>song</a:t>
+            </a:r>
+            <a:r>
+              <a:rPr lang="de-DE" sz="900" dirty="0">
+                <a:latin typeface="Calibri" panose="020F0502020204030204" pitchFamily="34" charset="0"/>
+                <a:ea typeface="Calibri" panose="020F0502020204030204" pitchFamily="34" charset="0"/>
+                <a:cs typeface="Times New Roman" panose="02020603050405020304" pitchFamily="18" charset="0"/>
+              </a:rPr>
+              <a:t> </a:t>
+            </a:r>
+            <a:r>
+              <a:rPr lang="de-DE" sz="900" dirty="0" err="1">
+                <a:latin typeface="Calibri" panose="020F0502020204030204" pitchFamily="34" charset="0"/>
+                <a:ea typeface="Calibri" panose="020F0502020204030204" pitchFamily="34" charset="0"/>
+                <a:cs typeface="Times New Roman" panose="02020603050405020304" pitchFamily="18" charset="0"/>
+              </a:rPr>
+              <a:t>tonight</a:t>
+            </a:r>
+            <a:endParaRPr lang="de-DE" sz="900" dirty="0">
+              <a:latin typeface="Calibri" panose="020F0502020204030204" pitchFamily="34" charset="0"/>
+              <a:ea typeface="Calibri" panose="020F0502020204030204" pitchFamily="34" charset="0"/>
+              <a:cs typeface="Times New Roman" panose="02020603050405020304" pitchFamily="18" charset="0"/>
+            </a:endParaRPr>
+          </a:p>
+          <a:p>
+            <a:pPr>
               <a:lnSpc>
                 <a:spcPct val="107000"/>
               </a:lnSpc>
               <a:spcAft>
                 <a:spcPts val="800"/>
               </a:spcAft>
-              <a:buFont typeface="+mj-lt"/>
-              <a:buAutoNum type="arabicPeriod"/>
             </a:pPr>
             <a:r>
-              <a:rPr lang="de-DE" sz="1600" dirty="0">
-                <a:latin typeface="Calibri" panose="020F0502020204030204" pitchFamily="34" charset="0"/>
-                <a:ea typeface="Calibri" panose="020F0502020204030204" pitchFamily="34" charset="0"/>
-                <a:cs typeface="Times New Roman" panose="02020603050405020304" pitchFamily="18" charset="0"/>
-              </a:rPr>
-              <a:t>Weihnachtsquiz</a:t>
-            </a:r>
-          </a:p>
-        </p:txBody>
-      </p:sp>
+              <a:rPr lang="de-DE" sz="900" dirty="0">
+                <a:latin typeface="Calibri" panose="020F0502020204030204" pitchFamily="34" charset="0"/>
+                <a:ea typeface="Calibri" panose="020F0502020204030204" pitchFamily="34" charset="0"/>
+                <a:cs typeface="Times New Roman" panose="02020603050405020304" pitchFamily="18" charset="0"/>
+              </a:rPr>
+              <a:t> </a:t>
+            </a:r>
+          </a:p>
+          <a:p>
+            <a:pPr>
+              <a:lnSpc>
+                <a:spcPct val="25000"/>
+              </a:lnSpc>
+              <a:spcAft>
+                <a:spcPts val="800"/>
+              </a:spcAft>
+            </a:pPr>
+            <a:r>
+              <a:rPr lang="de-DE" sz="900" dirty="0">
+                <a:latin typeface="Calibri" panose="020F0502020204030204" pitchFamily="34" charset="0"/>
+                <a:ea typeface="Calibri" panose="020F0502020204030204" pitchFamily="34" charset="0"/>
+                <a:cs typeface="Times New Roman" panose="02020603050405020304" pitchFamily="18" charset="0"/>
+              </a:rPr>
+              <a:t>Jingle </a:t>
+            </a:r>
+            <a:r>
+              <a:rPr lang="de-DE" sz="900" dirty="0" err="1">
+                <a:latin typeface="Calibri" panose="020F0502020204030204" pitchFamily="34" charset="0"/>
+                <a:ea typeface="Calibri" panose="020F0502020204030204" pitchFamily="34" charset="0"/>
+                <a:cs typeface="Times New Roman" panose="02020603050405020304" pitchFamily="18" charset="0"/>
+              </a:rPr>
+              <a:t>bells</a:t>
+            </a:r>
+            <a:r>
+              <a:rPr lang="de-DE" sz="900" dirty="0">
+                <a:latin typeface="Calibri" panose="020F0502020204030204" pitchFamily="34" charset="0"/>
+                <a:ea typeface="Calibri" panose="020F0502020204030204" pitchFamily="34" charset="0"/>
+                <a:cs typeface="Times New Roman" panose="02020603050405020304" pitchFamily="18" charset="0"/>
+              </a:rPr>
+              <a:t>, </a:t>
+            </a:r>
+            <a:r>
+              <a:rPr lang="de-DE" sz="900" dirty="0" err="1">
+                <a:latin typeface="Calibri" panose="020F0502020204030204" pitchFamily="34" charset="0"/>
+                <a:ea typeface="Calibri" panose="020F0502020204030204" pitchFamily="34" charset="0"/>
+                <a:cs typeface="Times New Roman" panose="02020603050405020304" pitchFamily="18" charset="0"/>
+              </a:rPr>
+              <a:t>jingle</a:t>
+            </a:r>
+            <a:r>
+              <a:rPr lang="de-DE" sz="900" dirty="0">
+                <a:latin typeface="Calibri" panose="020F0502020204030204" pitchFamily="34" charset="0"/>
+                <a:ea typeface="Calibri" panose="020F0502020204030204" pitchFamily="34" charset="0"/>
+                <a:cs typeface="Times New Roman" panose="02020603050405020304" pitchFamily="18" charset="0"/>
+              </a:rPr>
+              <a:t> </a:t>
+            </a:r>
+            <a:r>
+              <a:rPr lang="de-DE" sz="900" dirty="0" err="1">
+                <a:latin typeface="Calibri" panose="020F0502020204030204" pitchFamily="34" charset="0"/>
+                <a:ea typeface="Calibri" panose="020F0502020204030204" pitchFamily="34" charset="0"/>
+                <a:cs typeface="Times New Roman" panose="02020603050405020304" pitchFamily="18" charset="0"/>
+              </a:rPr>
+              <a:t>bells</a:t>
+            </a:r>
+            <a:r>
+              <a:rPr lang="de-DE" sz="900" dirty="0">
+                <a:latin typeface="Calibri" panose="020F0502020204030204" pitchFamily="34" charset="0"/>
+                <a:ea typeface="Calibri" panose="020F0502020204030204" pitchFamily="34" charset="0"/>
+                <a:cs typeface="Times New Roman" panose="02020603050405020304" pitchFamily="18" charset="0"/>
+              </a:rPr>
+              <a:t>, </a:t>
+            </a:r>
+            <a:r>
+              <a:rPr lang="de-DE" sz="900" dirty="0" err="1">
+                <a:latin typeface="Calibri" panose="020F0502020204030204" pitchFamily="34" charset="0"/>
+                <a:ea typeface="Calibri" panose="020F0502020204030204" pitchFamily="34" charset="0"/>
+                <a:cs typeface="Times New Roman" panose="02020603050405020304" pitchFamily="18" charset="0"/>
+              </a:rPr>
+              <a:t>jingle</a:t>
+            </a:r>
+            <a:r>
+              <a:rPr lang="de-DE" sz="900" dirty="0">
+                <a:latin typeface="Calibri" panose="020F0502020204030204" pitchFamily="34" charset="0"/>
+                <a:ea typeface="Calibri" panose="020F0502020204030204" pitchFamily="34" charset="0"/>
+                <a:cs typeface="Times New Roman" panose="02020603050405020304" pitchFamily="18" charset="0"/>
+              </a:rPr>
+              <a:t> all the way</a:t>
+            </a:r>
+          </a:p>
+          <a:p>
+            <a:pPr>
+              <a:lnSpc>
+                <a:spcPct val="25000"/>
+              </a:lnSpc>
+              <a:spcAft>
+                <a:spcPts val="800"/>
+              </a:spcAft>
+            </a:pPr>
+            <a:r>
+              <a:rPr lang="de-DE" sz="900" dirty="0">
+                <a:latin typeface="Calibri" panose="020F0502020204030204" pitchFamily="34" charset="0"/>
+                <a:ea typeface="Calibri" panose="020F0502020204030204" pitchFamily="34" charset="0"/>
+                <a:cs typeface="Times New Roman" panose="02020603050405020304" pitchFamily="18" charset="0"/>
+              </a:rPr>
+              <a:t>Oh, </a:t>
+            </a:r>
+            <a:r>
+              <a:rPr lang="de-DE" sz="900" dirty="0" err="1">
+                <a:latin typeface="Calibri" panose="020F0502020204030204" pitchFamily="34" charset="0"/>
+                <a:ea typeface="Calibri" panose="020F0502020204030204" pitchFamily="34" charset="0"/>
+                <a:cs typeface="Times New Roman" panose="02020603050405020304" pitchFamily="18" charset="0"/>
+              </a:rPr>
+              <a:t>what</a:t>
+            </a:r>
+            <a:r>
+              <a:rPr lang="de-DE" sz="900" dirty="0">
+                <a:latin typeface="Calibri" panose="020F0502020204030204" pitchFamily="34" charset="0"/>
+                <a:ea typeface="Calibri" panose="020F0502020204030204" pitchFamily="34" charset="0"/>
+                <a:cs typeface="Times New Roman" panose="02020603050405020304" pitchFamily="18" charset="0"/>
+              </a:rPr>
+              <a:t> </a:t>
+            </a:r>
+            <a:r>
+              <a:rPr lang="de-DE" sz="900" dirty="0" err="1">
+                <a:latin typeface="Calibri" panose="020F0502020204030204" pitchFamily="34" charset="0"/>
+                <a:ea typeface="Calibri" panose="020F0502020204030204" pitchFamily="34" charset="0"/>
+                <a:cs typeface="Times New Roman" panose="02020603050405020304" pitchFamily="18" charset="0"/>
+              </a:rPr>
+              <a:t>fun</a:t>
+            </a:r>
+            <a:r>
+              <a:rPr lang="de-DE" sz="900" dirty="0">
+                <a:latin typeface="Calibri" panose="020F0502020204030204" pitchFamily="34" charset="0"/>
+                <a:ea typeface="Calibri" panose="020F0502020204030204" pitchFamily="34" charset="0"/>
+                <a:cs typeface="Times New Roman" panose="02020603050405020304" pitchFamily="18" charset="0"/>
+              </a:rPr>
+              <a:t> it is to </a:t>
+            </a:r>
+            <a:r>
+              <a:rPr lang="de-DE" sz="900" dirty="0" err="1">
+                <a:latin typeface="Calibri" panose="020F0502020204030204" pitchFamily="34" charset="0"/>
+                <a:ea typeface="Calibri" panose="020F0502020204030204" pitchFamily="34" charset="0"/>
+                <a:cs typeface="Times New Roman" panose="02020603050405020304" pitchFamily="18" charset="0"/>
+              </a:rPr>
+              <a:t>ride</a:t>
+            </a:r>
+            <a:r>
+              <a:rPr lang="de-DE" sz="900" dirty="0">
+                <a:latin typeface="Calibri" panose="020F0502020204030204" pitchFamily="34" charset="0"/>
+                <a:ea typeface="Calibri" panose="020F0502020204030204" pitchFamily="34" charset="0"/>
+                <a:cs typeface="Times New Roman" panose="02020603050405020304" pitchFamily="18" charset="0"/>
+              </a:rPr>
+              <a:t> in a one-</a:t>
+            </a:r>
+            <a:r>
+              <a:rPr lang="de-DE" sz="900" dirty="0" err="1">
+                <a:latin typeface="Calibri" panose="020F0502020204030204" pitchFamily="34" charset="0"/>
+                <a:ea typeface="Calibri" panose="020F0502020204030204" pitchFamily="34" charset="0"/>
+                <a:cs typeface="Times New Roman" panose="02020603050405020304" pitchFamily="18" charset="0"/>
+              </a:rPr>
+              <a:t>horse</a:t>
+            </a:r>
+            <a:r>
+              <a:rPr lang="de-DE" sz="900" dirty="0">
+                <a:latin typeface="Calibri" panose="020F0502020204030204" pitchFamily="34" charset="0"/>
+                <a:ea typeface="Calibri" panose="020F0502020204030204" pitchFamily="34" charset="0"/>
+                <a:cs typeface="Times New Roman" panose="02020603050405020304" pitchFamily="18" charset="0"/>
+              </a:rPr>
+              <a:t> open </a:t>
+            </a:r>
+            <a:r>
+              <a:rPr lang="de-DE" sz="900" dirty="0" err="1">
+                <a:latin typeface="Calibri" panose="020F0502020204030204" pitchFamily="34" charset="0"/>
+                <a:ea typeface="Calibri" panose="020F0502020204030204" pitchFamily="34" charset="0"/>
+                <a:cs typeface="Times New Roman" panose="02020603050405020304" pitchFamily="18" charset="0"/>
+              </a:rPr>
+              <a:t>sleigh</a:t>
+            </a:r>
+            <a:endParaRPr lang="de-DE" sz="900" dirty="0">
+              <a:latin typeface="Calibri" panose="020F0502020204030204" pitchFamily="34" charset="0"/>
+              <a:ea typeface="Calibri" panose="020F0502020204030204" pitchFamily="34" charset="0"/>
+              <a:cs typeface="Times New Roman" panose="02020603050405020304" pitchFamily="18" charset="0"/>
+            </a:endParaRPr>
+          </a:p>
+          <a:p>
+            <a:pPr>
+              <a:lnSpc>
+                <a:spcPct val="25000"/>
+              </a:lnSpc>
+              <a:spcAft>
+                <a:spcPts val="800"/>
+              </a:spcAft>
+            </a:pPr>
+            <a:r>
+              <a:rPr lang="de-DE" sz="900" dirty="0">
+                <a:latin typeface="Calibri" panose="020F0502020204030204" pitchFamily="34" charset="0"/>
+                <a:ea typeface="Calibri" panose="020F0502020204030204" pitchFamily="34" charset="0"/>
+                <a:cs typeface="Times New Roman" panose="02020603050405020304" pitchFamily="18" charset="0"/>
+              </a:rPr>
+              <a:t>Jingle </a:t>
+            </a:r>
+            <a:r>
+              <a:rPr lang="de-DE" sz="900" dirty="0" err="1">
+                <a:latin typeface="Calibri" panose="020F0502020204030204" pitchFamily="34" charset="0"/>
+                <a:ea typeface="Calibri" panose="020F0502020204030204" pitchFamily="34" charset="0"/>
+                <a:cs typeface="Times New Roman" panose="02020603050405020304" pitchFamily="18" charset="0"/>
+              </a:rPr>
+              <a:t>bells</a:t>
+            </a:r>
+            <a:r>
+              <a:rPr lang="de-DE" sz="900" dirty="0">
+                <a:latin typeface="Calibri" panose="020F0502020204030204" pitchFamily="34" charset="0"/>
+                <a:ea typeface="Calibri" panose="020F0502020204030204" pitchFamily="34" charset="0"/>
+                <a:cs typeface="Times New Roman" panose="02020603050405020304" pitchFamily="18" charset="0"/>
+              </a:rPr>
+              <a:t>, </a:t>
+            </a:r>
+            <a:r>
+              <a:rPr lang="de-DE" sz="900" dirty="0" err="1">
+                <a:latin typeface="Calibri" panose="020F0502020204030204" pitchFamily="34" charset="0"/>
+                <a:ea typeface="Calibri" panose="020F0502020204030204" pitchFamily="34" charset="0"/>
+                <a:cs typeface="Times New Roman" panose="02020603050405020304" pitchFamily="18" charset="0"/>
+              </a:rPr>
+              <a:t>jingle</a:t>
+            </a:r>
+            <a:r>
+              <a:rPr lang="de-DE" sz="900" dirty="0">
+                <a:latin typeface="Calibri" panose="020F0502020204030204" pitchFamily="34" charset="0"/>
+                <a:ea typeface="Calibri" panose="020F0502020204030204" pitchFamily="34" charset="0"/>
+                <a:cs typeface="Times New Roman" panose="02020603050405020304" pitchFamily="18" charset="0"/>
+              </a:rPr>
+              <a:t> </a:t>
+            </a:r>
+            <a:r>
+              <a:rPr lang="de-DE" sz="900" dirty="0" err="1">
+                <a:latin typeface="Calibri" panose="020F0502020204030204" pitchFamily="34" charset="0"/>
+                <a:ea typeface="Calibri" panose="020F0502020204030204" pitchFamily="34" charset="0"/>
+                <a:cs typeface="Times New Roman" panose="02020603050405020304" pitchFamily="18" charset="0"/>
+              </a:rPr>
+              <a:t>bells</a:t>
+            </a:r>
+            <a:r>
+              <a:rPr lang="de-DE" sz="900" dirty="0">
+                <a:latin typeface="Calibri" panose="020F0502020204030204" pitchFamily="34" charset="0"/>
+                <a:ea typeface="Calibri" panose="020F0502020204030204" pitchFamily="34" charset="0"/>
+                <a:cs typeface="Times New Roman" panose="02020603050405020304" pitchFamily="18" charset="0"/>
+              </a:rPr>
+              <a:t>, </a:t>
+            </a:r>
+            <a:r>
+              <a:rPr lang="de-DE" sz="900" dirty="0" err="1">
+                <a:latin typeface="Calibri" panose="020F0502020204030204" pitchFamily="34" charset="0"/>
+                <a:ea typeface="Calibri" panose="020F0502020204030204" pitchFamily="34" charset="0"/>
+                <a:cs typeface="Times New Roman" panose="02020603050405020304" pitchFamily="18" charset="0"/>
+              </a:rPr>
+              <a:t>jingle</a:t>
+            </a:r>
+            <a:r>
+              <a:rPr lang="de-DE" sz="900" dirty="0">
+                <a:latin typeface="Calibri" panose="020F0502020204030204" pitchFamily="34" charset="0"/>
+                <a:ea typeface="Calibri" panose="020F0502020204030204" pitchFamily="34" charset="0"/>
+                <a:cs typeface="Times New Roman" panose="02020603050405020304" pitchFamily="18" charset="0"/>
+              </a:rPr>
+              <a:t> all the way</a:t>
+            </a:r>
+          </a:p>
+          <a:p>
+            <a:pPr>
+              <a:lnSpc>
+                <a:spcPct val="25000"/>
+              </a:lnSpc>
+              <a:spcAft>
+                <a:spcPts val="800"/>
+              </a:spcAft>
+            </a:pPr>
+            <a:r>
+              <a:rPr lang="de-DE" sz="900" dirty="0">
+                <a:latin typeface="Calibri" panose="020F0502020204030204" pitchFamily="34" charset="0"/>
+                <a:ea typeface="Calibri" panose="020F0502020204030204" pitchFamily="34" charset="0"/>
+                <a:cs typeface="Times New Roman" panose="02020603050405020304" pitchFamily="18" charset="0"/>
+              </a:rPr>
+              <a:t>Oh, </a:t>
+            </a:r>
+            <a:r>
+              <a:rPr lang="de-DE" sz="900" dirty="0" err="1">
+                <a:latin typeface="Calibri" panose="020F0502020204030204" pitchFamily="34" charset="0"/>
+                <a:ea typeface="Calibri" panose="020F0502020204030204" pitchFamily="34" charset="0"/>
+                <a:cs typeface="Times New Roman" panose="02020603050405020304" pitchFamily="18" charset="0"/>
+              </a:rPr>
+              <a:t>what</a:t>
+            </a:r>
+            <a:r>
+              <a:rPr lang="de-DE" sz="900" dirty="0">
+                <a:latin typeface="Calibri" panose="020F0502020204030204" pitchFamily="34" charset="0"/>
+                <a:ea typeface="Calibri" panose="020F0502020204030204" pitchFamily="34" charset="0"/>
+                <a:cs typeface="Times New Roman" panose="02020603050405020304" pitchFamily="18" charset="0"/>
+              </a:rPr>
+              <a:t> </a:t>
+            </a:r>
+            <a:r>
+              <a:rPr lang="de-DE" sz="900" dirty="0" err="1">
+                <a:latin typeface="Calibri" panose="020F0502020204030204" pitchFamily="34" charset="0"/>
+                <a:ea typeface="Calibri" panose="020F0502020204030204" pitchFamily="34" charset="0"/>
+                <a:cs typeface="Times New Roman" panose="02020603050405020304" pitchFamily="18" charset="0"/>
+              </a:rPr>
+              <a:t>fun</a:t>
+            </a:r>
+            <a:r>
+              <a:rPr lang="de-DE" sz="900" dirty="0">
+                <a:latin typeface="Calibri" panose="020F0502020204030204" pitchFamily="34" charset="0"/>
+                <a:ea typeface="Calibri" panose="020F0502020204030204" pitchFamily="34" charset="0"/>
+                <a:cs typeface="Times New Roman" panose="02020603050405020304" pitchFamily="18" charset="0"/>
+              </a:rPr>
+              <a:t> it is to </a:t>
+            </a:r>
+            <a:r>
+              <a:rPr lang="de-DE" sz="900" dirty="0" err="1">
+                <a:latin typeface="Calibri" panose="020F0502020204030204" pitchFamily="34" charset="0"/>
+                <a:ea typeface="Calibri" panose="020F0502020204030204" pitchFamily="34" charset="0"/>
+                <a:cs typeface="Times New Roman" panose="02020603050405020304" pitchFamily="18" charset="0"/>
+              </a:rPr>
+              <a:t>ride</a:t>
+            </a:r>
+            <a:r>
+              <a:rPr lang="de-DE" sz="900" dirty="0">
+                <a:latin typeface="Calibri" panose="020F0502020204030204" pitchFamily="34" charset="0"/>
+                <a:ea typeface="Calibri" panose="020F0502020204030204" pitchFamily="34" charset="0"/>
+                <a:cs typeface="Times New Roman" panose="02020603050405020304" pitchFamily="18" charset="0"/>
+              </a:rPr>
+              <a:t> in a one-</a:t>
+            </a:r>
+            <a:r>
+              <a:rPr lang="de-DE" sz="900" dirty="0" err="1">
+                <a:latin typeface="Calibri" panose="020F0502020204030204" pitchFamily="34" charset="0"/>
+                <a:ea typeface="Calibri" panose="020F0502020204030204" pitchFamily="34" charset="0"/>
+                <a:cs typeface="Times New Roman" panose="02020603050405020304" pitchFamily="18" charset="0"/>
+              </a:rPr>
+              <a:t>horse</a:t>
+            </a:r>
+            <a:r>
+              <a:rPr lang="de-DE" sz="900" dirty="0">
+                <a:latin typeface="Calibri" panose="020F0502020204030204" pitchFamily="34" charset="0"/>
+                <a:ea typeface="Calibri" panose="020F0502020204030204" pitchFamily="34" charset="0"/>
+                <a:cs typeface="Times New Roman" panose="02020603050405020304" pitchFamily="18" charset="0"/>
+              </a:rPr>
+              <a:t> open </a:t>
+            </a:r>
+            <a:r>
+              <a:rPr lang="de-DE" sz="900" dirty="0" err="1">
+                <a:latin typeface="Calibri" panose="020F0502020204030204" pitchFamily="34" charset="0"/>
+                <a:ea typeface="Calibri" panose="020F0502020204030204" pitchFamily="34" charset="0"/>
+                <a:cs typeface="Times New Roman" panose="02020603050405020304" pitchFamily="18" charset="0"/>
+              </a:rPr>
+              <a:t>sleigh</a:t>
+            </a:r>
+            <a:endParaRPr lang="de-DE" sz="900" dirty="0">
+              <a:latin typeface="Calibri" panose="020F0502020204030204" pitchFamily="34" charset="0"/>
+              <a:ea typeface="Calibri" panose="020F0502020204030204" pitchFamily="34" charset="0"/>
+              <a:cs typeface="Times New Roman" panose="02020603050405020304" pitchFamily="18" charset="0"/>
+            </a:endParaRPr>
+          </a:p>
+          <a:p>
+            <a:pPr>
+              <a:lnSpc>
+                <a:spcPct val="107000"/>
+              </a:lnSpc>
+              <a:spcAft>
+                <a:spcPts val="800"/>
+              </a:spcAft>
+            </a:pPr>
+            <a:r>
+              <a:rPr lang="de-DE" sz="900" dirty="0">
+                <a:latin typeface="Calibri" panose="020F0502020204030204" pitchFamily="34" charset="0"/>
+                <a:ea typeface="Calibri" panose="020F0502020204030204" pitchFamily="34" charset="0"/>
+                <a:cs typeface="Times New Roman" panose="02020603050405020304" pitchFamily="18" charset="0"/>
+              </a:rPr>
+              <a:t> </a:t>
+            </a:r>
+          </a:p>
+          <a:p>
+            <a:pPr>
+              <a:lnSpc>
+                <a:spcPct val="25000"/>
+              </a:lnSpc>
+              <a:spcAft>
+                <a:spcPts val="800"/>
+              </a:spcAft>
+            </a:pPr>
+            <a:r>
+              <a:rPr lang="de-DE" sz="900" dirty="0">
+                <a:latin typeface="Calibri" panose="020F0502020204030204" pitchFamily="34" charset="0"/>
+                <a:ea typeface="Calibri" panose="020F0502020204030204" pitchFamily="34" charset="0"/>
+                <a:cs typeface="Times New Roman" panose="02020603050405020304" pitchFamily="18" charset="0"/>
+              </a:rPr>
+              <a:t>A </a:t>
+            </a:r>
+            <a:r>
+              <a:rPr lang="de-DE" sz="900" dirty="0" err="1">
+                <a:latin typeface="Calibri" panose="020F0502020204030204" pitchFamily="34" charset="0"/>
+                <a:ea typeface="Calibri" panose="020F0502020204030204" pitchFamily="34" charset="0"/>
+                <a:cs typeface="Times New Roman" panose="02020603050405020304" pitchFamily="18" charset="0"/>
+              </a:rPr>
+              <a:t>day</a:t>
+            </a:r>
+            <a:r>
+              <a:rPr lang="de-DE" sz="900" dirty="0">
+                <a:latin typeface="Calibri" panose="020F0502020204030204" pitchFamily="34" charset="0"/>
+                <a:ea typeface="Calibri" panose="020F0502020204030204" pitchFamily="34" charset="0"/>
+                <a:cs typeface="Times New Roman" panose="02020603050405020304" pitchFamily="18" charset="0"/>
+              </a:rPr>
+              <a:t> </a:t>
+            </a:r>
+            <a:r>
+              <a:rPr lang="de-DE" sz="900" dirty="0" err="1">
+                <a:latin typeface="Calibri" panose="020F0502020204030204" pitchFamily="34" charset="0"/>
+                <a:ea typeface="Calibri" panose="020F0502020204030204" pitchFamily="34" charset="0"/>
+                <a:cs typeface="Times New Roman" panose="02020603050405020304" pitchFamily="18" charset="0"/>
+              </a:rPr>
+              <a:t>or</a:t>
+            </a:r>
+            <a:r>
+              <a:rPr lang="de-DE" sz="900" dirty="0">
+                <a:latin typeface="Calibri" panose="020F0502020204030204" pitchFamily="34" charset="0"/>
+                <a:ea typeface="Calibri" panose="020F0502020204030204" pitchFamily="34" charset="0"/>
+                <a:cs typeface="Times New Roman" panose="02020603050405020304" pitchFamily="18" charset="0"/>
+              </a:rPr>
+              <a:t> </a:t>
+            </a:r>
+            <a:r>
+              <a:rPr lang="de-DE" sz="900" dirty="0" err="1">
+                <a:latin typeface="Calibri" panose="020F0502020204030204" pitchFamily="34" charset="0"/>
+                <a:ea typeface="Calibri" panose="020F0502020204030204" pitchFamily="34" charset="0"/>
+                <a:cs typeface="Times New Roman" panose="02020603050405020304" pitchFamily="18" charset="0"/>
+              </a:rPr>
+              <a:t>two</a:t>
+            </a:r>
+            <a:r>
+              <a:rPr lang="de-DE" sz="900" dirty="0">
+                <a:latin typeface="Calibri" panose="020F0502020204030204" pitchFamily="34" charset="0"/>
+                <a:ea typeface="Calibri" panose="020F0502020204030204" pitchFamily="34" charset="0"/>
+                <a:cs typeface="Times New Roman" panose="02020603050405020304" pitchFamily="18" charset="0"/>
+              </a:rPr>
+              <a:t> </a:t>
+            </a:r>
+            <a:r>
+              <a:rPr lang="de-DE" sz="900" dirty="0" err="1">
+                <a:latin typeface="Calibri" panose="020F0502020204030204" pitchFamily="34" charset="0"/>
+                <a:ea typeface="Calibri" panose="020F0502020204030204" pitchFamily="34" charset="0"/>
+                <a:cs typeface="Times New Roman" panose="02020603050405020304" pitchFamily="18" charset="0"/>
+              </a:rPr>
+              <a:t>ago</a:t>
+            </a:r>
+            <a:r>
+              <a:rPr lang="de-DE" sz="900" dirty="0">
+                <a:latin typeface="Calibri" panose="020F0502020204030204" pitchFamily="34" charset="0"/>
+                <a:ea typeface="Calibri" panose="020F0502020204030204" pitchFamily="34" charset="0"/>
+                <a:cs typeface="Times New Roman" panose="02020603050405020304" pitchFamily="18" charset="0"/>
+              </a:rPr>
+              <a:t>, I </a:t>
+            </a:r>
+            <a:r>
+              <a:rPr lang="de-DE" sz="900" dirty="0" err="1">
+                <a:latin typeface="Calibri" panose="020F0502020204030204" pitchFamily="34" charset="0"/>
+                <a:ea typeface="Calibri" panose="020F0502020204030204" pitchFamily="34" charset="0"/>
+                <a:cs typeface="Times New Roman" panose="02020603050405020304" pitchFamily="18" charset="0"/>
+              </a:rPr>
+              <a:t>thought</a:t>
+            </a:r>
+            <a:r>
+              <a:rPr lang="de-DE" sz="900" dirty="0">
+                <a:latin typeface="Calibri" panose="020F0502020204030204" pitchFamily="34" charset="0"/>
+                <a:ea typeface="Calibri" panose="020F0502020204030204" pitchFamily="34" charset="0"/>
+                <a:cs typeface="Times New Roman" panose="02020603050405020304" pitchFamily="18" charset="0"/>
+              </a:rPr>
+              <a:t> </a:t>
+            </a:r>
+            <a:r>
+              <a:rPr lang="de-DE" sz="900" dirty="0" err="1">
+                <a:latin typeface="Calibri" panose="020F0502020204030204" pitchFamily="34" charset="0"/>
+                <a:ea typeface="Calibri" panose="020F0502020204030204" pitchFamily="34" charset="0"/>
+                <a:cs typeface="Times New Roman" panose="02020603050405020304" pitchFamily="18" charset="0"/>
+              </a:rPr>
+              <a:t>I'd</a:t>
+            </a:r>
+            <a:r>
+              <a:rPr lang="de-DE" sz="900" dirty="0">
+                <a:latin typeface="Calibri" panose="020F0502020204030204" pitchFamily="34" charset="0"/>
+                <a:ea typeface="Calibri" panose="020F0502020204030204" pitchFamily="34" charset="0"/>
+                <a:cs typeface="Times New Roman" panose="02020603050405020304" pitchFamily="18" charset="0"/>
+              </a:rPr>
+              <a:t> </a:t>
+            </a:r>
+            <a:r>
+              <a:rPr lang="de-DE" sz="900" dirty="0" err="1">
+                <a:latin typeface="Calibri" panose="020F0502020204030204" pitchFamily="34" charset="0"/>
+                <a:ea typeface="Calibri" panose="020F0502020204030204" pitchFamily="34" charset="0"/>
+                <a:cs typeface="Times New Roman" panose="02020603050405020304" pitchFamily="18" charset="0"/>
+              </a:rPr>
+              <a:t>take</a:t>
+            </a:r>
+            <a:r>
+              <a:rPr lang="de-DE" sz="900" dirty="0">
+                <a:latin typeface="Calibri" panose="020F0502020204030204" pitchFamily="34" charset="0"/>
+                <a:ea typeface="Calibri" panose="020F0502020204030204" pitchFamily="34" charset="0"/>
+                <a:cs typeface="Times New Roman" panose="02020603050405020304" pitchFamily="18" charset="0"/>
+              </a:rPr>
+              <a:t> a </a:t>
+            </a:r>
+            <a:r>
+              <a:rPr lang="de-DE" sz="900" dirty="0" err="1">
+                <a:latin typeface="Calibri" panose="020F0502020204030204" pitchFamily="34" charset="0"/>
+                <a:ea typeface="Calibri" panose="020F0502020204030204" pitchFamily="34" charset="0"/>
+                <a:cs typeface="Times New Roman" panose="02020603050405020304" pitchFamily="18" charset="0"/>
+              </a:rPr>
+              <a:t>ride</a:t>
+            </a:r>
+            <a:endParaRPr lang="de-DE" sz="900" dirty="0">
+              <a:latin typeface="Calibri" panose="020F0502020204030204" pitchFamily="34" charset="0"/>
+              <a:ea typeface="Calibri" panose="020F0502020204030204" pitchFamily="34" charset="0"/>
+              <a:cs typeface="Times New Roman" panose="02020603050405020304" pitchFamily="18" charset="0"/>
+            </a:endParaRPr>
+          </a:p>
+          <a:p>
+            <a:pPr>
+              <a:lnSpc>
+                <a:spcPct val="25000"/>
+              </a:lnSpc>
+              <a:spcAft>
+                <a:spcPts val="800"/>
+              </a:spcAft>
+            </a:pPr>
+            <a:r>
+              <a:rPr lang="de-DE" sz="900" dirty="0">
+                <a:latin typeface="Calibri" panose="020F0502020204030204" pitchFamily="34" charset="0"/>
+                <a:ea typeface="Calibri" panose="020F0502020204030204" pitchFamily="34" charset="0"/>
+                <a:cs typeface="Times New Roman" panose="02020603050405020304" pitchFamily="18" charset="0"/>
+              </a:rPr>
+              <a:t>And </a:t>
+            </a:r>
+            <a:r>
+              <a:rPr lang="de-DE" sz="900" dirty="0" err="1">
+                <a:latin typeface="Calibri" panose="020F0502020204030204" pitchFamily="34" charset="0"/>
+                <a:ea typeface="Calibri" panose="020F0502020204030204" pitchFamily="34" charset="0"/>
+                <a:cs typeface="Times New Roman" panose="02020603050405020304" pitchFamily="18" charset="0"/>
+              </a:rPr>
+              <a:t>soon</a:t>
+            </a:r>
+            <a:r>
+              <a:rPr lang="de-DE" sz="900" dirty="0">
+                <a:latin typeface="Calibri" panose="020F0502020204030204" pitchFamily="34" charset="0"/>
+                <a:ea typeface="Calibri" panose="020F0502020204030204" pitchFamily="34" charset="0"/>
+                <a:cs typeface="Times New Roman" panose="02020603050405020304" pitchFamily="18" charset="0"/>
+              </a:rPr>
+              <a:t> Miss. Fanny Bright was </a:t>
+            </a:r>
+            <a:r>
+              <a:rPr lang="de-DE" sz="900" dirty="0" err="1">
+                <a:latin typeface="Calibri" panose="020F0502020204030204" pitchFamily="34" charset="0"/>
+                <a:ea typeface="Calibri" panose="020F0502020204030204" pitchFamily="34" charset="0"/>
+                <a:cs typeface="Times New Roman" panose="02020603050405020304" pitchFamily="18" charset="0"/>
+              </a:rPr>
+              <a:t>seated</a:t>
+            </a:r>
+            <a:r>
+              <a:rPr lang="de-DE" sz="900" dirty="0">
+                <a:latin typeface="Calibri" panose="020F0502020204030204" pitchFamily="34" charset="0"/>
+                <a:ea typeface="Calibri" panose="020F0502020204030204" pitchFamily="34" charset="0"/>
+                <a:cs typeface="Times New Roman" panose="02020603050405020304" pitchFamily="18" charset="0"/>
+              </a:rPr>
+              <a:t> at my side</a:t>
+            </a:r>
+          </a:p>
+          <a:p>
+            <a:pPr>
+              <a:lnSpc>
+                <a:spcPct val="25000"/>
+              </a:lnSpc>
+              <a:spcAft>
+                <a:spcPts val="800"/>
+              </a:spcAft>
+            </a:pPr>
+            <a:r>
+              <a:rPr lang="de-DE" sz="900" dirty="0">
+                <a:latin typeface="Calibri" panose="020F0502020204030204" pitchFamily="34" charset="0"/>
+                <a:ea typeface="Calibri" panose="020F0502020204030204" pitchFamily="34" charset="0"/>
+                <a:cs typeface="Times New Roman" panose="02020603050405020304" pitchFamily="18" charset="0"/>
+              </a:rPr>
+              <a:t>The </a:t>
+            </a:r>
+            <a:r>
+              <a:rPr lang="de-DE" sz="900" dirty="0" err="1">
+                <a:latin typeface="Calibri" panose="020F0502020204030204" pitchFamily="34" charset="0"/>
+                <a:ea typeface="Calibri" panose="020F0502020204030204" pitchFamily="34" charset="0"/>
+                <a:cs typeface="Times New Roman" panose="02020603050405020304" pitchFamily="18" charset="0"/>
+              </a:rPr>
+              <a:t>horse</a:t>
+            </a:r>
+            <a:r>
+              <a:rPr lang="de-DE" sz="900" dirty="0">
+                <a:latin typeface="Calibri" panose="020F0502020204030204" pitchFamily="34" charset="0"/>
+                <a:ea typeface="Calibri" panose="020F0502020204030204" pitchFamily="34" charset="0"/>
+                <a:cs typeface="Times New Roman" panose="02020603050405020304" pitchFamily="18" charset="0"/>
+              </a:rPr>
+              <a:t> was </a:t>
+            </a:r>
+            <a:r>
+              <a:rPr lang="de-DE" sz="900" dirty="0" err="1">
+                <a:latin typeface="Calibri" panose="020F0502020204030204" pitchFamily="34" charset="0"/>
+                <a:ea typeface="Calibri" panose="020F0502020204030204" pitchFamily="34" charset="0"/>
+                <a:cs typeface="Times New Roman" panose="02020603050405020304" pitchFamily="18" charset="0"/>
+              </a:rPr>
+              <a:t>lean</a:t>
+            </a:r>
+            <a:r>
+              <a:rPr lang="de-DE" sz="900" dirty="0">
+                <a:latin typeface="Calibri" panose="020F0502020204030204" pitchFamily="34" charset="0"/>
+                <a:ea typeface="Calibri" panose="020F0502020204030204" pitchFamily="34" charset="0"/>
+                <a:cs typeface="Times New Roman" panose="02020603050405020304" pitchFamily="18" charset="0"/>
+              </a:rPr>
+              <a:t> and </a:t>
+            </a:r>
+            <a:r>
+              <a:rPr lang="de-DE" sz="900" dirty="0" err="1">
+                <a:latin typeface="Calibri" panose="020F0502020204030204" pitchFamily="34" charset="0"/>
+                <a:ea typeface="Calibri" panose="020F0502020204030204" pitchFamily="34" charset="0"/>
+                <a:cs typeface="Times New Roman" panose="02020603050405020304" pitchFamily="18" charset="0"/>
+              </a:rPr>
+              <a:t>lank</a:t>
+            </a:r>
+            <a:r>
+              <a:rPr lang="de-DE" sz="900" dirty="0">
+                <a:latin typeface="Calibri" panose="020F0502020204030204" pitchFamily="34" charset="0"/>
+                <a:ea typeface="Calibri" panose="020F0502020204030204" pitchFamily="34" charset="0"/>
+                <a:cs typeface="Times New Roman" panose="02020603050405020304" pitchFamily="18" charset="0"/>
+              </a:rPr>
+              <a:t>, </a:t>
+            </a:r>
+            <a:r>
+              <a:rPr lang="de-DE" sz="900" dirty="0" err="1">
+                <a:latin typeface="Calibri" panose="020F0502020204030204" pitchFamily="34" charset="0"/>
+                <a:ea typeface="Calibri" panose="020F0502020204030204" pitchFamily="34" charset="0"/>
+                <a:cs typeface="Times New Roman" panose="02020603050405020304" pitchFamily="18" charset="0"/>
+              </a:rPr>
+              <a:t>misfortune</a:t>
+            </a:r>
+            <a:r>
+              <a:rPr lang="de-DE" sz="900" dirty="0">
+                <a:latin typeface="Calibri" panose="020F0502020204030204" pitchFamily="34" charset="0"/>
+                <a:ea typeface="Calibri" panose="020F0502020204030204" pitchFamily="34" charset="0"/>
+                <a:cs typeface="Times New Roman" panose="02020603050405020304" pitchFamily="18" charset="0"/>
+              </a:rPr>
+              <a:t> </a:t>
+            </a:r>
+            <a:r>
+              <a:rPr lang="de-DE" sz="900" dirty="0" err="1">
+                <a:latin typeface="Calibri" panose="020F0502020204030204" pitchFamily="34" charset="0"/>
+                <a:ea typeface="Calibri" panose="020F0502020204030204" pitchFamily="34" charset="0"/>
+                <a:cs typeface="Times New Roman" panose="02020603050405020304" pitchFamily="18" charset="0"/>
+              </a:rPr>
+              <a:t>seemed</a:t>
+            </a:r>
+            <a:r>
+              <a:rPr lang="de-DE" sz="900" dirty="0">
+                <a:latin typeface="Calibri" panose="020F0502020204030204" pitchFamily="34" charset="0"/>
+                <a:ea typeface="Calibri" panose="020F0502020204030204" pitchFamily="34" charset="0"/>
+                <a:cs typeface="Times New Roman" panose="02020603050405020304" pitchFamily="18" charset="0"/>
+              </a:rPr>
+              <a:t> </a:t>
+            </a:r>
+            <a:r>
+              <a:rPr lang="de-DE" sz="900" dirty="0" err="1">
+                <a:latin typeface="Calibri" panose="020F0502020204030204" pitchFamily="34" charset="0"/>
+                <a:ea typeface="Calibri" panose="020F0502020204030204" pitchFamily="34" charset="0"/>
+                <a:cs typeface="Times New Roman" panose="02020603050405020304" pitchFamily="18" charset="0"/>
+              </a:rPr>
+              <a:t>his</a:t>
+            </a:r>
+            <a:r>
+              <a:rPr lang="de-DE" sz="900" dirty="0">
+                <a:latin typeface="Calibri" panose="020F0502020204030204" pitchFamily="34" charset="0"/>
+                <a:ea typeface="Calibri" panose="020F0502020204030204" pitchFamily="34" charset="0"/>
+                <a:cs typeface="Times New Roman" panose="02020603050405020304" pitchFamily="18" charset="0"/>
+              </a:rPr>
+              <a:t> </a:t>
+            </a:r>
+            <a:r>
+              <a:rPr lang="de-DE" sz="900" dirty="0" err="1">
+                <a:latin typeface="Calibri" panose="020F0502020204030204" pitchFamily="34" charset="0"/>
+                <a:ea typeface="Calibri" panose="020F0502020204030204" pitchFamily="34" charset="0"/>
+                <a:cs typeface="Times New Roman" panose="02020603050405020304" pitchFamily="18" charset="0"/>
+              </a:rPr>
+              <a:t>lot</a:t>
+            </a:r>
+            <a:endParaRPr lang="de-DE" sz="900" dirty="0">
+              <a:latin typeface="Calibri" panose="020F0502020204030204" pitchFamily="34" charset="0"/>
+              <a:ea typeface="Calibri" panose="020F0502020204030204" pitchFamily="34" charset="0"/>
+              <a:cs typeface="Times New Roman" panose="02020603050405020304" pitchFamily="18" charset="0"/>
+            </a:endParaRPr>
+          </a:p>
+          <a:p>
+            <a:pPr>
+              <a:lnSpc>
+                <a:spcPct val="25000"/>
+              </a:lnSpc>
+              <a:spcAft>
+                <a:spcPts val="800"/>
+              </a:spcAft>
+            </a:pPr>
+            <a:r>
+              <a:rPr lang="de-DE" sz="900" dirty="0">
+                <a:latin typeface="Calibri" panose="020F0502020204030204" pitchFamily="34" charset="0"/>
+                <a:ea typeface="Calibri" panose="020F0502020204030204" pitchFamily="34" charset="0"/>
+                <a:cs typeface="Times New Roman" panose="02020603050405020304" pitchFamily="18" charset="0"/>
+              </a:rPr>
+              <a:t>He got </a:t>
+            </a:r>
+            <a:r>
+              <a:rPr lang="de-DE" sz="900" dirty="0" err="1">
+                <a:latin typeface="Calibri" panose="020F0502020204030204" pitchFamily="34" charset="0"/>
+                <a:ea typeface="Calibri" panose="020F0502020204030204" pitchFamily="34" charset="0"/>
+                <a:cs typeface="Times New Roman" panose="02020603050405020304" pitchFamily="18" charset="0"/>
+              </a:rPr>
+              <a:t>into</a:t>
+            </a:r>
+            <a:r>
+              <a:rPr lang="de-DE" sz="900" dirty="0">
+                <a:latin typeface="Calibri" panose="020F0502020204030204" pitchFamily="34" charset="0"/>
+                <a:ea typeface="Calibri" panose="020F0502020204030204" pitchFamily="34" charset="0"/>
+                <a:cs typeface="Times New Roman" panose="02020603050405020304" pitchFamily="18" charset="0"/>
+              </a:rPr>
+              <a:t> and </a:t>
+            </a:r>
+            <a:r>
+              <a:rPr lang="de-DE" sz="900" dirty="0" err="1">
+                <a:latin typeface="Calibri" panose="020F0502020204030204" pitchFamily="34" charset="0"/>
+                <a:ea typeface="Calibri" panose="020F0502020204030204" pitchFamily="34" charset="0"/>
+                <a:cs typeface="Times New Roman" panose="02020603050405020304" pitchFamily="18" charset="0"/>
+              </a:rPr>
+              <a:t>drifted</a:t>
+            </a:r>
+            <a:r>
+              <a:rPr lang="de-DE" sz="900" dirty="0">
+                <a:latin typeface="Calibri" panose="020F0502020204030204" pitchFamily="34" charset="0"/>
+                <a:ea typeface="Calibri" panose="020F0502020204030204" pitchFamily="34" charset="0"/>
+                <a:cs typeface="Times New Roman" panose="02020603050405020304" pitchFamily="18" charset="0"/>
+              </a:rPr>
+              <a:t> back, and we </a:t>
+            </a:r>
+            <a:r>
+              <a:rPr lang="de-DE" sz="900" dirty="0" err="1">
+                <a:latin typeface="Calibri" panose="020F0502020204030204" pitchFamily="34" charset="0"/>
+                <a:ea typeface="Calibri" panose="020F0502020204030204" pitchFamily="34" charset="0"/>
+                <a:cs typeface="Times New Roman" panose="02020603050405020304" pitchFamily="18" charset="0"/>
+              </a:rPr>
+              <a:t>we've</a:t>
+            </a:r>
+            <a:r>
+              <a:rPr lang="de-DE" sz="900" dirty="0">
+                <a:latin typeface="Calibri" panose="020F0502020204030204" pitchFamily="34" charset="0"/>
+                <a:ea typeface="Calibri" panose="020F0502020204030204" pitchFamily="34" charset="0"/>
+                <a:cs typeface="Times New Roman" panose="02020603050405020304" pitchFamily="18" charset="0"/>
+              </a:rPr>
+              <a:t> got </a:t>
+            </a:r>
+            <a:r>
+              <a:rPr lang="de-DE" sz="900" dirty="0" err="1">
+                <a:latin typeface="Calibri" panose="020F0502020204030204" pitchFamily="34" charset="0"/>
+                <a:ea typeface="Calibri" panose="020F0502020204030204" pitchFamily="34" charset="0"/>
+                <a:cs typeface="Times New Roman" panose="02020603050405020304" pitchFamily="18" charset="0"/>
+              </a:rPr>
+              <a:t>upset</a:t>
+            </a:r>
+            <a:endParaRPr lang="de-DE" sz="900" dirty="0">
+              <a:latin typeface="Calibri" panose="020F0502020204030204" pitchFamily="34" charset="0"/>
+              <a:ea typeface="Calibri" panose="020F0502020204030204" pitchFamily="34" charset="0"/>
+              <a:cs typeface="Times New Roman" panose="02020603050405020304" pitchFamily="18" charset="0"/>
+            </a:endParaRPr>
+          </a:p>
+          <a:p>
+            <a:pPr>
+              <a:lnSpc>
+                <a:spcPct val="107000"/>
+              </a:lnSpc>
+              <a:spcAft>
+                <a:spcPts val="800"/>
+              </a:spcAft>
+            </a:pPr>
+            <a:r>
+              <a:rPr lang="de-DE" sz="900" dirty="0">
+                <a:latin typeface="Calibri" panose="020F0502020204030204" pitchFamily="34" charset="0"/>
+                <a:ea typeface="Calibri" panose="020F0502020204030204" pitchFamily="34" charset="0"/>
+                <a:cs typeface="Times New Roman" panose="02020603050405020304" pitchFamily="18" charset="0"/>
+              </a:rPr>
+              <a:t> </a:t>
+            </a:r>
+          </a:p>
+          <a:p>
+            <a:pPr>
+              <a:lnSpc>
+                <a:spcPct val="25000"/>
+              </a:lnSpc>
+              <a:spcAft>
+                <a:spcPts val="800"/>
+              </a:spcAft>
+            </a:pPr>
+            <a:r>
+              <a:rPr lang="de-DE" sz="900" dirty="0">
+                <a:latin typeface="Calibri" panose="020F0502020204030204" pitchFamily="34" charset="0"/>
+                <a:ea typeface="Calibri" panose="020F0502020204030204" pitchFamily="34" charset="0"/>
+                <a:cs typeface="Times New Roman" panose="02020603050405020304" pitchFamily="18" charset="0"/>
+              </a:rPr>
+              <a:t>Jingle </a:t>
+            </a:r>
+            <a:r>
+              <a:rPr lang="de-DE" sz="900" dirty="0" err="1">
+                <a:latin typeface="Calibri" panose="020F0502020204030204" pitchFamily="34" charset="0"/>
+                <a:ea typeface="Calibri" panose="020F0502020204030204" pitchFamily="34" charset="0"/>
+                <a:cs typeface="Times New Roman" panose="02020603050405020304" pitchFamily="18" charset="0"/>
+              </a:rPr>
+              <a:t>bells</a:t>
+            </a:r>
+            <a:r>
+              <a:rPr lang="de-DE" sz="900" dirty="0">
+                <a:latin typeface="Calibri" panose="020F0502020204030204" pitchFamily="34" charset="0"/>
+                <a:ea typeface="Calibri" panose="020F0502020204030204" pitchFamily="34" charset="0"/>
+                <a:cs typeface="Times New Roman" panose="02020603050405020304" pitchFamily="18" charset="0"/>
+              </a:rPr>
+              <a:t>, </a:t>
+            </a:r>
+            <a:r>
+              <a:rPr lang="de-DE" sz="900" dirty="0" err="1">
+                <a:latin typeface="Calibri" panose="020F0502020204030204" pitchFamily="34" charset="0"/>
+                <a:ea typeface="Calibri" panose="020F0502020204030204" pitchFamily="34" charset="0"/>
+                <a:cs typeface="Times New Roman" panose="02020603050405020304" pitchFamily="18" charset="0"/>
+              </a:rPr>
+              <a:t>jingle</a:t>
+            </a:r>
+            <a:r>
+              <a:rPr lang="de-DE" sz="900" dirty="0">
+                <a:latin typeface="Calibri" panose="020F0502020204030204" pitchFamily="34" charset="0"/>
+                <a:ea typeface="Calibri" panose="020F0502020204030204" pitchFamily="34" charset="0"/>
+                <a:cs typeface="Times New Roman" panose="02020603050405020304" pitchFamily="18" charset="0"/>
+              </a:rPr>
+              <a:t> </a:t>
+            </a:r>
+            <a:r>
+              <a:rPr lang="de-DE" sz="900" dirty="0" err="1">
+                <a:latin typeface="Calibri" panose="020F0502020204030204" pitchFamily="34" charset="0"/>
+                <a:ea typeface="Calibri" panose="020F0502020204030204" pitchFamily="34" charset="0"/>
+                <a:cs typeface="Times New Roman" panose="02020603050405020304" pitchFamily="18" charset="0"/>
+              </a:rPr>
+              <a:t>bells</a:t>
+            </a:r>
+            <a:r>
+              <a:rPr lang="de-DE" sz="900" dirty="0">
+                <a:latin typeface="Calibri" panose="020F0502020204030204" pitchFamily="34" charset="0"/>
+                <a:ea typeface="Calibri" panose="020F0502020204030204" pitchFamily="34" charset="0"/>
+                <a:cs typeface="Times New Roman" panose="02020603050405020304" pitchFamily="18" charset="0"/>
+              </a:rPr>
+              <a:t>, </a:t>
+            </a:r>
+            <a:r>
+              <a:rPr lang="de-DE" sz="900" dirty="0" err="1">
+                <a:latin typeface="Calibri" panose="020F0502020204030204" pitchFamily="34" charset="0"/>
+                <a:ea typeface="Calibri" panose="020F0502020204030204" pitchFamily="34" charset="0"/>
+                <a:cs typeface="Times New Roman" panose="02020603050405020304" pitchFamily="18" charset="0"/>
+              </a:rPr>
+              <a:t>jingle</a:t>
+            </a:r>
+            <a:r>
+              <a:rPr lang="de-DE" sz="900" dirty="0">
+                <a:latin typeface="Calibri" panose="020F0502020204030204" pitchFamily="34" charset="0"/>
+                <a:ea typeface="Calibri" panose="020F0502020204030204" pitchFamily="34" charset="0"/>
+                <a:cs typeface="Times New Roman" panose="02020603050405020304" pitchFamily="18" charset="0"/>
+              </a:rPr>
+              <a:t> all the way</a:t>
+            </a:r>
+          </a:p>
+          <a:p>
+            <a:pPr>
+              <a:lnSpc>
+                <a:spcPct val="25000"/>
+              </a:lnSpc>
+              <a:spcAft>
+                <a:spcPts val="800"/>
+              </a:spcAft>
+            </a:pPr>
+            <a:r>
+              <a:rPr lang="de-DE" sz="900" dirty="0">
+                <a:latin typeface="Calibri" panose="020F0502020204030204" pitchFamily="34" charset="0"/>
+                <a:ea typeface="Calibri" panose="020F0502020204030204" pitchFamily="34" charset="0"/>
+                <a:cs typeface="Times New Roman" panose="02020603050405020304" pitchFamily="18" charset="0"/>
+              </a:rPr>
+              <a:t>Oh, </a:t>
+            </a:r>
+            <a:r>
+              <a:rPr lang="de-DE" sz="900" dirty="0" err="1">
+                <a:latin typeface="Calibri" panose="020F0502020204030204" pitchFamily="34" charset="0"/>
+                <a:ea typeface="Calibri" panose="020F0502020204030204" pitchFamily="34" charset="0"/>
+                <a:cs typeface="Times New Roman" panose="02020603050405020304" pitchFamily="18" charset="0"/>
+              </a:rPr>
+              <a:t>what</a:t>
+            </a:r>
+            <a:r>
+              <a:rPr lang="de-DE" sz="900" dirty="0">
+                <a:latin typeface="Calibri" panose="020F0502020204030204" pitchFamily="34" charset="0"/>
+                <a:ea typeface="Calibri" panose="020F0502020204030204" pitchFamily="34" charset="0"/>
+                <a:cs typeface="Times New Roman" panose="02020603050405020304" pitchFamily="18" charset="0"/>
+              </a:rPr>
+              <a:t> </a:t>
+            </a:r>
+            <a:r>
+              <a:rPr lang="de-DE" sz="900" dirty="0" err="1">
+                <a:latin typeface="Calibri" panose="020F0502020204030204" pitchFamily="34" charset="0"/>
+                <a:ea typeface="Calibri" panose="020F0502020204030204" pitchFamily="34" charset="0"/>
+                <a:cs typeface="Times New Roman" panose="02020603050405020304" pitchFamily="18" charset="0"/>
+              </a:rPr>
+              <a:t>fun</a:t>
+            </a:r>
+            <a:r>
+              <a:rPr lang="de-DE" sz="900" dirty="0">
+                <a:latin typeface="Calibri" panose="020F0502020204030204" pitchFamily="34" charset="0"/>
+                <a:ea typeface="Calibri" panose="020F0502020204030204" pitchFamily="34" charset="0"/>
+                <a:cs typeface="Times New Roman" panose="02020603050405020304" pitchFamily="18" charset="0"/>
+              </a:rPr>
+              <a:t> it is to </a:t>
+            </a:r>
+            <a:r>
+              <a:rPr lang="de-DE" sz="900" dirty="0" err="1">
+                <a:latin typeface="Calibri" panose="020F0502020204030204" pitchFamily="34" charset="0"/>
+                <a:ea typeface="Calibri" panose="020F0502020204030204" pitchFamily="34" charset="0"/>
+                <a:cs typeface="Times New Roman" panose="02020603050405020304" pitchFamily="18" charset="0"/>
+              </a:rPr>
+              <a:t>ride</a:t>
+            </a:r>
+            <a:r>
+              <a:rPr lang="de-DE" sz="900" dirty="0">
+                <a:latin typeface="Calibri" panose="020F0502020204030204" pitchFamily="34" charset="0"/>
+                <a:ea typeface="Calibri" panose="020F0502020204030204" pitchFamily="34" charset="0"/>
+                <a:cs typeface="Times New Roman" panose="02020603050405020304" pitchFamily="18" charset="0"/>
+              </a:rPr>
+              <a:t> in a one-</a:t>
+            </a:r>
+            <a:r>
+              <a:rPr lang="de-DE" sz="900" dirty="0" err="1">
+                <a:latin typeface="Calibri" panose="020F0502020204030204" pitchFamily="34" charset="0"/>
+                <a:ea typeface="Calibri" panose="020F0502020204030204" pitchFamily="34" charset="0"/>
+                <a:cs typeface="Times New Roman" panose="02020603050405020304" pitchFamily="18" charset="0"/>
+              </a:rPr>
+              <a:t>horse</a:t>
+            </a:r>
+            <a:r>
+              <a:rPr lang="de-DE" sz="900" dirty="0">
+                <a:latin typeface="Calibri" panose="020F0502020204030204" pitchFamily="34" charset="0"/>
+                <a:ea typeface="Calibri" panose="020F0502020204030204" pitchFamily="34" charset="0"/>
+                <a:cs typeface="Times New Roman" panose="02020603050405020304" pitchFamily="18" charset="0"/>
+              </a:rPr>
+              <a:t> open </a:t>
+            </a:r>
+            <a:r>
+              <a:rPr lang="de-DE" sz="900" dirty="0" err="1">
+                <a:latin typeface="Calibri" panose="020F0502020204030204" pitchFamily="34" charset="0"/>
+                <a:ea typeface="Calibri" panose="020F0502020204030204" pitchFamily="34" charset="0"/>
+                <a:cs typeface="Times New Roman" panose="02020603050405020304" pitchFamily="18" charset="0"/>
+              </a:rPr>
+              <a:t>sleigh</a:t>
+            </a:r>
+            <a:endParaRPr lang="de-DE" sz="900" dirty="0">
+              <a:latin typeface="Calibri" panose="020F0502020204030204" pitchFamily="34" charset="0"/>
+              <a:ea typeface="Calibri" panose="020F0502020204030204" pitchFamily="34" charset="0"/>
+              <a:cs typeface="Times New Roman" panose="02020603050405020304" pitchFamily="18" charset="0"/>
+            </a:endParaRPr>
+          </a:p>
+          <a:p>
+            <a:pPr>
+              <a:lnSpc>
+                <a:spcPct val="25000"/>
+              </a:lnSpc>
+              <a:spcAft>
+                <a:spcPts val="800"/>
+              </a:spcAft>
+            </a:pPr>
+            <a:r>
+              <a:rPr lang="de-DE" sz="900" dirty="0">
+                <a:latin typeface="Calibri" panose="020F0502020204030204" pitchFamily="34" charset="0"/>
+                <a:ea typeface="Calibri" panose="020F0502020204030204" pitchFamily="34" charset="0"/>
+                <a:cs typeface="Times New Roman" panose="02020603050405020304" pitchFamily="18" charset="0"/>
+              </a:rPr>
+              <a:t>Jingle </a:t>
+            </a:r>
+            <a:r>
+              <a:rPr lang="de-DE" sz="900" dirty="0" err="1">
+                <a:latin typeface="Calibri" panose="020F0502020204030204" pitchFamily="34" charset="0"/>
+                <a:ea typeface="Calibri" panose="020F0502020204030204" pitchFamily="34" charset="0"/>
+                <a:cs typeface="Times New Roman" panose="02020603050405020304" pitchFamily="18" charset="0"/>
+              </a:rPr>
+              <a:t>bells</a:t>
+            </a:r>
+            <a:r>
+              <a:rPr lang="de-DE" sz="900" dirty="0">
+                <a:latin typeface="Calibri" panose="020F0502020204030204" pitchFamily="34" charset="0"/>
+                <a:ea typeface="Calibri" panose="020F0502020204030204" pitchFamily="34" charset="0"/>
+                <a:cs typeface="Times New Roman" panose="02020603050405020304" pitchFamily="18" charset="0"/>
+              </a:rPr>
+              <a:t>, </a:t>
+            </a:r>
+            <a:r>
+              <a:rPr lang="de-DE" sz="900" dirty="0" err="1">
+                <a:latin typeface="Calibri" panose="020F0502020204030204" pitchFamily="34" charset="0"/>
+                <a:ea typeface="Calibri" panose="020F0502020204030204" pitchFamily="34" charset="0"/>
+                <a:cs typeface="Times New Roman" panose="02020603050405020304" pitchFamily="18" charset="0"/>
+              </a:rPr>
+              <a:t>jingle</a:t>
+            </a:r>
+            <a:r>
+              <a:rPr lang="de-DE" sz="900" dirty="0">
+                <a:latin typeface="Calibri" panose="020F0502020204030204" pitchFamily="34" charset="0"/>
+                <a:ea typeface="Calibri" panose="020F0502020204030204" pitchFamily="34" charset="0"/>
+                <a:cs typeface="Times New Roman" panose="02020603050405020304" pitchFamily="18" charset="0"/>
+              </a:rPr>
+              <a:t> </a:t>
+            </a:r>
+            <a:r>
+              <a:rPr lang="de-DE" sz="900" dirty="0" err="1">
+                <a:latin typeface="Calibri" panose="020F0502020204030204" pitchFamily="34" charset="0"/>
+                <a:ea typeface="Calibri" panose="020F0502020204030204" pitchFamily="34" charset="0"/>
+                <a:cs typeface="Times New Roman" panose="02020603050405020304" pitchFamily="18" charset="0"/>
+              </a:rPr>
+              <a:t>bells</a:t>
+            </a:r>
+            <a:r>
+              <a:rPr lang="de-DE" sz="900" dirty="0">
+                <a:latin typeface="Calibri" panose="020F0502020204030204" pitchFamily="34" charset="0"/>
+                <a:ea typeface="Calibri" panose="020F0502020204030204" pitchFamily="34" charset="0"/>
+                <a:cs typeface="Times New Roman" panose="02020603050405020304" pitchFamily="18" charset="0"/>
+              </a:rPr>
+              <a:t>, </a:t>
+            </a:r>
+            <a:r>
+              <a:rPr lang="de-DE" sz="900" dirty="0" err="1">
+                <a:latin typeface="Calibri" panose="020F0502020204030204" pitchFamily="34" charset="0"/>
+                <a:ea typeface="Calibri" panose="020F0502020204030204" pitchFamily="34" charset="0"/>
+                <a:cs typeface="Times New Roman" panose="02020603050405020304" pitchFamily="18" charset="0"/>
+              </a:rPr>
+              <a:t>jingle</a:t>
+            </a:r>
+            <a:r>
+              <a:rPr lang="de-DE" sz="900" dirty="0">
+                <a:latin typeface="Calibri" panose="020F0502020204030204" pitchFamily="34" charset="0"/>
+                <a:ea typeface="Calibri" panose="020F0502020204030204" pitchFamily="34" charset="0"/>
+                <a:cs typeface="Times New Roman" panose="02020603050405020304" pitchFamily="18" charset="0"/>
+              </a:rPr>
+              <a:t> all the way</a:t>
+            </a:r>
+          </a:p>
+          <a:p>
+            <a:pPr>
+              <a:lnSpc>
+                <a:spcPct val="25000"/>
+              </a:lnSpc>
+              <a:spcAft>
+                <a:spcPts val="800"/>
+              </a:spcAft>
+            </a:pPr>
+            <a:r>
+              <a:rPr lang="de-DE" sz="900" dirty="0">
+                <a:latin typeface="Calibri" panose="020F0502020204030204" pitchFamily="34" charset="0"/>
+                <a:ea typeface="Calibri" panose="020F0502020204030204" pitchFamily="34" charset="0"/>
+                <a:cs typeface="Times New Roman" panose="02020603050405020304" pitchFamily="18" charset="0"/>
+              </a:rPr>
+              <a:t>Oh, </a:t>
+            </a:r>
+            <a:r>
+              <a:rPr lang="de-DE" sz="900" dirty="0" err="1">
+                <a:latin typeface="Calibri" panose="020F0502020204030204" pitchFamily="34" charset="0"/>
+                <a:ea typeface="Calibri" panose="020F0502020204030204" pitchFamily="34" charset="0"/>
+                <a:cs typeface="Times New Roman" panose="02020603050405020304" pitchFamily="18" charset="0"/>
+              </a:rPr>
+              <a:t>what</a:t>
+            </a:r>
+            <a:r>
+              <a:rPr lang="de-DE" sz="900" dirty="0">
+                <a:latin typeface="Calibri" panose="020F0502020204030204" pitchFamily="34" charset="0"/>
+                <a:ea typeface="Calibri" panose="020F0502020204030204" pitchFamily="34" charset="0"/>
+                <a:cs typeface="Times New Roman" panose="02020603050405020304" pitchFamily="18" charset="0"/>
+              </a:rPr>
+              <a:t> </a:t>
+            </a:r>
+            <a:r>
+              <a:rPr lang="de-DE" sz="900" dirty="0" err="1">
+                <a:latin typeface="Calibri" panose="020F0502020204030204" pitchFamily="34" charset="0"/>
+                <a:ea typeface="Calibri" panose="020F0502020204030204" pitchFamily="34" charset="0"/>
+                <a:cs typeface="Times New Roman" panose="02020603050405020304" pitchFamily="18" charset="0"/>
+              </a:rPr>
+              <a:t>fun</a:t>
+            </a:r>
+            <a:r>
+              <a:rPr lang="de-DE" sz="900" dirty="0">
+                <a:latin typeface="Calibri" panose="020F0502020204030204" pitchFamily="34" charset="0"/>
+                <a:ea typeface="Calibri" panose="020F0502020204030204" pitchFamily="34" charset="0"/>
+                <a:cs typeface="Times New Roman" panose="02020603050405020304" pitchFamily="18" charset="0"/>
+              </a:rPr>
+              <a:t> it is to </a:t>
+            </a:r>
+            <a:r>
+              <a:rPr lang="de-DE" sz="900" dirty="0" err="1">
+                <a:latin typeface="Calibri" panose="020F0502020204030204" pitchFamily="34" charset="0"/>
+                <a:ea typeface="Calibri" panose="020F0502020204030204" pitchFamily="34" charset="0"/>
+                <a:cs typeface="Times New Roman" panose="02020603050405020304" pitchFamily="18" charset="0"/>
+              </a:rPr>
+              <a:t>ride</a:t>
+            </a:r>
+            <a:r>
+              <a:rPr lang="de-DE" sz="900" dirty="0">
+                <a:latin typeface="Calibri" panose="020F0502020204030204" pitchFamily="34" charset="0"/>
+                <a:ea typeface="Calibri" panose="020F0502020204030204" pitchFamily="34" charset="0"/>
+                <a:cs typeface="Times New Roman" panose="02020603050405020304" pitchFamily="18" charset="0"/>
+              </a:rPr>
+              <a:t> in a one-</a:t>
+            </a:r>
+            <a:r>
+              <a:rPr lang="de-DE" sz="900" dirty="0" err="1">
+                <a:latin typeface="Calibri" panose="020F0502020204030204" pitchFamily="34" charset="0"/>
+                <a:ea typeface="Calibri" panose="020F0502020204030204" pitchFamily="34" charset="0"/>
+                <a:cs typeface="Times New Roman" panose="02020603050405020304" pitchFamily="18" charset="0"/>
+              </a:rPr>
+              <a:t>horse</a:t>
+            </a:r>
+            <a:r>
+              <a:rPr lang="de-DE" sz="900" dirty="0">
+                <a:latin typeface="Calibri" panose="020F0502020204030204" pitchFamily="34" charset="0"/>
+                <a:ea typeface="Calibri" panose="020F0502020204030204" pitchFamily="34" charset="0"/>
+                <a:cs typeface="Times New Roman" panose="02020603050405020304" pitchFamily="18" charset="0"/>
+              </a:rPr>
+              <a:t> open </a:t>
+            </a:r>
+            <a:r>
+              <a:rPr lang="de-DE" sz="900" dirty="0" err="1">
+                <a:latin typeface="Calibri" panose="020F0502020204030204" pitchFamily="34" charset="0"/>
+                <a:ea typeface="Calibri" panose="020F0502020204030204" pitchFamily="34" charset="0"/>
+                <a:cs typeface="Times New Roman" panose="02020603050405020304" pitchFamily="18" charset="0"/>
+              </a:rPr>
+              <a:t>sleigh</a:t>
+            </a:r>
+            <a:endParaRPr lang="de-DE" sz="900" dirty="0">
+              <a:latin typeface="Calibri" panose="020F0502020204030204" pitchFamily="34" charset="0"/>
+              <a:ea typeface="Calibri" panose="020F0502020204030204" pitchFamily="34" charset="0"/>
+              <a:cs typeface="Times New Roman" panose="02020603050405020304" pitchFamily="18" charset="0"/>
+            </a:endParaRPr>
+          </a:p>
+        </p:txBody>
+      </p:sp>
+      <p:grpSp>
+        <p:nvGrpSpPr>
+          <p:cNvPr id="19" name="Gruppieren 18">
+            <a:extLst>
+              <a:ext uri="{FF2B5EF4-FFF2-40B4-BE49-F238E27FC236}">
+                <a16:creationId xmlns:a16="http://schemas.microsoft.com/office/drawing/2014/main" id="{548C8F46-934A-479B-8BC5-5EB70A41D717}"/>
+              </a:ext>
+            </a:extLst>
+          </p:cNvPr>
+          <p:cNvGrpSpPr/>
+          <p:nvPr/>
+        </p:nvGrpSpPr>
+        <p:grpSpPr>
+          <a:xfrm rot="10800000">
+            <a:off x="3043373" y="4548412"/>
+            <a:ext cx="3046921" cy="1631483"/>
+            <a:chOff x="2929205" y="4251277"/>
+            <a:chExt cx="3046921" cy="1631483"/>
+          </a:xfrm>
+        </p:grpSpPr>
+        <p:sp>
+          <p:nvSpPr>
+            <p:cNvPr id="29" name="Rechteck 28">
+              <a:extLst>
+                <a:ext uri="{FF2B5EF4-FFF2-40B4-BE49-F238E27FC236}">
+                  <a16:creationId xmlns:a16="http://schemas.microsoft.com/office/drawing/2014/main" id="{EA370561-3FE9-4E14-822B-1D207F85259C}"/>
+                </a:ext>
+              </a:extLst>
+            </p:cNvPr>
+            <p:cNvSpPr/>
+            <p:nvPr/>
+          </p:nvSpPr>
+          <p:spPr>
+            <a:xfrm>
+              <a:off x="2938347" y="4251277"/>
+              <a:ext cx="3014954" cy="400110"/>
+            </a:xfrm>
+            <a:prstGeom prst="rect">
+              <a:avLst/>
+            </a:prstGeom>
+            <a:noFill/>
+          </p:spPr>
+          <p:txBody>
+            <a:bodyPr wrap="square" rtlCol="0">
+              <a:spAutoFit/>
+            </a:bodyPr>
+            <a:lstStyle/>
+            <a:p>
+              <a:pPr algn="ctr"/>
+              <a:r>
+                <a:rPr lang="de-DE" sz="2000" b="1" dirty="0">
+                  <a:ln w="12700">
+                    <a:solidFill>
+                      <a:schemeClr val="accent5"/>
+                    </a:solidFill>
+                    <a:prstDash val="solid"/>
+                  </a:ln>
+                  <a:pattFill prst="ltDnDiag">
+                    <a:fgClr>
+                      <a:schemeClr val="accent5">
+                        <a:lumMod val="60000"/>
+                        <a:lumOff val="40000"/>
+                      </a:schemeClr>
+                    </a:fgClr>
+                    <a:bgClr>
+                      <a:schemeClr val="bg1"/>
+                    </a:bgClr>
+                  </a:pattFill>
+                </a:rPr>
+                <a:t>Weihnachtsquiz</a:t>
+              </a:r>
+            </a:p>
+          </p:txBody>
+        </p:sp>
+        <p:sp>
+          <p:nvSpPr>
+            <p:cNvPr id="30" name="Textfeld 29">
+              <a:extLst>
+                <a:ext uri="{FF2B5EF4-FFF2-40B4-BE49-F238E27FC236}">
+                  <a16:creationId xmlns:a16="http://schemas.microsoft.com/office/drawing/2014/main" id="{A274FFFB-9708-43EF-8CCD-5A2E294FCA49}"/>
+                </a:ext>
+              </a:extLst>
+            </p:cNvPr>
+            <p:cNvSpPr txBox="1"/>
+            <p:nvPr/>
+          </p:nvSpPr>
+          <p:spPr>
+            <a:xfrm>
+              <a:off x="2929205" y="5174874"/>
+              <a:ext cx="3046921" cy="707886"/>
+            </a:xfrm>
+            <a:prstGeom prst="rect">
+              <a:avLst/>
+            </a:prstGeom>
+            <a:noFill/>
+          </p:spPr>
+          <p:txBody>
+            <a:bodyPr wrap="square" rtlCol="0">
+              <a:spAutoFit/>
+            </a:bodyPr>
+            <a:lstStyle>
+              <a:defPPr>
+                <a:defRPr lang="de-DE"/>
+              </a:defPPr>
+              <a:lvl1pPr algn="ctr">
+                <a:defRPr sz="2000" b="1">
+                  <a:ln w="12700">
+                    <a:solidFill>
+                      <a:schemeClr val="accent5"/>
+                    </a:solidFill>
+                    <a:prstDash val="solid"/>
+                  </a:ln>
+                  <a:pattFill prst="ltDnDiag">
+                    <a:fgClr>
+                      <a:schemeClr val="accent5">
+                        <a:lumMod val="60000"/>
+                        <a:lumOff val="40000"/>
+                      </a:schemeClr>
+                    </a:fgClr>
+                    <a:bgClr>
+                      <a:schemeClr val="bg1"/>
+                    </a:bgClr>
+                  </a:pattFill>
+                </a:defRPr>
+              </a:lvl1pPr>
+            </a:lstStyle>
+            <a:p>
+              <a:r>
+                <a:rPr lang="de-DE" dirty="0"/>
+                <a:t>Von Jan-Hendrik </a:t>
+              </a:r>
+              <a:br>
+                <a:rPr lang="de-DE" dirty="0"/>
+              </a:br>
+              <a:r>
+                <a:rPr lang="de-DE" dirty="0"/>
+                <a:t>und Sarah</a:t>
+              </a:r>
+            </a:p>
+          </p:txBody>
+        </p:sp>
+      </p:grpSp>
     </p:spTree>
     <p:extLst>
       <p:ext uri="{BB962C8B-B14F-4D97-AF65-F5344CB8AC3E}">
